--- a/trunk/OMG/毕设.pptx
+++ b/trunk/OMG/毕设.pptx
@@ -7,6 +7,21 @@
   <p:sldIdLst>
     <p:sldId id="256" r:id="rId2"/>
     <p:sldId id="257" r:id="rId3"/>
+    <p:sldId id="258" r:id="rId4"/>
+    <p:sldId id="259" r:id="rId5"/>
+    <p:sldId id="260" r:id="rId6"/>
+    <p:sldId id="261" r:id="rId7"/>
+    <p:sldId id="262" r:id="rId8"/>
+    <p:sldId id="266" r:id="rId9"/>
+    <p:sldId id="263" r:id="rId10"/>
+    <p:sldId id="264" r:id="rId11"/>
+    <p:sldId id="265" r:id="rId12"/>
+    <p:sldId id="267" r:id="rId13"/>
+    <p:sldId id="268" r:id="rId14"/>
+    <p:sldId id="269" r:id="rId15"/>
+    <p:sldId id="270" r:id="rId16"/>
+    <p:sldId id="271" r:id="rId17"/>
+    <p:sldId id="272" r:id="rId18"/>
   </p:sldIdLst>
   <p:sldSz cx="9144000" cy="6858000" type="screen4x3"/>
   <p:notesSz cx="6858000" cy="9144000"/>
@@ -675,7 +690,7 @@
           <a:p>
             <a:fld id="{530820CF-B880-4189-942D-D702A7CBA730}" type="datetimeFigureOut">
               <a:rPr lang="zh-CN" altLang="en-US" smtClean="0"/>
-              <a:t>2012/5/8</a:t>
+              <a:t>2012/5/24</a:t>
             </a:fld>
             <a:endParaRPr lang="zh-CN" altLang="en-US"/>
           </a:p>
@@ -870,7 +885,7 @@
           <a:p>
             <a:fld id="{530820CF-B880-4189-942D-D702A7CBA730}" type="datetimeFigureOut">
               <a:rPr lang="zh-CN" altLang="en-US" smtClean="0"/>
-              <a:t>2012/5/8</a:t>
+              <a:t>2012/5/24</a:t>
             </a:fld>
             <a:endParaRPr lang="zh-CN" altLang="en-US"/>
           </a:p>
@@ -1062,7 +1077,7 @@
           <a:p>
             <a:fld id="{530820CF-B880-4189-942D-D702A7CBA730}" type="datetimeFigureOut">
               <a:rPr lang="zh-CN" altLang="en-US" smtClean="0"/>
-              <a:t>2012/5/8</a:t>
+              <a:t>2012/5/24</a:t>
             </a:fld>
             <a:endParaRPr lang="zh-CN" altLang="en-US"/>
           </a:p>
@@ -1244,7 +1259,7 @@
           <a:p>
             <a:fld id="{530820CF-B880-4189-942D-D702A7CBA730}" type="datetimeFigureOut">
               <a:rPr lang="zh-CN" altLang="en-US" smtClean="0"/>
-              <a:t>2012/5/8</a:t>
+              <a:t>2012/5/24</a:t>
             </a:fld>
             <a:endParaRPr lang="zh-CN" altLang="en-US"/>
           </a:p>
@@ -1448,7 +1463,7 @@
           <a:p>
             <a:fld id="{530820CF-B880-4189-942D-D702A7CBA730}" type="datetimeFigureOut">
               <a:rPr lang="zh-CN" altLang="en-US" smtClean="0"/>
-              <a:t>2012/5/8</a:t>
+              <a:t>2012/5/24</a:t>
             </a:fld>
             <a:endParaRPr lang="zh-CN" altLang="en-US"/>
           </a:p>
@@ -1748,7 +1763,7 @@
           <a:p>
             <a:fld id="{530820CF-B880-4189-942D-D702A7CBA730}" type="datetimeFigureOut">
               <a:rPr lang="zh-CN" altLang="en-US" smtClean="0"/>
-              <a:t>2012/5/8</a:t>
+              <a:t>2012/5/24</a:t>
             </a:fld>
             <a:endParaRPr lang="zh-CN" altLang="en-US"/>
           </a:p>
@@ -2187,7 +2202,7 @@
           <a:p>
             <a:fld id="{530820CF-B880-4189-942D-D702A7CBA730}" type="datetimeFigureOut">
               <a:rPr lang="zh-CN" altLang="en-US" smtClean="0"/>
-              <a:t>2012/5/8</a:t>
+              <a:t>2012/5/24</a:t>
             </a:fld>
             <a:endParaRPr lang="zh-CN" altLang="en-US"/>
           </a:p>
@@ -2317,7 +2332,7 @@
           <a:p>
             <a:fld id="{530820CF-B880-4189-942D-D702A7CBA730}" type="datetimeFigureOut">
               <a:rPr lang="zh-CN" altLang="en-US" smtClean="0"/>
-              <a:t>2012/5/8</a:t>
+              <a:t>2012/5/24</a:t>
             </a:fld>
             <a:endParaRPr lang="zh-CN" altLang="en-US"/>
           </a:p>
@@ -2424,7 +2439,7 @@
           <a:p>
             <a:fld id="{530820CF-B880-4189-942D-D702A7CBA730}" type="datetimeFigureOut">
               <a:rPr lang="zh-CN" altLang="en-US" smtClean="0"/>
-              <a:t>2012/5/8</a:t>
+              <a:t>2012/5/24</a:t>
             </a:fld>
             <a:endParaRPr lang="zh-CN" altLang="en-US"/>
           </a:p>
@@ -2713,7 +2728,7 @@
           <a:p>
             <a:fld id="{530820CF-B880-4189-942D-D702A7CBA730}" type="datetimeFigureOut">
               <a:rPr lang="zh-CN" altLang="en-US" smtClean="0"/>
-              <a:t>2012/5/8</a:t>
+              <a:t>2012/5/24</a:t>
             </a:fld>
             <a:endParaRPr lang="zh-CN" altLang="en-US"/>
           </a:p>
@@ -2982,7 +2997,7 @@
           <a:p>
             <a:fld id="{530820CF-B880-4189-942D-D702A7CBA730}" type="datetimeFigureOut">
               <a:rPr lang="zh-CN" altLang="en-US" smtClean="0"/>
-              <a:t>2012/5/8</a:t>
+              <a:t>2012/5/24</a:t>
             </a:fld>
             <a:endParaRPr lang="zh-CN" altLang="en-US"/>
           </a:p>
@@ -3732,7 +3747,7 @@
           <a:p>
             <a:fld id="{530820CF-B880-4189-942D-D702A7CBA730}" type="datetimeFigureOut">
               <a:rPr lang="zh-CN" altLang="en-US" smtClean="0"/>
-              <a:t>2012/5/8</a:t>
+              <a:t>2012/5/24</a:t>
             </a:fld>
             <a:endParaRPr lang="zh-CN" altLang="en-US"/>
           </a:p>
@@ -4360,7 +4375,34 @@
           <a:bodyPr/>
           <a:lstStyle/>
           <a:p>
-            <a:endParaRPr lang="zh-CN" altLang="en-US" dirty="0"/>
+            <a:pPr algn="ctr"/>
+            <a:r>
+              <a:rPr lang="zh-CN" altLang="en-US" dirty="0"/>
+              <a:t>基于触摸屏的</a:t>
+            </a:r>
+            <a:r>
+              <a:rPr lang="en-US" altLang="zh-CN" dirty="0"/>
+              <a:t>3D</a:t>
+            </a:r>
+            <a:r>
+              <a:rPr lang="zh-CN" altLang="en-US" dirty="0" smtClean="0"/>
+              <a:t>图像</a:t>
+            </a:r>
+            <a:r>
+              <a:rPr lang="en-US" altLang="zh-CN" dirty="0" smtClean="0"/>
+              <a:t/>
+            </a:r>
+            <a:br>
+              <a:rPr lang="en-US" altLang="zh-CN" dirty="0" smtClean="0"/>
+            </a:br>
+            <a:r>
+              <a:rPr lang="zh-CN" altLang="en-US" dirty="0" smtClean="0"/>
+              <a:t>标注</a:t>
+            </a:r>
+            <a:r>
+              <a:rPr lang="zh-CN" altLang="en-US" dirty="0"/>
+              <a:t>工具设计</a:t>
+            </a:r>
           </a:p>
         </p:txBody>
       </p:sp>
@@ -4379,7 +4421,35 @@
           <a:bodyPr/>
           <a:lstStyle/>
           <a:p>
-            <a:endParaRPr lang="zh-CN" altLang="en-US"/>
+            <a:pPr algn="r"/>
+            <a:r>
+              <a:rPr lang="zh-CN" altLang="en-US" sz="2400" dirty="0"/>
+              <a:t>答辩</a:t>
+            </a:r>
+            <a:r>
+              <a:rPr lang="zh-CN" altLang="en-US" sz="2400" dirty="0" smtClean="0"/>
+              <a:t>人：张吉安</a:t>
+            </a:r>
+            <a:endParaRPr lang="en-US" altLang="zh-CN" sz="2400" dirty="0" smtClean="0"/>
+          </a:p>
+          <a:p>
+            <a:pPr algn="r"/>
+            <a:r>
+              <a:rPr lang="zh-CN" altLang="en-US" sz="2400" dirty="0"/>
+              <a:t>指导</a:t>
+            </a:r>
+            <a:r>
+              <a:rPr lang="zh-CN" altLang="en-US" sz="2400" dirty="0" smtClean="0"/>
+              <a:t>老师：王亦洲</a:t>
+            </a:r>
+            <a:endParaRPr lang="en-US" altLang="zh-CN" sz="2400" dirty="0" smtClean="0"/>
+          </a:p>
+          <a:p>
+            <a:pPr algn="r"/>
+            <a:r>
+              <a:rPr lang="zh-CN" altLang="en-US" sz="2400" dirty="0"/>
+              <a:t>数字媒体研究所</a:t>
+            </a:r>
           </a:p>
         </p:txBody>
       </p:sp>
@@ -4387,6 +4457,1610 @@
     <p:extLst>
       <p:ext uri="{BB962C8B-B14F-4D97-AF65-F5344CB8AC3E}">
         <p14:creationId xmlns:p14="http://schemas.microsoft.com/office/powerpoint/2010/main" val="4232857672"/>
+      </p:ext>
+    </p:extLst>
+  </p:cSld>
+  <p:clrMapOvr>
+    <a:masterClrMapping/>
+  </p:clrMapOvr>
+  <p:timing>
+    <p:tnLst>
+      <p:par>
+        <p:cTn id="1" dur="indefinite" restart="never" nodeType="tmRoot"/>
+      </p:par>
+    </p:tnLst>
+  </p:timing>
+</p:sld>
+</file>
+
+<file path=ppt/slides/slide10.xml><?xml version="1.0" encoding="utf-8"?>
+<p:sld xmlns:a="http://schemas.openxmlformats.org/drawingml/2006/main" xmlns:r="http://schemas.openxmlformats.org/officeDocument/2006/relationships" xmlns:p="http://schemas.openxmlformats.org/presentationml/2006/main">
+  <p:cSld>
+    <p:spTree>
+      <p:nvGrpSpPr>
+        <p:cNvPr id="1" name=""/>
+        <p:cNvGrpSpPr/>
+        <p:nvPr/>
+      </p:nvGrpSpPr>
+      <p:grpSpPr>
+        <a:xfrm>
+          <a:off x="0" y="0"/>
+          <a:ext cx="0" cy="0"/>
+          <a:chOff x="0" y="0"/>
+          <a:chExt cx="0" cy="0"/>
+        </a:xfrm>
+      </p:grpSpPr>
+      <p:sp>
+        <p:nvSpPr>
+          <p:cNvPr id="2" name="标题 1"/>
+          <p:cNvSpPr>
+            <a:spLocks noGrp="1"/>
+          </p:cNvSpPr>
+          <p:nvPr>
+            <p:ph type="title"/>
+          </p:nvPr>
+        </p:nvSpPr>
+        <p:spPr/>
+        <p:txBody>
+          <a:bodyPr/>
+          <a:lstStyle/>
+          <a:p>
+            <a:r>
+              <a:rPr lang="zh-CN" altLang="en-US" dirty="0"/>
+              <a:t>前景标注方法</a:t>
+            </a:r>
+          </a:p>
+        </p:txBody>
+      </p:sp>
+      <p:sp>
+        <p:nvSpPr>
+          <p:cNvPr id="3" name="内容占位符 2"/>
+          <p:cNvSpPr>
+            <a:spLocks noGrp="1"/>
+          </p:cNvSpPr>
+          <p:nvPr>
+            <p:ph idx="1"/>
+          </p:nvPr>
+        </p:nvSpPr>
+        <p:spPr/>
+        <p:txBody>
+          <a:bodyPr/>
+          <a:lstStyle/>
+          <a:p>
+            <a:r>
+              <a:rPr lang="en-US" altLang="zh-CN" dirty="0" smtClean="0"/>
+              <a:t>Graph </a:t>
+            </a:r>
+            <a:r>
+              <a:rPr lang="en-US" altLang="zh-CN" dirty="0" smtClean="0"/>
+              <a:t>Cuts</a:t>
+            </a:r>
+          </a:p>
+          <a:p>
+            <a:r>
+              <a:rPr lang="zh-CN" altLang="en-US" dirty="0" smtClean="0"/>
+              <a:t>优点</a:t>
+            </a:r>
+            <a:endParaRPr lang="en-US" altLang="zh-CN" dirty="0" smtClean="0"/>
+          </a:p>
+          <a:p>
+            <a:pPr lvl="1"/>
+            <a:r>
+              <a:rPr lang="zh-CN" altLang="en-US" dirty="0" smtClean="0"/>
+              <a:t>前景物体一次估计完成</a:t>
+            </a:r>
+            <a:endParaRPr lang="en-US" altLang="zh-CN" dirty="0" smtClean="0"/>
+          </a:p>
+          <a:p>
+            <a:r>
+              <a:rPr lang="zh-CN" altLang="en-US" dirty="0"/>
+              <a:t>缺点</a:t>
+            </a:r>
+            <a:endParaRPr lang="en-US" altLang="zh-CN" dirty="0" smtClean="0"/>
+          </a:p>
+          <a:p>
+            <a:pPr lvl="1"/>
+            <a:r>
+              <a:rPr lang="zh-CN" altLang="en-US" dirty="0"/>
+              <a:t>计算</a:t>
+            </a:r>
+            <a:r>
+              <a:rPr lang="zh-CN" altLang="en-US" dirty="0" smtClean="0"/>
+              <a:t>量</a:t>
+            </a:r>
+            <a:r>
+              <a:rPr lang="zh-CN" altLang="en-US" dirty="0" smtClean="0"/>
+              <a:t>较大</a:t>
+            </a:r>
+            <a:endParaRPr lang="en-US" altLang="zh-CN" dirty="0" smtClean="0"/>
+          </a:p>
+          <a:p>
+            <a:pPr lvl="1"/>
+            <a:r>
+              <a:rPr lang="zh-CN" altLang="en-US" dirty="0"/>
+              <a:t>计算</a:t>
+            </a:r>
+            <a:r>
+              <a:rPr lang="zh-CN" altLang="en-US" dirty="0" smtClean="0"/>
+              <a:t>量耗费在无关的问题上</a:t>
+            </a:r>
+            <a:endParaRPr lang="en-US" altLang="zh-CN" dirty="0" smtClean="0"/>
+          </a:p>
+          <a:p>
+            <a:pPr lvl="1"/>
+            <a:r>
+              <a:rPr lang="zh-CN" altLang="en-US" dirty="0" smtClean="0"/>
+              <a:t>往往还需要很多调整</a:t>
+            </a:r>
+            <a:endParaRPr lang="en-US" altLang="zh-CN" dirty="0" smtClean="0"/>
+          </a:p>
+          <a:p>
+            <a:pPr lvl="1"/>
+            <a:endParaRPr lang="zh-CN" altLang="en-US" dirty="0"/>
+          </a:p>
+        </p:txBody>
+      </p:sp>
+      <p:pic>
+        <p:nvPicPr>
+          <p:cNvPr id="1026" name="Picture 2"/>
+          <p:cNvPicPr>
+            <a:picLocks noChangeAspect="1" noChangeArrowheads="1"/>
+          </p:cNvPicPr>
+          <p:nvPr/>
+        </p:nvPicPr>
+        <p:blipFill>
+          <a:blip r:embed="rId2">
+            <a:extLst>
+              <a:ext uri="{28A0092B-C50C-407E-A947-70E740481C1C}">
+                <a14:useLocalDpi xmlns:a14="http://schemas.microsoft.com/office/drawing/2010/main" val="0"/>
+              </a:ext>
+            </a:extLst>
+          </a:blip>
+          <a:srcRect/>
+          <a:stretch>
+            <a:fillRect/>
+          </a:stretch>
+        </p:blipFill>
+        <p:spPr bwMode="auto">
+          <a:xfrm>
+            <a:off x="5580112" y="1628800"/>
+            <a:ext cx="3388417" cy="3312368"/>
+          </a:xfrm>
+          <a:prstGeom prst="rect">
+            <a:avLst/>
+          </a:prstGeom>
+          <a:noFill/>
+          <a:ln>
+            <a:noFill/>
+          </a:ln>
+          <a:effectLst/>
+          <a:extLst>
+            <a:ext uri="{909E8E84-426E-40DD-AFC4-6F175D3DCCD1}">
+              <a14:hiddenFill xmlns:a14="http://schemas.microsoft.com/office/drawing/2010/main">
+                <a:solidFill>
+                  <a:schemeClr val="accent1"/>
+                </a:solidFill>
+              </a14:hiddenFill>
+            </a:ext>
+            <a:ext uri="{91240B29-F687-4F45-9708-019B960494DF}">
+              <a14:hiddenLine xmlns:a14="http://schemas.microsoft.com/office/drawing/2010/main" w="9525">
+                <a:solidFill>
+                  <a:schemeClr val="tx1"/>
+                </a:solidFill>
+                <a:miter lim="800000"/>
+                <a:headEnd/>
+                <a:tailEnd/>
+              </a14:hiddenLine>
+            </a:ext>
+            <a:ext uri="{AF507438-7753-43E0-B8FC-AC1667EBCBE1}">
+              <a14:hiddenEffects xmlns:a14="http://schemas.microsoft.com/office/drawing/2010/main">
+                <a:effectLst>
+                  <a:outerShdw dist="35921" dir="2700000" algn="ctr" rotWithShape="0">
+                    <a:schemeClr val="bg2"/>
+                  </a:outerShdw>
+                </a:effectLst>
+              </a14:hiddenEffects>
+            </a:ext>
+          </a:extLst>
+        </p:spPr>
+      </p:pic>
+    </p:spTree>
+    <p:extLst>
+      <p:ext uri="{BB962C8B-B14F-4D97-AF65-F5344CB8AC3E}">
+        <p14:creationId xmlns:p14="http://schemas.microsoft.com/office/powerpoint/2010/main" val="2205278183"/>
+      </p:ext>
+    </p:extLst>
+  </p:cSld>
+  <p:clrMapOvr>
+    <a:masterClrMapping/>
+  </p:clrMapOvr>
+  <p:timing>
+    <p:tnLst>
+      <p:par>
+        <p:cTn id="1" dur="indefinite" restart="never" nodeType="tmRoot"/>
+      </p:par>
+    </p:tnLst>
+  </p:timing>
+</p:sld>
+</file>
+
+<file path=ppt/slides/slide11.xml><?xml version="1.0" encoding="utf-8"?>
+<p:sld xmlns:a="http://schemas.openxmlformats.org/drawingml/2006/main" xmlns:r="http://schemas.openxmlformats.org/officeDocument/2006/relationships" xmlns:p="http://schemas.openxmlformats.org/presentationml/2006/main">
+  <p:cSld>
+    <p:spTree>
+      <p:nvGrpSpPr>
+        <p:cNvPr id="1" name=""/>
+        <p:cNvGrpSpPr/>
+        <p:nvPr/>
+      </p:nvGrpSpPr>
+      <p:grpSpPr>
+        <a:xfrm>
+          <a:off x="0" y="0"/>
+          <a:ext cx="0" cy="0"/>
+          <a:chOff x="0" y="0"/>
+          <a:chExt cx="0" cy="0"/>
+        </a:xfrm>
+      </p:grpSpPr>
+      <p:sp>
+        <p:nvSpPr>
+          <p:cNvPr id="2" name="标题 1"/>
+          <p:cNvSpPr>
+            <a:spLocks noGrp="1"/>
+          </p:cNvSpPr>
+          <p:nvPr>
+            <p:ph type="title"/>
+          </p:nvPr>
+        </p:nvSpPr>
+        <p:spPr/>
+        <p:txBody>
+          <a:bodyPr/>
+          <a:lstStyle/>
+          <a:p>
+            <a:r>
+              <a:rPr lang="zh-CN" altLang="en-US" dirty="0"/>
+              <a:t>前景标注方法</a:t>
+            </a:r>
+          </a:p>
+        </p:txBody>
+      </p:sp>
+      <p:sp>
+        <p:nvSpPr>
+          <p:cNvPr id="3" name="内容占位符 2"/>
+          <p:cNvSpPr>
+            <a:spLocks noGrp="1"/>
+          </p:cNvSpPr>
+          <p:nvPr>
+            <p:ph idx="1"/>
+          </p:nvPr>
+        </p:nvSpPr>
+        <p:spPr/>
+        <p:txBody>
+          <a:bodyPr/>
+          <a:lstStyle/>
+          <a:p>
+            <a:r>
+              <a:rPr lang="en-US" altLang="zh-CN" dirty="0"/>
+              <a:t>Intelligent </a:t>
+            </a:r>
+            <a:r>
+              <a:rPr lang="en-US" altLang="zh-CN" dirty="0" smtClean="0"/>
+              <a:t>Scissors</a:t>
+            </a:r>
+          </a:p>
+          <a:p>
+            <a:r>
+              <a:rPr lang="zh-CN" altLang="en-US" dirty="0" smtClean="0"/>
+              <a:t>优点</a:t>
+            </a:r>
+            <a:endParaRPr lang="en-US" altLang="zh-CN" dirty="0" smtClean="0"/>
+          </a:p>
+          <a:p>
+            <a:pPr lvl="1"/>
+            <a:r>
+              <a:rPr lang="zh-CN" altLang="en-US" dirty="0"/>
+              <a:t>计算</a:t>
+            </a:r>
+            <a:r>
+              <a:rPr lang="zh-CN" altLang="en-US" dirty="0" smtClean="0"/>
+              <a:t>量小</a:t>
+            </a:r>
+            <a:endParaRPr lang="en-US" altLang="zh-CN" dirty="0" smtClean="0"/>
+          </a:p>
+          <a:p>
+            <a:r>
+              <a:rPr lang="zh-CN" altLang="en-US" dirty="0" smtClean="0"/>
+              <a:t>缺点</a:t>
+            </a:r>
+            <a:endParaRPr lang="en-US" altLang="zh-CN" dirty="0" smtClean="0"/>
+          </a:p>
+          <a:p>
+            <a:pPr lvl="1"/>
+            <a:r>
+              <a:rPr lang="zh-CN" altLang="en-US" dirty="0" smtClean="0"/>
+              <a:t>不能一次操作分割完毕</a:t>
+            </a:r>
+            <a:endParaRPr lang="en-US" altLang="zh-CN" dirty="0" smtClean="0"/>
+          </a:p>
+          <a:p>
+            <a:pPr lvl="1"/>
+            <a:r>
+              <a:rPr lang="zh-CN" altLang="en-US" dirty="0" smtClean="0"/>
+              <a:t>在特定材质的前景上效果不好</a:t>
+            </a:r>
+            <a:endParaRPr lang="en-US" altLang="zh-CN" dirty="0" smtClean="0"/>
+          </a:p>
+        </p:txBody>
+      </p:sp>
+      <p:pic>
+        <p:nvPicPr>
+          <p:cNvPr id="3074" name="Picture 2"/>
+          <p:cNvPicPr>
+            <a:picLocks noChangeAspect="1" noChangeArrowheads="1"/>
+          </p:cNvPicPr>
+          <p:nvPr/>
+        </p:nvPicPr>
+        <p:blipFill>
+          <a:blip r:embed="rId2">
+            <a:extLst>
+              <a:ext uri="{28A0092B-C50C-407E-A947-70E740481C1C}">
+                <a14:useLocalDpi xmlns:a14="http://schemas.microsoft.com/office/drawing/2010/main" val="0"/>
+              </a:ext>
+            </a:extLst>
+          </a:blip>
+          <a:srcRect/>
+          <a:stretch>
+            <a:fillRect/>
+          </a:stretch>
+        </p:blipFill>
+        <p:spPr bwMode="auto">
+          <a:xfrm>
+            <a:off x="5724128" y="2132856"/>
+            <a:ext cx="3096344" cy="2696085"/>
+          </a:xfrm>
+          <a:prstGeom prst="rect">
+            <a:avLst/>
+          </a:prstGeom>
+          <a:noFill/>
+          <a:ln>
+            <a:noFill/>
+          </a:ln>
+          <a:effectLst/>
+          <a:extLst>
+            <a:ext uri="{909E8E84-426E-40DD-AFC4-6F175D3DCCD1}">
+              <a14:hiddenFill xmlns:a14="http://schemas.microsoft.com/office/drawing/2010/main">
+                <a:solidFill>
+                  <a:schemeClr val="accent1"/>
+                </a:solidFill>
+              </a14:hiddenFill>
+            </a:ext>
+            <a:ext uri="{91240B29-F687-4F45-9708-019B960494DF}">
+              <a14:hiddenLine xmlns:a14="http://schemas.microsoft.com/office/drawing/2010/main" w="9525">
+                <a:solidFill>
+                  <a:schemeClr val="tx1"/>
+                </a:solidFill>
+                <a:miter lim="800000"/>
+                <a:headEnd/>
+                <a:tailEnd/>
+              </a14:hiddenLine>
+            </a:ext>
+            <a:ext uri="{AF507438-7753-43E0-B8FC-AC1667EBCBE1}">
+              <a14:hiddenEffects xmlns:a14="http://schemas.microsoft.com/office/drawing/2010/main">
+                <a:effectLst>
+                  <a:outerShdw dist="35921" dir="2700000" algn="ctr" rotWithShape="0">
+                    <a:schemeClr val="bg2"/>
+                  </a:outerShdw>
+                </a:effectLst>
+              </a14:hiddenEffects>
+            </a:ext>
+          </a:extLst>
+        </p:spPr>
+      </p:pic>
+    </p:spTree>
+    <p:extLst>
+      <p:ext uri="{BB962C8B-B14F-4D97-AF65-F5344CB8AC3E}">
+        <p14:creationId xmlns:p14="http://schemas.microsoft.com/office/powerpoint/2010/main" val="3441479016"/>
+      </p:ext>
+    </p:extLst>
+  </p:cSld>
+  <p:clrMapOvr>
+    <a:masterClrMapping/>
+  </p:clrMapOvr>
+  <p:timing>
+    <p:tnLst>
+      <p:par>
+        <p:cTn id="1" dur="indefinite" restart="never" nodeType="tmRoot"/>
+      </p:par>
+    </p:tnLst>
+  </p:timing>
+</p:sld>
+</file>
+
+<file path=ppt/slides/slide12.xml><?xml version="1.0" encoding="utf-8"?>
+<p:sld xmlns:a="http://schemas.openxmlformats.org/drawingml/2006/main" xmlns:r="http://schemas.openxmlformats.org/officeDocument/2006/relationships" xmlns:p="http://schemas.openxmlformats.org/presentationml/2006/main">
+  <p:cSld>
+    <p:spTree>
+      <p:nvGrpSpPr>
+        <p:cNvPr id="1" name=""/>
+        <p:cNvGrpSpPr/>
+        <p:nvPr/>
+      </p:nvGrpSpPr>
+      <p:grpSpPr>
+        <a:xfrm>
+          <a:off x="0" y="0"/>
+          <a:ext cx="0" cy="0"/>
+          <a:chOff x="0" y="0"/>
+          <a:chExt cx="0" cy="0"/>
+        </a:xfrm>
+      </p:grpSpPr>
+      <p:sp>
+        <p:nvSpPr>
+          <p:cNvPr id="2" name="标题 1"/>
+          <p:cNvSpPr>
+            <a:spLocks noGrp="1"/>
+          </p:cNvSpPr>
+          <p:nvPr>
+            <p:ph type="title"/>
+          </p:nvPr>
+        </p:nvSpPr>
+        <p:spPr/>
+        <p:txBody>
+          <a:bodyPr/>
+          <a:lstStyle/>
+          <a:p>
+            <a:r>
+              <a:rPr lang="zh-CN" altLang="en-US" dirty="0" smtClean="0"/>
+              <a:t>软件模型设计</a:t>
+            </a:r>
+            <a:endParaRPr lang="zh-CN" altLang="en-US" dirty="0"/>
+          </a:p>
+        </p:txBody>
+      </p:sp>
+      <p:sp>
+        <p:nvSpPr>
+          <p:cNvPr id="3" name="内容占位符 2"/>
+          <p:cNvSpPr>
+            <a:spLocks noGrp="1"/>
+          </p:cNvSpPr>
+          <p:nvPr>
+            <p:ph idx="1"/>
+          </p:nvPr>
+        </p:nvSpPr>
+        <p:spPr/>
+        <p:txBody>
+          <a:bodyPr/>
+          <a:lstStyle/>
+          <a:p>
+            <a:r>
+              <a:rPr lang="zh-CN" altLang="en-US" dirty="0" smtClean="0"/>
+              <a:t>需求分析及构建图</a:t>
+            </a:r>
+            <a:endParaRPr lang="en-US" altLang="zh-CN" dirty="0" smtClean="0"/>
+          </a:p>
+          <a:p>
+            <a:r>
+              <a:rPr lang="zh-CN" altLang="en-US" dirty="0"/>
+              <a:t>用</a:t>
+            </a:r>
+            <a:r>
+              <a:rPr lang="zh-CN" altLang="en-US" dirty="0" smtClean="0"/>
+              <a:t>况分析及用况图</a:t>
+            </a:r>
+            <a:endParaRPr lang="en-US" altLang="zh-CN" dirty="0" smtClean="0"/>
+          </a:p>
+          <a:p>
+            <a:r>
+              <a:rPr lang="zh-CN" altLang="en-US" dirty="0" smtClean="0"/>
+              <a:t>类图文档</a:t>
+            </a:r>
+            <a:endParaRPr lang="en-US" altLang="zh-CN" dirty="0" smtClean="0"/>
+          </a:p>
+          <a:p>
+            <a:endParaRPr lang="zh-CN" altLang="en-US" dirty="0"/>
+          </a:p>
+        </p:txBody>
+      </p:sp>
+    </p:spTree>
+    <p:extLst>
+      <p:ext uri="{BB962C8B-B14F-4D97-AF65-F5344CB8AC3E}">
+        <p14:creationId xmlns:p14="http://schemas.microsoft.com/office/powerpoint/2010/main" val="3880766474"/>
+      </p:ext>
+    </p:extLst>
+  </p:cSld>
+  <p:clrMapOvr>
+    <a:masterClrMapping/>
+  </p:clrMapOvr>
+  <p:timing>
+    <p:tnLst>
+      <p:par>
+        <p:cTn id="1" dur="indefinite" restart="never" nodeType="tmRoot"/>
+      </p:par>
+    </p:tnLst>
+  </p:timing>
+</p:sld>
+</file>
+
+<file path=ppt/slides/slide13.xml><?xml version="1.0" encoding="utf-8"?>
+<p:sld xmlns:a="http://schemas.openxmlformats.org/drawingml/2006/main" xmlns:r="http://schemas.openxmlformats.org/officeDocument/2006/relationships" xmlns:p="http://schemas.openxmlformats.org/presentationml/2006/main">
+  <p:cSld>
+    <p:spTree>
+      <p:nvGrpSpPr>
+        <p:cNvPr id="1" name=""/>
+        <p:cNvGrpSpPr/>
+        <p:nvPr/>
+      </p:nvGrpSpPr>
+      <p:grpSpPr>
+        <a:xfrm>
+          <a:off x="0" y="0"/>
+          <a:ext cx="0" cy="0"/>
+          <a:chOff x="0" y="0"/>
+          <a:chExt cx="0" cy="0"/>
+        </a:xfrm>
+      </p:grpSpPr>
+      <p:sp>
+        <p:nvSpPr>
+          <p:cNvPr id="2" name="标题 1"/>
+          <p:cNvSpPr>
+            <a:spLocks noGrp="1"/>
+          </p:cNvSpPr>
+          <p:nvPr>
+            <p:ph type="title"/>
+          </p:nvPr>
+        </p:nvSpPr>
+        <p:spPr/>
+        <p:txBody>
+          <a:bodyPr/>
+          <a:lstStyle/>
+          <a:p>
+            <a:r>
+              <a:rPr lang="zh-CN" altLang="en-US" dirty="0"/>
+              <a:t>需求分析及构建</a:t>
+            </a:r>
+            <a:r>
+              <a:rPr lang="zh-CN" altLang="en-US" dirty="0" smtClean="0"/>
+              <a:t>图</a:t>
+            </a:r>
+            <a:endParaRPr lang="zh-CN" altLang="en-US" dirty="0"/>
+          </a:p>
+        </p:txBody>
+      </p:sp>
+      <p:sp>
+        <p:nvSpPr>
+          <p:cNvPr id="3" name="内容占位符 2"/>
+          <p:cNvSpPr>
+            <a:spLocks noGrp="1"/>
+          </p:cNvSpPr>
+          <p:nvPr>
+            <p:ph idx="1"/>
+          </p:nvPr>
+        </p:nvSpPr>
+        <p:spPr/>
+        <p:txBody>
+          <a:bodyPr/>
+          <a:lstStyle/>
+          <a:p>
+            <a:r>
+              <a:rPr lang="zh-CN" altLang="en-US" dirty="0" smtClean="0"/>
+              <a:t>需求分析</a:t>
+            </a:r>
+            <a:endParaRPr lang="en-US" altLang="zh-CN" dirty="0" smtClean="0"/>
+          </a:p>
+          <a:p>
+            <a:pPr lvl="1"/>
+            <a:r>
+              <a:rPr lang="zh-CN" altLang="en-US" dirty="0" smtClean="0"/>
+              <a:t>文件浏览</a:t>
+            </a:r>
+            <a:endParaRPr lang="en-US" altLang="zh-CN" dirty="0" smtClean="0"/>
+          </a:p>
+          <a:p>
+            <a:pPr lvl="1"/>
+            <a:r>
+              <a:rPr lang="zh-CN" altLang="en-US" dirty="0" smtClean="0"/>
+              <a:t>前景标注</a:t>
+            </a:r>
+            <a:endParaRPr lang="en-US" altLang="zh-CN" dirty="0" smtClean="0"/>
+          </a:p>
+          <a:p>
+            <a:pPr lvl="1"/>
+            <a:r>
+              <a:rPr lang="zh-CN" altLang="en-US" dirty="0" smtClean="0"/>
+              <a:t>深度图和立体图</a:t>
+            </a:r>
+            <a:endParaRPr lang="en-US" altLang="zh-CN" dirty="0" smtClean="0"/>
+          </a:p>
+          <a:p>
+            <a:pPr marL="457200" lvl="1" indent="0">
+              <a:buNone/>
+            </a:pPr>
+            <a:r>
+              <a:rPr lang="zh-CN" altLang="en-US" dirty="0" smtClean="0"/>
+              <a:t>生成</a:t>
+            </a:r>
+            <a:endParaRPr lang="en-US" altLang="zh-CN" dirty="0" smtClean="0"/>
+          </a:p>
+          <a:p>
+            <a:r>
+              <a:rPr lang="zh-CN" altLang="en-US" dirty="0" smtClean="0"/>
+              <a:t>子系统划分</a:t>
+            </a:r>
+            <a:endParaRPr lang="en-US" altLang="zh-CN" dirty="0" smtClean="0"/>
+          </a:p>
+        </p:txBody>
+      </p:sp>
+      <p:pic>
+        <p:nvPicPr>
+          <p:cNvPr id="4098" name="Picture 2"/>
+          <p:cNvPicPr>
+            <a:picLocks noChangeAspect="1" noChangeArrowheads="1"/>
+          </p:cNvPicPr>
+          <p:nvPr/>
+        </p:nvPicPr>
+        <p:blipFill>
+          <a:blip r:embed="rId2">
+            <a:extLst>
+              <a:ext uri="{28A0092B-C50C-407E-A947-70E740481C1C}">
+                <a14:useLocalDpi xmlns:a14="http://schemas.microsoft.com/office/drawing/2010/main" val="0"/>
+              </a:ext>
+            </a:extLst>
+          </a:blip>
+          <a:srcRect/>
+          <a:stretch>
+            <a:fillRect/>
+          </a:stretch>
+        </p:blipFill>
+        <p:spPr bwMode="auto">
+          <a:xfrm>
+            <a:off x="4585432" y="1844824"/>
+            <a:ext cx="4524375" cy="4895850"/>
+          </a:xfrm>
+          <a:prstGeom prst="rect">
+            <a:avLst/>
+          </a:prstGeom>
+          <a:noFill/>
+          <a:ln>
+            <a:noFill/>
+          </a:ln>
+          <a:effectLst/>
+          <a:extLst>
+            <a:ext uri="{909E8E84-426E-40DD-AFC4-6F175D3DCCD1}">
+              <a14:hiddenFill xmlns:a14="http://schemas.microsoft.com/office/drawing/2010/main">
+                <a:solidFill>
+                  <a:schemeClr val="accent1"/>
+                </a:solidFill>
+              </a14:hiddenFill>
+            </a:ext>
+            <a:ext uri="{91240B29-F687-4F45-9708-019B960494DF}">
+              <a14:hiddenLine xmlns:a14="http://schemas.microsoft.com/office/drawing/2010/main" w="9525">
+                <a:solidFill>
+                  <a:schemeClr val="tx1"/>
+                </a:solidFill>
+                <a:miter lim="800000"/>
+                <a:headEnd/>
+                <a:tailEnd/>
+              </a14:hiddenLine>
+            </a:ext>
+            <a:ext uri="{AF507438-7753-43E0-B8FC-AC1667EBCBE1}">
+              <a14:hiddenEffects xmlns:a14="http://schemas.microsoft.com/office/drawing/2010/main">
+                <a:effectLst>
+                  <a:outerShdw dist="35921" dir="2700000" algn="ctr" rotWithShape="0">
+                    <a:schemeClr val="bg2"/>
+                  </a:outerShdw>
+                </a:effectLst>
+              </a14:hiddenEffects>
+            </a:ext>
+          </a:extLst>
+        </p:spPr>
+      </p:pic>
+    </p:spTree>
+    <p:extLst>
+      <p:ext uri="{BB962C8B-B14F-4D97-AF65-F5344CB8AC3E}">
+        <p14:creationId xmlns:p14="http://schemas.microsoft.com/office/powerpoint/2010/main" val="3631890774"/>
+      </p:ext>
+    </p:extLst>
+  </p:cSld>
+  <p:clrMapOvr>
+    <a:masterClrMapping/>
+  </p:clrMapOvr>
+  <p:timing>
+    <p:tnLst>
+      <p:par>
+        <p:cTn id="1" dur="indefinite" restart="never" nodeType="tmRoot"/>
+      </p:par>
+    </p:tnLst>
+  </p:timing>
+</p:sld>
+</file>
+
+<file path=ppt/slides/slide14.xml><?xml version="1.0" encoding="utf-8"?>
+<p:sld xmlns:a="http://schemas.openxmlformats.org/drawingml/2006/main" xmlns:r="http://schemas.openxmlformats.org/officeDocument/2006/relationships" xmlns:p="http://schemas.openxmlformats.org/presentationml/2006/main">
+  <p:cSld>
+    <p:spTree>
+      <p:nvGrpSpPr>
+        <p:cNvPr id="1" name=""/>
+        <p:cNvGrpSpPr/>
+        <p:nvPr/>
+      </p:nvGrpSpPr>
+      <p:grpSpPr>
+        <a:xfrm>
+          <a:off x="0" y="0"/>
+          <a:ext cx="0" cy="0"/>
+          <a:chOff x="0" y="0"/>
+          <a:chExt cx="0" cy="0"/>
+        </a:xfrm>
+      </p:grpSpPr>
+      <p:pic>
+        <p:nvPicPr>
+          <p:cNvPr id="5122" name="Picture 2"/>
+          <p:cNvPicPr>
+            <a:picLocks noChangeAspect="1" noChangeArrowheads="1"/>
+          </p:cNvPicPr>
+          <p:nvPr/>
+        </p:nvPicPr>
+        <p:blipFill>
+          <a:blip r:embed="rId2">
+            <a:extLst>
+              <a:ext uri="{28A0092B-C50C-407E-A947-70E740481C1C}">
+                <a14:useLocalDpi xmlns:a14="http://schemas.microsoft.com/office/drawing/2010/main" val="0"/>
+              </a:ext>
+            </a:extLst>
+          </a:blip>
+          <a:srcRect/>
+          <a:stretch>
+            <a:fillRect/>
+          </a:stretch>
+        </p:blipFill>
+        <p:spPr bwMode="auto">
+          <a:xfrm>
+            <a:off x="4211960" y="1683489"/>
+            <a:ext cx="4824536" cy="5129887"/>
+          </a:xfrm>
+          <a:prstGeom prst="rect">
+            <a:avLst/>
+          </a:prstGeom>
+          <a:noFill/>
+          <a:ln>
+            <a:noFill/>
+          </a:ln>
+          <a:effectLst/>
+          <a:extLst>
+            <a:ext uri="{909E8E84-426E-40DD-AFC4-6F175D3DCCD1}">
+              <a14:hiddenFill xmlns:a14="http://schemas.microsoft.com/office/drawing/2010/main">
+                <a:solidFill>
+                  <a:schemeClr val="accent1"/>
+                </a:solidFill>
+              </a14:hiddenFill>
+            </a:ext>
+            <a:ext uri="{91240B29-F687-4F45-9708-019B960494DF}">
+              <a14:hiddenLine xmlns:a14="http://schemas.microsoft.com/office/drawing/2010/main" w="9525">
+                <a:solidFill>
+                  <a:schemeClr val="tx1"/>
+                </a:solidFill>
+                <a:miter lim="800000"/>
+                <a:headEnd/>
+                <a:tailEnd/>
+              </a14:hiddenLine>
+            </a:ext>
+            <a:ext uri="{AF507438-7753-43E0-B8FC-AC1667EBCBE1}">
+              <a14:hiddenEffects xmlns:a14="http://schemas.microsoft.com/office/drawing/2010/main">
+                <a:effectLst>
+                  <a:outerShdw dist="35921" dir="2700000" algn="ctr" rotWithShape="0">
+                    <a:schemeClr val="bg2"/>
+                  </a:outerShdw>
+                </a:effectLst>
+              </a14:hiddenEffects>
+            </a:ext>
+          </a:extLst>
+        </p:spPr>
+      </p:pic>
+      <p:sp>
+        <p:nvSpPr>
+          <p:cNvPr id="2" name="标题 1"/>
+          <p:cNvSpPr>
+            <a:spLocks noGrp="1"/>
+          </p:cNvSpPr>
+          <p:nvPr>
+            <p:ph type="title"/>
+          </p:nvPr>
+        </p:nvSpPr>
+        <p:spPr/>
+        <p:txBody>
+          <a:bodyPr/>
+          <a:lstStyle/>
+          <a:p>
+            <a:r>
+              <a:rPr lang="zh-CN" altLang="en-US" dirty="0" smtClean="0"/>
+              <a:t>用况分析及用况图</a:t>
+            </a:r>
+            <a:endParaRPr lang="zh-CN" altLang="en-US" dirty="0"/>
+          </a:p>
+        </p:txBody>
+      </p:sp>
+      <p:sp>
+        <p:nvSpPr>
+          <p:cNvPr id="3" name="内容占位符 2"/>
+          <p:cNvSpPr>
+            <a:spLocks noGrp="1"/>
+          </p:cNvSpPr>
+          <p:nvPr>
+            <p:ph idx="1"/>
+          </p:nvPr>
+        </p:nvSpPr>
+        <p:spPr/>
+        <p:txBody>
+          <a:bodyPr/>
+          <a:lstStyle/>
+          <a:p>
+            <a:r>
+              <a:rPr lang="zh-CN" altLang="en-US" dirty="0" smtClean="0"/>
+              <a:t>用况分析</a:t>
+            </a:r>
+            <a:endParaRPr lang="en-US" altLang="zh-CN" dirty="0" smtClean="0"/>
+          </a:p>
+          <a:p>
+            <a:pPr lvl="1"/>
+            <a:r>
+              <a:rPr lang="zh-CN" altLang="en-US" dirty="0" smtClean="0"/>
+              <a:t>文件浏览子系统</a:t>
+            </a:r>
+            <a:endParaRPr lang="en-US" altLang="zh-CN" dirty="0" smtClean="0"/>
+          </a:p>
+          <a:p>
+            <a:pPr lvl="1"/>
+            <a:r>
+              <a:rPr lang="zh-CN" altLang="en-US" dirty="0" smtClean="0"/>
+              <a:t>前景标注子系统</a:t>
+            </a:r>
+            <a:endParaRPr lang="en-US" altLang="zh-CN" dirty="0" smtClean="0"/>
+          </a:p>
+          <a:p>
+            <a:pPr lvl="1"/>
+            <a:r>
+              <a:rPr lang="zh-CN" altLang="en-US" dirty="0" smtClean="0"/>
+              <a:t>立体图生成子系统</a:t>
+            </a:r>
+            <a:endParaRPr lang="en-US" altLang="zh-CN" dirty="0" smtClean="0"/>
+          </a:p>
+          <a:p>
+            <a:r>
+              <a:rPr lang="zh-CN" altLang="en-US" dirty="0"/>
+              <a:t>用况图</a:t>
+            </a:r>
+          </a:p>
+        </p:txBody>
+      </p:sp>
+    </p:spTree>
+    <p:extLst>
+      <p:ext uri="{BB962C8B-B14F-4D97-AF65-F5344CB8AC3E}">
+        <p14:creationId xmlns:p14="http://schemas.microsoft.com/office/powerpoint/2010/main" val="2214798255"/>
+      </p:ext>
+    </p:extLst>
+  </p:cSld>
+  <p:clrMapOvr>
+    <a:masterClrMapping/>
+  </p:clrMapOvr>
+  <p:timing>
+    <p:tnLst>
+      <p:par>
+        <p:cTn id="1" dur="indefinite" restart="never" nodeType="tmRoot"/>
+      </p:par>
+    </p:tnLst>
+  </p:timing>
+</p:sld>
+</file>
+
+<file path=ppt/slides/slide15.xml><?xml version="1.0" encoding="utf-8"?>
+<p:sld xmlns:a="http://schemas.openxmlformats.org/drawingml/2006/main" xmlns:r="http://schemas.openxmlformats.org/officeDocument/2006/relationships" xmlns:p="http://schemas.openxmlformats.org/presentationml/2006/main">
+  <p:cSld>
+    <p:spTree>
+      <p:nvGrpSpPr>
+        <p:cNvPr id="1" name=""/>
+        <p:cNvGrpSpPr/>
+        <p:nvPr/>
+      </p:nvGrpSpPr>
+      <p:grpSpPr>
+        <a:xfrm>
+          <a:off x="0" y="0"/>
+          <a:ext cx="0" cy="0"/>
+          <a:chOff x="0" y="0"/>
+          <a:chExt cx="0" cy="0"/>
+        </a:xfrm>
+      </p:grpSpPr>
+      <p:sp>
+        <p:nvSpPr>
+          <p:cNvPr id="2" name="标题 1"/>
+          <p:cNvSpPr>
+            <a:spLocks noGrp="1"/>
+          </p:cNvSpPr>
+          <p:nvPr>
+            <p:ph type="title"/>
+          </p:nvPr>
+        </p:nvSpPr>
+        <p:spPr/>
+        <p:txBody>
+          <a:bodyPr/>
+          <a:lstStyle/>
+          <a:p>
+            <a:r>
+              <a:rPr lang="zh-CN" altLang="en-US" dirty="0"/>
+              <a:t>标注工具的</a:t>
+            </a:r>
+            <a:r>
+              <a:rPr lang="zh-CN" altLang="en-US" dirty="0" smtClean="0"/>
+              <a:t>实现</a:t>
+            </a:r>
+            <a:endParaRPr lang="zh-CN" altLang="en-US" dirty="0"/>
+          </a:p>
+        </p:txBody>
+      </p:sp>
+      <p:sp>
+        <p:nvSpPr>
+          <p:cNvPr id="3" name="内容占位符 2"/>
+          <p:cNvSpPr>
+            <a:spLocks noGrp="1"/>
+          </p:cNvSpPr>
+          <p:nvPr>
+            <p:ph idx="1"/>
+          </p:nvPr>
+        </p:nvSpPr>
+        <p:spPr/>
+        <p:txBody>
+          <a:bodyPr/>
+          <a:lstStyle/>
+          <a:p>
+            <a:r>
+              <a:rPr lang="zh-CN" altLang="en-US" dirty="0" smtClean="0"/>
+              <a:t>软件实现平台</a:t>
+            </a:r>
+            <a:endParaRPr lang="en-US" altLang="zh-CN" dirty="0" smtClean="0"/>
+          </a:p>
+          <a:p>
+            <a:endParaRPr lang="en-US" altLang="zh-CN" dirty="0"/>
+          </a:p>
+          <a:p>
+            <a:endParaRPr lang="en-US" altLang="zh-CN" dirty="0" smtClean="0"/>
+          </a:p>
+          <a:p>
+            <a:endParaRPr lang="en-US" altLang="zh-CN" dirty="0"/>
+          </a:p>
+          <a:p>
+            <a:r>
+              <a:rPr lang="zh-CN" altLang="en-US" dirty="0" smtClean="0"/>
+              <a:t>平台的选择</a:t>
+            </a:r>
+            <a:endParaRPr lang="en-US" altLang="zh-CN" dirty="0" smtClean="0"/>
+          </a:p>
+          <a:p>
+            <a:pPr lvl="1"/>
+            <a:r>
+              <a:rPr lang="zh-CN" altLang="en-US" dirty="0" smtClean="0"/>
+              <a:t>稳定性</a:t>
+            </a:r>
+            <a:endParaRPr lang="en-US" altLang="zh-CN" dirty="0" smtClean="0"/>
+          </a:p>
+          <a:p>
+            <a:pPr lvl="1"/>
+            <a:r>
+              <a:rPr lang="zh-CN" altLang="en-US" dirty="0" smtClean="0"/>
+              <a:t>兼容性</a:t>
+            </a:r>
+            <a:r>
+              <a:rPr lang="en-US" altLang="zh-CN" dirty="0" smtClean="0"/>
+              <a:t>&amp;</a:t>
+            </a:r>
+            <a:r>
+              <a:rPr lang="zh-CN" altLang="en-US" dirty="0" smtClean="0"/>
+              <a:t>普遍性</a:t>
+            </a:r>
+            <a:endParaRPr lang="zh-CN" altLang="en-US" dirty="0"/>
+          </a:p>
+        </p:txBody>
+      </p:sp>
+      <p:graphicFrame>
+        <p:nvGraphicFramePr>
+          <p:cNvPr id="4" name="表格 3"/>
+          <p:cNvGraphicFramePr>
+            <a:graphicFrameLocks noGrp="1"/>
+          </p:cNvGraphicFramePr>
+          <p:nvPr>
+            <p:extLst>
+              <p:ext uri="{D42A27DB-BD31-4B8C-83A1-F6EECF244321}">
+                <p14:modId xmlns:p14="http://schemas.microsoft.com/office/powerpoint/2010/main" val="3491135623"/>
+              </p:ext>
+            </p:extLst>
+          </p:nvPr>
+        </p:nvGraphicFramePr>
+        <p:xfrm>
+          <a:off x="1475656" y="2780928"/>
+          <a:ext cx="6096000" cy="1483360"/>
+        </p:xfrm>
+        <a:graphic>
+          <a:graphicData uri="http://schemas.openxmlformats.org/drawingml/2006/table">
+            <a:tbl>
+              <a:tblPr firstRow="1" bandRow="1">
+                <a:tableStyleId>{5C22544A-7EE6-4342-B048-85BDC9FD1C3A}</a:tableStyleId>
+              </a:tblPr>
+              <a:tblGrid>
+                <a:gridCol w="3048000"/>
+                <a:gridCol w="3048000"/>
+              </a:tblGrid>
+              <a:tr h="370840">
+                <a:tc>
+                  <a:txBody>
+                    <a:bodyPr/>
+                    <a:lstStyle/>
+                    <a:p>
+                      <a:r>
+                        <a:rPr lang="zh-CN" altLang="en-US" dirty="0" smtClean="0"/>
+                        <a:t>操作系统</a:t>
+                      </a:r>
+                      <a:endParaRPr lang="zh-CN" altLang="en-US" dirty="0"/>
+                    </a:p>
+                  </a:txBody>
+                  <a:tcPr/>
+                </a:tc>
+                <a:tc>
+                  <a:txBody>
+                    <a:bodyPr/>
+                    <a:lstStyle/>
+                    <a:p>
+                      <a:r>
+                        <a:rPr lang="en-US" altLang="zh-CN" dirty="0" smtClean="0"/>
+                        <a:t>Google Android</a:t>
+                      </a:r>
+                      <a:r>
+                        <a:rPr lang="zh-CN" altLang="en-US" dirty="0" smtClean="0"/>
+                        <a:t>平台</a:t>
+                      </a:r>
+                      <a:endParaRPr lang="zh-CN" altLang="en-US" dirty="0"/>
+                    </a:p>
+                  </a:txBody>
+                  <a:tcPr/>
+                </a:tc>
+              </a:tr>
+              <a:tr h="370840">
+                <a:tc>
+                  <a:txBody>
+                    <a:bodyPr/>
+                    <a:lstStyle/>
+                    <a:p>
+                      <a:r>
+                        <a:rPr lang="zh-CN" altLang="en-US" dirty="0" smtClean="0"/>
+                        <a:t>系统版本</a:t>
+                      </a:r>
+                      <a:endParaRPr lang="zh-CN" altLang="en-US" dirty="0"/>
+                    </a:p>
+                  </a:txBody>
+                  <a:tcPr/>
+                </a:tc>
+                <a:tc>
+                  <a:txBody>
+                    <a:bodyPr/>
+                    <a:lstStyle/>
+                    <a:p>
+                      <a:r>
+                        <a:rPr lang="zh-CN" altLang="en-US" dirty="0" smtClean="0"/>
+                        <a:t>兼容</a:t>
+                      </a:r>
+                      <a:r>
+                        <a:rPr lang="en-US" altLang="zh-CN" dirty="0" smtClean="0"/>
+                        <a:t>Android2.1~2.3</a:t>
+                      </a:r>
+                      <a:endParaRPr lang="zh-CN" altLang="en-US" dirty="0"/>
+                    </a:p>
+                  </a:txBody>
+                  <a:tcPr/>
+                </a:tc>
+              </a:tr>
+              <a:tr h="370840">
+                <a:tc>
+                  <a:txBody>
+                    <a:bodyPr/>
+                    <a:lstStyle/>
+                    <a:p>
+                      <a:r>
+                        <a:rPr lang="zh-CN" altLang="en-US" dirty="0" smtClean="0"/>
+                        <a:t>硬件平台</a:t>
+                      </a:r>
+                      <a:endParaRPr lang="zh-CN" altLang="en-US" dirty="0"/>
+                    </a:p>
+                  </a:txBody>
+                  <a:tcPr/>
+                </a:tc>
+                <a:tc>
+                  <a:txBody>
+                    <a:bodyPr/>
+                    <a:lstStyle/>
+                    <a:p>
+                      <a:r>
+                        <a:rPr lang="zh-CN" altLang="en-US" dirty="0" smtClean="0"/>
+                        <a:t>基于</a:t>
+                      </a:r>
+                      <a:r>
+                        <a:rPr lang="en-US" altLang="zh-CN" dirty="0" smtClean="0"/>
+                        <a:t>ARM</a:t>
+                      </a:r>
+                      <a:r>
+                        <a:rPr lang="zh-CN" altLang="en-US" dirty="0" smtClean="0"/>
+                        <a:t>体系结构的移动平台</a:t>
+                      </a:r>
+                      <a:endParaRPr lang="zh-CN" altLang="en-US" dirty="0"/>
+                    </a:p>
+                  </a:txBody>
+                  <a:tcPr/>
+                </a:tc>
+              </a:tr>
+              <a:tr h="370840">
+                <a:tc>
+                  <a:txBody>
+                    <a:bodyPr/>
+                    <a:lstStyle/>
+                    <a:p>
+                      <a:r>
+                        <a:rPr lang="zh-CN" altLang="en-US" dirty="0" smtClean="0"/>
+                        <a:t>实现语言</a:t>
+                      </a:r>
+                      <a:endParaRPr lang="zh-CN" altLang="en-US" dirty="0"/>
+                    </a:p>
+                  </a:txBody>
+                  <a:tcPr/>
+                </a:tc>
+                <a:tc>
+                  <a:txBody>
+                    <a:bodyPr/>
+                    <a:lstStyle/>
+                    <a:p>
+                      <a:r>
+                        <a:rPr lang="en-US" altLang="zh-CN" dirty="0" smtClean="0"/>
+                        <a:t>JAVA&amp;C</a:t>
+                      </a:r>
+                      <a:endParaRPr lang="zh-CN" altLang="en-US" dirty="0"/>
+                    </a:p>
+                  </a:txBody>
+                  <a:tcPr/>
+                </a:tc>
+              </a:tr>
+            </a:tbl>
+          </a:graphicData>
+        </a:graphic>
+      </p:graphicFrame>
+    </p:spTree>
+    <p:extLst>
+      <p:ext uri="{BB962C8B-B14F-4D97-AF65-F5344CB8AC3E}">
+        <p14:creationId xmlns:p14="http://schemas.microsoft.com/office/powerpoint/2010/main" val="3268343686"/>
+      </p:ext>
+    </p:extLst>
+  </p:cSld>
+  <p:clrMapOvr>
+    <a:masterClrMapping/>
+  </p:clrMapOvr>
+  <p:timing>
+    <p:tnLst>
+      <p:par>
+        <p:cTn id="1" dur="indefinite" restart="never" nodeType="tmRoot"/>
+      </p:par>
+    </p:tnLst>
+  </p:timing>
+</p:sld>
+</file>
+
+<file path=ppt/slides/slide16.xml><?xml version="1.0" encoding="utf-8"?>
+<p:sld xmlns:a="http://schemas.openxmlformats.org/drawingml/2006/main" xmlns:r="http://schemas.openxmlformats.org/officeDocument/2006/relationships" xmlns:p="http://schemas.openxmlformats.org/presentationml/2006/main">
+  <p:cSld>
+    <p:spTree>
+      <p:nvGrpSpPr>
+        <p:cNvPr id="1" name=""/>
+        <p:cNvGrpSpPr/>
+        <p:nvPr/>
+      </p:nvGrpSpPr>
+      <p:grpSpPr>
+        <a:xfrm>
+          <a:off x="0" y="0"/>
+          <a:ext cx="0" cy="0"/>
+          <a:chOff x="0" y="0"/>
+          <a:chExt cx="0" cy="0"/>
+        </a:xfrm>
+      </p:grpSpPr>
+      <p:sp>
+        <p:nvSpPr>
+          <p:cNvPr id="2" name="标题 1"/>
+          <p:cNvSpPr>
+            <a:spLocks noGrp="1"/>
+          </p:cNvSpPr>
+          <p:nvPr>
+            <p:ph type="title"/>
+          </p:nvPr>
+        </p:nvSpPr>
+        <p:spPr/>
+        <p:txBody>
+          <a:bodyPr/>
+          <a:lstStyle/>
+          <a:p>
+            <a:r>
+              <a:rPr lang="zh-CN" altLang="en-US" dirty="0" smtClean="0"/>
+              <a:t>优化技术</a:t>
+            </a:r>
+            <a:endParaRPr lang="zh-CN" altLang="en-US" dirty="0"/>
+          </a:p>
+        </p:txBody>
+      </p:sp>
+      <p:sp>
+        <p:nvSpPr>
+          <p:cNvPr id="3" name="内容占位符 2"/>
+          <p:cNvSpPr>
+            <a:spLocks noGrp="1"/>
+          </p:cNvSpPr>
+          <p:nvPr>
+            <p:ph idx="1"/>
+          </p:nvPr>
+        </p:nvSpPr>
+        <p:spPr/>
+        <p:txBody>
+          <a:bodyPr/>
+          <a:lstStyle/>
+          <a:p>
+            <a:r>
+              <a:rPr lang="en-US" altLang="zh-CN" dirty="0" smtClean="0"/>
+              <a:t>JNI-JAVA Native Interface</a:t>
+            </a:r>
+          </a:p>
+          <a:p>
+            <a:pPr lvl="1"/>
+            <a:endParaRPr lang="zh-CN" altLang="en-US" dirty="0"/>
+          </a:p>
+        </p:txBody>
+      </p:sp>
+      <p:pic>
+        <p:nvPicPr>
+          <p:cNvPr id="6146" name="Picture 2"/>
+          <p:cNvPicPr>
+            <a:picLocks noChangeAspect="1" noChangeArrowheads="1"/>
+          </p:cNvPicPr>
+          <p:nvPr/>
+        </p:nvPicPr>
+        <p:blipFill>
+          <a:blip r:embed="rId2">
+            <a:extLst>
+              <a:ext uri="{28A0092B-C50C-407E-A947-70E740481C1C}">
+                <a14:useLocalDpi xmlns:a14="http://schemas.microsoft.com/office/drawing/2010/main" val="0"/>
+              </a:ext>
+            </a:extLst>
+          </a:blip>
+          <a:srcRect/>
+          <a:stretch>
+            <a:fillRect/>
+          </a:stretch>
+        </p:blipFill>
+        <p:spPr bwMode="auto">
+          <a:xfrm>
+            <a:off x="1187624" y="2771603"/>
+            <a:ext cx="3888432" cy="2569941"/>
+          </a:xfrm>
+          <a:prstGeom prst="rect">
+            <a:avLst/>
+          </a:prstGeom>
+          <a:noFill/>
+          <a:ln>
+            <a:noFill/>
+          </a:ln>
+          <a:effectLst/>
+          <a:extLst>
+            <a:ext uri="{909E8E84-426E-40DD-AFC4-6F175D3DCCD1}">
+              <a14:hiddenFill xmlns:a14="http://schemas.microsoft.com/office/drawing/2010/main">
+                <a:solidFill>
+                  <a:schemeClr val="accent1"/>
+                </a:solidFill>
+              </a14:hiddenFill>
+            </a:ext>
+            <a:ext uri="{91240B29-F687-4F45-9708-019B960494DF}">
+              <a14:hiddenLine xmlns:a14="http://schemas.microsoft.com/office/drawing/2010/main" w="9525">
+                <a:solidFill>
+                  <a:schemeClr val="tx1"/>
+                </a:solidFill>
+                <a:miter lim="800000"/>
+                <a:headEnd/>
+                <a:tailEnd/>
+              </a14:hiddenLine>
+            </a:ext>
+            <a:ext uri="{AF507438-7753-43E0-B8FC-AC1667EBCBE1}">
+              <a14:hiddenEffects xmlns:a14="http://schemas.microsoft.com/office/drawing/2010/main">
+                <a:effectLst>
+                  <a:outerShdw dist="35921" dir="2700000" algn="ctr" rotWithShape="0">
+                    <a:schemeClr val="bg2"/>
+                  </a:outerShdw>
+                </a:effectLst>
+              </a14:hiddenEffects>
+            </a:ext>
+          </a:extLst>
+        </p:spPr>
+      </p:pic>
+      <p:pic>
+        <p:nvPicPr>
+          <p:cNvPr id="6147" name="Picture 3"/>
+          <p:cNvPicPr>
+            <a:picLocks noChangeAspect="1" noChangeArrowheads="1"/>
+          </p:cNvPicPr>
+          <p:nvPr/>
+        </p:nvPicPr>
+        <p:blipFill>
+          <a:blip r:embed="rId3">
+            <a:extLst>
+              <a:ext uri="{28A0092B-C50C-407E-A947-70E740481C1C}">
+                <a14:useLocalDpi xmlns:a14="http://schemas.microsoft.com/office/drawing/2010/main" val="0"/>
+              </a:ext>
+            </a:extLst>
+          </a:blip>
+          <a:srcRect/>
+          <a:stretch>
+            <a:fillRect/>
+          </a:stretch>
+        </p:blipFill>
+        <p:spPr bwMode="auto">
+          <a:xfrm>
+            <a:off x="5508105" y="2764743"/>
+            <a:ext cx="3096344" cy="2633179"/>
+          </a:xfrm>
+          <a:prstGeom prst="rect">
+            <a:avLst/>
+          </a:prstGeom>
+          <a:noFill/>
+          <a:ln>
+            <a:noFill/>
+          </a:ln>
+          <a:effectLst/>
+          <a:extLst>
+            <a:ext uri="{909E8E84-426E-40DD-AFC4-6F175D3DCCD1}">
+              <a14:hiddenFill xmlns:a14="http://schemas.microsoft.com/office/drawing/2010/main">
+                <a:solidFill>
+                  <a:schemeClr val="accent1"/>
+                </a:solidFill>
+              </a14:hiddenFill>
+            </a:ext>
+            <a:ext uri="{91240B29-F687-4F45-9708-019B960494DF}">
+              <a14:hiddenLine xmlns:a14="http://schemas.microsoft.com/office/drawing/2010/main" w="9525">
+                <a:solidFill>
+                  <a:schemeClr val="tx1"/>
+                </a:solidFill>
+                <a:miter lim="800000"/>
+                <a:headEnd/>
+                <a:tailEnd/>
+              </a14:hiddenLine>
+            </a:ext>
+            <a:ext uri="{AF507438-7753-43E0-B8FC-AC1667EBCBE1}">
+              <a14:hiddenEffects xmlns:a14="http://schemas.microsoft.com/office/drawing/2010/main">
+                <a:effectLst>
+                  <a:outerShdw dist="35921" dir="2700000" algn="ctr" rotWithShape="0">
+                    <a:schemeClr val="bg2"/>
+                  </a:outerShdw>
+                </a:effectLst>
+              </a14:hiddenEffects>
+            </a:ext>
+          </a:extLst>
+        </p:spPr>
+      </p:pic>
+    </p:spTree>
+    <p:extLst>
+      <p:ext uri="{BB962C8B-B14F-4D97-AF65-F5344CB8AC3E}">
+        <p14:creationId xmlns:p14="http://schemas.microsoft.com/office/powerpoint/2010/main" val="2100258984"/>
+      </p:ext>
+    </p:extLst>
+  </p:cSld>
+  <p:clrMapOvr>
+    <a:masterClrMapping/>
+  </p:clrMapOvr>
+  <p:timing>
+    <p:tnLst>
+      <p:par>
+        <p:cTn id="1" dur="indefinite" restart="never" nodeType="tmRoot"/>
+      </p:par>
+    </p:tnLst>
+  </p:timing>
+</p:sld>
+</file>
+
+<file path=ppt/slides/slide17.xml><?xml version="1.0" encoding="utf-8"?>
+<p:sld xmlns:a="http://schemas.openxmlformats.org/drawingml/2006/main" xmlns:r="http://schemas.openxmlformats.org/officeDocument/2006/relationships" xmlns:p="http://schemas.openxmlformats.org/presentationml/2006/main">
+  <p:cSld>
+    <p:spTree>
+      <p:nvGrpSpPr>
+        <p:cNvPr id="1" name=""/>
+        <p:cNvGrpSpPr/>
+        <p:nvPr/>
+      </p:nvGrpSpPr>
+      <p:grpSpPr>
+        <a:xfrm>
+          <a:off x="0" y="0"/>
+          <a:ext cx="0" cy="0"/>
+          <a:chOff x="0" y="0"/>
+          <a:chExt cx="0" cy="0"/>
+        </a:xfrm>
+      </p:grpSpPr>
+      <p:sp>
+        <p:nvSpPr>
+          <p:cNvPr id="2" name="标题 1"/>
+          <p:cNvSpPr>
+            <a:spLocks noGrp="1"/>
+          </p:cNvSpPr>
+          <p:nvPr>
+            <p:ph type="title"/>
+          </p:nvPr>
+        </p:nvSpPr>
+        <p:spPr/>
+        <p:txBody>
+          <a:bodyPr/>
+          <a:lstStyle/>
+          <a:p>
+            <a:r>
+              <a:rPr lang="zh-CN" altLang="en-US" dirty="0" smtClean="0"/>
+              <a:t>优化技术</a:t>
+            </a:r>
+            <a:endParaRPr lang="zh-CN" altLang="en-US" dirty="0"/>
+          </a:p>
+        </p:txBody>
+      </p:sp>
+      <p:sp>
+        <p:nvSpPr>
+          <p:cNvPr id="3" name="内容占位符 2"/>
+          <p:cNvSpPr>
+            <a:spLocks noGrp="1"/>
+          </p:cNvSpPr>
+          <p:nvPr>
+            <p:ph idx="1"/>
+          </p:nvPr>
+        </p:nvSpPr>
+        <p:spPr/>
+        <p:txBody>
+          <a:bodyPr/>
+          <a:lstStyle/>
+          <a:p>
+            <a:r>
+              <a:rPr lang="en-US" altLang="zh-CN" dirty="0" smtClean="0"/>
+              <a:t>NDK-Native </a:t>
+            </a:r>
+            <a:r>
+              <a:rPr lang="en-US" altLang="zh-CN" dirty="0"/>
+              <a:t>Development </a:t>
+            </a:r>
+            <a:r>
+              <a:rPr lang="en-US" altLang="zh-CN" dirty="0" smtClean="0"/>
+              <a:t>Kit</a:t>
+            </a:r>
+          </a:p>
+          <a:p>
+            <a:pPr lvl="1"/>
+            <a:r>
+              <a:rPr lang="zh-CN" altLang="en-US" dirty="0" smtClean="0"/>
+              <a:t>虚拟机</a:t>
+            </a:r>
+            <a:r>
+              <a:rPr lang="en-US" altLang="zh-CN" dirty="0" err="1"/>
+              <a:t>Dalvik</a:t>
+            </a:r>
+            <a:r>
+              <a:rPr lang="zh-CN" altLang="en-US" dirty="0"/>
+              <a:t>支持</a:t>
+            </a:r>
+            <a:r>
+              <a:rPr lang="en-US" altLang="zh-CN" dirty="0"/>
+              <a:t>JNI</a:t>
+            </a:r>
+            <a:r>
+              <a:rPr lang="zh-CN" altLang="en-US" dirty="0"/>
+              <a:t>编程</a:t>
+            </a:r>
+            <a:r>
+              <a:rPr lang="zh-CN" altLang="en-US" dirty="0" smtClean="0"/>
+              <a:t>方式</a:t>
+            </a:r>
+            <a:endParaRPr lang="en-US" altLang="zh-CN" dirty="0" smtClean="0"/>
+          </a:p>
+          <a:p>
+            <a:pPr lvl="1"/>
+            <a:r>
+              <a:rPr lang="zh-CN" altLang="en-US" dirty="0" smtClean="0"/>
+              <a:t>通过交叉编译隔离硬件差异</a:t>
+            </a:r>
+            <a:endParaRPr lang="en-US" altLang="zh-CN" dirty="0" smtClean="0"/>
+          </a:p>
+          <a:p>
+            <a:pPr lvl="1"/>
+            <a:r>
+              <a:rPr lang="zh-CN" altLang="en-US" dirty="0" smtClean="0"/>
+              <a:t>将库文件和</a:t>
+            </a:r>
+            <a:r>
+              <a:rPr lang="en-US" altLang="zh-CN" dirty="0" smtClean="0"/>
+              <a:t>APK</a:t>
+            </a:r>
+            <a:r>
+              <a:rPr lang="zh-CN" altLang="en-US" dirty="0" smtClean="0"/>
+              <a:t>打包在一起</a:t>
+            </a:r>
+            <a:endParaRPr lang="en-US" altLang="zh-CN" dirty="0"/>
+          </a:p>
+          <a:p>
+            <a:r>
+              <a:rPr lang="en-US" altLang="zh-CN" dirty="0" smtClean="0"/>
+              <a:t>NDK</a:t>
+            </a:r>
+            <a:r>
+              <a:rPr lang="zh-CN" altLang="en-US" dirty="0" smtClean="0"/>
+              <a:t>使用流程</a:t>
+            </a:r>
+            <a:endParaRPr lang="en-US" altLang="zh-CN" dirty="0"/>
+          </a:p>
+          <a:p>
+            <a:endParaRPr lang="zh-CN" altLang="en-US" dirty="0"/>
+          </a:p>
+        </p:txBody>
+      </p:sp>
+      <p:pic>
+        <p:nvPicPr>
+          <p:cNvPr id="7170" name="Picture 2"/>
+          <p:cNvPicPr>
+            <a:picLocks noChangeAspect="1" noChangeArrowheads="1"/>
+          </p:cNvPicPr>
+          <p:nvPr/>
+        </p:nvPicPr>
+        <p:blipFill>
+          <a:blip r:embed="rId2">
+            <a:extLst>
+              <a:ext uri="{28A0092B-C50C-407E-A947-70E740481C1C}">
+                <a14:useLocalDpi xmlns:a14="http://schemas.microsoft.com/office/drawing/2010/main" val="0"/>
+              </a:ext>
+            </a:extLst>
+          </a:blip>
+          <a:srcRect/>
+          <a:stretch>
+            <a:fillRect/>
+          </a:stretch>
+        </p:blipFill>
+        <p:spPr bwMode="auto">
+          <a:xfrm>
+            <a:off x="1259632" y="4651368"/>
+            <a:ext cx="6480720" cy="2026500"/>
+          </a:xfrm>
+          <a:prstGeom prst="rect">
+            <a:avLst/>
+          </a:prstGeom>
+          <a:noFill/>
+          <a:ln>
+            <a:noFill/>
+          </a:ln>
+          <a:effectLst/>
+          <a:extLst>
+            <a:ext uri="{909E8E84-426E-40DD-AFC4-6F175D3DCCD1}">
+              <a14:hiddenFill xmlns:a14="http://schemas.microsoft.com/office/drawing/2010/main">
+                <a:solidFill>
+                  <a:schemeClr val="accent1"/>
+                </a:solidFill>
+              </a14:hiddenFill>
+            </a:ext>
+            <a:ext uri="{91240B29-F687-4F45-9708-019B960494DF}">
+              <a14:hiddenLine xmlns:a14="http://schemas.microsoft.com/office/drawing/2010/main" w="9525">
+                <a:solidFill>
+                  <a:schemeClr val="tx1"/>
+                </a:solidFill>
+                <a:miter lim="800000"/>
+                <a:headEnd/>
+                <a:tailEnd/>
+              </a14:hiddenLine>
+            </a:ext>
+            <a:ext uri="{AF507438-7753-43E0-B8FC-AC1667EBCBE1}">
+              <a14:hiddenEffects xmlns:a14="http://schemas.microsoft.com/office/drawing/2010/main">
+                <a:effectLst>
+                  <a:outerShdw dist="35921" dir="2700000" algn="ctr" rotWithShape="0">
+                    <a:schemeClr val="bg2"/>
+                  </a:outerShdw>
+                </a:effectLst>
+              </a14:hiddenEffects>
+            </a:ext>
+          </a:extLst>
+        </p:spPr>
+      </p:pic>
+    </p:spTree>
+    <p:extLst>
+      <p:ext uri="{BB962C8B-B14F-4D97-AF65-F5344CB8AC3E}">
+        <p14:creationId xmlns:p14="http://schemas.microsoft.com/office/powerpoint/2010/main" val="2571719036"/>
       </p:ext>
     </p:extLst>
   </p:cSld>
@@ -4429,8 +6103,8 @@
           <a:lstStyle/>
           <a:p>
             <a:r>
-              <a:rPr lang="en-US" altLang="zh-CN" dirty="0" smtClean="0"/>
-              <a:t>Outline</a:t>
+              <a:rPr lang="zh-CN" altLang="en-US" dirty="0" smtClean="0"/>
+              <a:t>报告摘要</a:t>
             </a:r>
             <a:endParaRPr lang="zh-CN" altLang="en-US" dirty="0"/>
           </a:p>
@@ -4452,70 +6126,45 @@
           <a:lstStyle/>
           <a:p>
             <a:r>
-              <a:rPr lang="en-US" altLang="zh-CN" dirty="0" smtClean="0"/>
-              <a:t>3D</a:t>
-            </a:r>
-            <a:r>
               <a:rPr lang="zh-CN" altLang="en-US" dirty="0" smtClean="0"/>
-              <a:t>技术的前景以及</a:t>
-            </a:r>
-            <a:r>
-              <a:rPr lang="en-US" altLang="zh-CN" dirty="0" smtClean="0"/>
-              <a:t>3D</a:t>
-            </a:r>
-            <a:r>
-              <a:rPr lang="zh-CN" altLang="en-US" dirty="0"/>
-              <a:t>转</a:t>
-            </a:r>
+              <a:t>项目研究背景</a:t>
+            </a:r>
+            <a:endParaRPr lang="en-US" altLang="zh-CN" dirty="0" smtClean="0"/>
+          </a:p>
+          <a:p>
             <a:r>
               <a:rPr lang="zh-CN" altLang="en-US" dirty="0" smtClean="0"/>
-              <a:t>换技术的前景</a:t>
+              <a:t>系统设计概述</a:t>
             </a:r>
             <a:endParaRPr lang="en-US" altLang="zh-CN" dirty="0" smtClean="0"/>
           </a:p>
           <a:p>
             <a:r>
-              <a:rPr lang="zh-CN" altLang="en-US" dirty="0"/>
-              <a:t>交互</a:t>
-            </a:r>
-            <a:r>
               <a:rPr lang="zh-CN" altLang="en-US" dirty="0" smtClean="0"/>
-              <a:t>式</a:t>
-            </a:r>
-            <a:r>
-              <a:rPr lang="en-US" altLang="zh-CN" dirty="0" smtClean="0"/>
-              <a:t>3D</a:t>
-            </a:r>
+              <a:t>交互式标注模型设计</a:t>
+            </a:r>
+            <a:endParaRPr lang="en-US" altLang="zh-CN" dirty="0" smtClean="0"/>
+          </a:p>
+          <a:p>
             <a:r>
               <a:rPr lang="zh-CN" altLang="en-US" dirty="0" smtClean="0"/>
-              <a:t>标注的操作模型</a:t>
+              <a:t>标注工具的软件模型设计</a:t>
             </a:r>
             <a:endParaRPr lang="en-US" altLang="zh-CN" dirty="0" smtClean="0"/>
           </a:p>
           <a:p>
             <a:r>
-              <a:rPr lang="zh-CN" altLang="en-US" dirty="0"/>
-              <a:t>交互</a:t>
-            </a:r>
-            <a:r>
               <a:rPr lang="zh-CN" altLang="en-US" dirty="0" smtClean="0"/>
-              <a:t>式标注中使用到的算法</a:t>
+              <a:t>标注工具的实现</a:t>
             </a:r>
             <a:endParaRPr lang="en-US" altLang="zh-CN" dirty="0" smtClean="0"/>
           </a:p>
           <a:p>
             <a:r>
-              <a:rPr lang="zh-CN" altLang="en-US" dirty="0"/>
-              <a:t>软</a:t>
-            </a:r>
-            <a:r>
               <a:rPr lang="zh-CN" altLang="en-US" dirty="0" smtClean="0"/>
-              <a:t>件的设计模型</a:t>
-            </a:r>
-            <a:endParaRPr lang="en-US" altLang="zh-CN" smtClean="0"/>
-          </a:p>
-          <a:p>
-            <a:endParaRPr lang="en-US" altLang="zh-CN" smtClean="0"/>
+              <a:t>部分结果展示</a:t>
+            </a:r>
+            <a:endParaRPr lang="en-US" altLang="zh-CN" dirty="0" smtClean="0"/>
           </a:p>
         </p:txBody>
       </p:sp>
@@ -4529,6 +6178,1737 @@
   <p:clrMapOvr>
     <a:masterClrMapping/>
   </p:clrMapOvr>
+  <p:timing>
+    <p:tnLst>
+      <p:par>
+        <p:cTn id="1" dur="indefinite" restart="never" nodeType="tmRoot"/>
+      </p:par>
+    </p:tnLst>
+  </p:timing>
+</p:sld>
+</file>
+
+<file path=ppt/slides/slide3.xml><?xml version="1.0" encoding="utf-8"?>
+<p:sld xmlns:a="http://schemas.openxmlformats.org/drawingml/2006/main" xmlns:r="http://schemas.openxmlformats.org/officeDocument/2006/relationships" xmlns:p="http://schemas.openxmlformats.org/presentationml/2006/main">
+  <p:cSld>
+    <p:spTree>
+      <p:nvGrpSpPr>
+        <p:cNvPr id="1" name=""/>
+        <p:cNvGrpSpPr/>
+        <p:nvPr/>
+      </p:nvGrpSpPr>
+      <p:grpSpPr>
+        <a:xfrm>
+          <a:off x="0" y="0"/>
+          <a:ext cx="0" cy="0"/>
+          <a:chOff x="0" y="0"/>
+          <a:chExt cx="0" cy="0"/>
+        </a:xfrm>
+      </p:grpSpPr>
+      <p:sp>
+        <p:nvSpPr>
+          <p:cNvPr id="2" name="标题 1"/>
+          <p:cNvSpPr>
+            <a:spLocks noGrp="1"/>
+          </p:cNvSpPr>
+          <p:nvPr>
+            <p:ph type="title"/>
+          </p:nvPr>
+        </p:nvSpPr>
+        <p:spPr/>
+        <p:txBody>
+          <a:bodyPr/>
+          <a:lstStyle/>
+          <a:p>
+            <a:r>
+              <a:rPr lang="zh-CN" altLang="en-US" dirty="0"/>
+              <a:t>项目研究</a:t>
+            </a:r>
+            <a:r>
+              <a:rPr lang="zh-CN" altLang="en-US" dirty="0" smtClean="0"/>
+              <a:t>背景</a:t>
+            </a:r>
+            <a:endParaRPr lang="zh-CN" altLang="en-US" dirty="0"/>
+          </a:p>
+        </p:txBody>
+      </p:sp>
+      <p:sp>
+        <p:nvSpPr>
+          <p:cNvPr id="3" name="内容占位符 2"/>
+          <p:cNvSpPr>
+            <a:spLocks noGrp="1"/>
+          </p:cNvSpPr>
+          <p:nvPr>
+            <p:ph idx="1"/>
+          </p:nvPr>
+        </p:nvSpPr>
+        <p:spPr/>
+        <p:txBody>
+          <a:bodyPr/>
+          <a:lstStyle/>
+          <a:p>
+            <a:r>
+              <a:rPr lang="zh-CN" altLang="en-US" dirty="0" smtClean="0"/>
+              <a:t>立体电影产业快速发展</a:t>
+            </a:r>
+            <a:endParaRPr lang="en-US" altLang="zh-CN" dirty="0" smtClean="0"/>
+          </a:p>
+          <a:p>
+            <a:pPr lvl="1"/>
+            <a:r>
+              <a:rPr lang="zh-CN" altLang="en-US" dirty="0" smtClean="0"/>
+              <a:t>立体电影</a:t>
+            </a:r>
+            <a:r>
+              <a:rPr lang="en-US" altLang="zh-CN" dirty="0" smtClean="0"/>
+              <a:t>/</a:t>
+            </a:r>
+            <a:r>
+              <a:rPr lang="zh-CN" altLang="en-US" dirty="0" smtClean="0"/>
+              <a:t>视频播放设备层出不穷</a:t>
+            </a:r>
+            <a:endParaRPr lang="en-US" altLang="zh-CN" dirty="0" smtClean="0"/>
+          </a:p>
+          <a:p>
+            <a:pPr lvl="1"/>
+            <a:r>
+              <a:rPr lang="zh-CN" altLang="en-US" dirty="0" smtClean="0"/>
+              <a:t>立体电影</a:t>
+            </a:r>
+            <a:r>
+              <a:rPr lang="en-US" altLang="zh-CN" dirty="0" smtClean="0"/>
+              <a:t>/</a:t>
+            </a:r>
+            <a:r>
+              <a:rPr lang="zh-CN" altLang="en-US" dirty="0" smtClean="0"/>
+              <a:t>视频素材缺乏</a:t>
+            </a:r>
+            <a:endParaRPr lang="en-US" altLang="zh-CN" dirty="0"/>
+          </a:p>
+          <a:p>
+            <a:r>
+              <a:rPr lang="zh-CN" altLang="en-US" dirty="0" smtClean="0"/>
+              <a:t>迫切需要</a:t>
+            </a:r>
+            <a:r>
+              <a:rPr lang="en-US" altLang="zh-CN" dirty="0" smtClean="0"/>
+              <a:t>2D</a:t>
+            </a:r>
+            <a:r>
+              <a:rPr lang="zh-CN" altLang="en-US" dirty="0" smtClean="0"/>
+              <a:t>→</a:t>
+            </a:r>
+            <a:r>
+              <a:rPr lang="en-US" altLang="zh-CN" dirty="0" smtClean="0"/>
+              <a:t>3D</a:t>
+            </a:r>
+            <a:r>
+              <a:rPr lang="zh-CN" altLang="en-US" dirty="0" smtClean="0"/>
+              <a:t>视频转换</a:t>
+            </a:r>
+            <a:endParaRPr lang="en-US" altLang="zh-CN" dirty="0" smtClean="0"/>
+          </a:p>
+          <a:p>
+            <a:pPr lvl="1"/>
+            <a:r>
+              <a:rPr lang="zh-CN" altLang="en-US" dirty="0" smtClean="0"/>
+              <a:t>自动转换效果不佳</a:t>
+            </a:r>
+            <a:endParaRPr lang="en-US" altLang="zh-CN" dirty="0" smtClean="0"/>
+          </a:p>
+          <a:p>
+            <a:pPr lvl="1"/>
+            <a:r>
+              <a:rPr lang="zh-CN" altLang="en-US" dirty="0" smtClean="0"/>
+              <a:t>人工标注效率太低</a:t>
+            </a:r>
+            <a:endParaRPr lang="en-US" altLang="zh-CN" dirty="0" smtClean="0"/>
+          </a:p>
+        </p:txBody>
+      </p:sp>
+      <p:sp>
+        <p:nvSpPr>
+          <p:cNvPr id="4" name="爆炸形 2 3"/>
+          <p:cNvSpPr/>
+          <p:nvPr/>
+        </p:nvSpPr>
+        <p:spPr bwMode="auto">
+          <a:xfrm>
+            <a:off x="4788024" y="4365104"/>
+            <a:ext cx="3960440" cy="2088232"/>
+          </a:xfrm>
+          <a:prstGeom prst="irregularSeal2">
+            <a:avLst/>
+          </a:prstGeom>
+          <a:solidFill>
+            <a:schemeClr val="tx2">
+              <a:lumMod val="20000"/>
+              <a:lumOff val="80000"/>
+            </a:schemeClr>
+          </a:solidFill>
+          <a:ln w="9525" cap="flat" cmpd="sng" algn="ctr">
+            <a:solidFill>
+              <a:schemeClr val="tx1"/>
+            </a:solidFill>
+            <a:prstDash val="solid"/>
+            <a:round/>
+            <a:headEnd type="none" w="med" len="med"/>
+            <a:tailEnd type="none" w="med" len="med"/>
+          </a:ln>
+          <a:effectLst/>
+          <a:extLst/>
+        </p:spPr>
+        <p:txBody>
+          <a:bodyPr vert="horz" wrap="square" lIns="91440" tIns="45720" rIns="91440" bIns="45720" numCol="1" rtlCol="0" anchor="t" anchorCtr="0" compatLnSpc="1">
+            <a:prstTxWarp prst="textNoShape">
+              <a:avLst/>
+            </a:prstTxWarp>
+          </a:bodyPr>
+          <a:lstStyle/>
+          <a:p>
+            <a:pPr marL="0" marR="0" indent="0" algn="l" defTabSz="914400" rtl="0" eaLnBrk="0" fontAlgn="base" latinLnBrk="0" hangingPunct="0">
+              <a:lnSpc>
+                <a:spcPct val="100000"/>
+              </a:lnSpc>
+              <a:spcBef>
+                <a:spcPct val="0"/>
+              </a:spcBef>
+              <a:spcAft>
+                <a:spcPct val="0"/>
+              </a:spcAft>
+              <a:buClrTx/>
+              <a:buSzTx/>
+              <a:buFontTx/>
+              <a:buNone/>
+              <a:tabLst/>
+            </a:pPr>
+            <a:r>
+              <a:rPr kumimoji="0" lang="zh-CN" altLang="en-US" sz="1800" b="1" i="0" u="none" strike="noStrike" cap="none" normalizeH="0" baseline="0" dirty="0" smtClean="0">
+                <a:ln>
+                  <a:noFill/>
+                </a:ln>
+                <a:solidFill>
+                  <a:srgbClr val="FF0000"/>
+                </a:solidFill>
+                <a:effectLst/>
+                <a:latin typeface="Arial" charset="0"/>
+                <a:ea typeface="宋体" charset="-122"/>
+              </a:rPr>
+              <a:t>解决方案</a:t>
+            </a:r>
+            <a:r>
+              <a:rPr kumimoji="0" lang="zh-CN" altLang="en-US" sz="1800" b="0" i="0" u="none" strike="noStrike" cap="none" normalizeH="0" baseline="0" dirty="0" smtClean="0">
+                <a:ln>
+                  <a:noFill/>
+                </a:ln>
+                <a:solidFill>
+                  <a:schemeClr val="tx1"/>
+                </a:solidFill>
+                <a:effectLst/>
+                <a:latin typeface="Arial" charset="0"/>
+                <a:ea typeface="宋体" charset="-122"/>
+              </a:rPr>
+              <a:t>：提高人工标注</a:t>
+            </a:r>
+            <a:r>
+              <a:rPr lang="zh-CN" altLang="en-US" dirty="0" smtClean="0">
+                <a:latin typeface="Arial" charset="0"/>
+                <a:ea typeface="宋体" charset="-122"/>
+              </a:rPr>
+              <a:t>效率</a:t>
+            </a:r>
+            <a:endParaRPr kumimoji="0" lang="zh-CN" altLang="en-US" sz="1800" b="0" i="0" u="none" strike="noStrike" cap="none" normalizeH="0" baseline="0" dirty="0" smtClean="0">
+              <a:ln>
+                <a:noFill/>
+              </a:ln>
+              <a:solidFill>
+                <a:schemeClr val="tx1"/>
+              </a:solidFill>
+              <a:effectLst/>
+              <a:latin typeface="Arial" charset="0"/>
+              <a:ea typeface="宋体" charset="-122"/>
+            </a:endParaRPr>
+          </a:p>
+        </p:txBody>
+      </p:sp>
+    </p:spTree>
+    <p:extLst>
+      <p:ext uri="{BB962C8B-B14F-4D97-AF65-F5344CB8AC3E}">
+        <p14:creationId xmlns:p14="http://schemas.microsoft.com/office/powerpoint/2010/main" val="283181240"/>
+      </p:ext>
+    </p:extLst>
+  </p:cSld>
+  <p:clrMapOvr>
+    <a:masterClrMapping/>
+  </p:clrMapOvr>
+  <p:timing>
+    <p:tnLst>
+      <p:par>
+        <p:cTn id="1" dur="indefinite" restart="never" nodeType="tmRoot">
+          <p:childTnLst>
+            <p:seq concurrent="1" nextAc="seek">
+              <p:cTn id="2" dur="indefinite" nodeType="mainSeq">
+                <p:childTnLst>
+                  <p:par>
+                    <p:cTn id="3" fill="hold">
+                      <p:stCondLst>
+                        <p:cond delay="indefinite"/>
+                      </p:stCondLst>
+                      <p:childTnLst>
+                        <p:par>
+                          <p:cTn id="4" fill="hold">
+                            <p:stCondLst>
+                              <p:cond delay="0"/>
+                            </p:stCondLst>
+                            <p:childTnLst>
+                              <p:par>
+                                <p:cTn id="5" presetID="10" presetClass="entr" presetSubtype="0" fill="hold" grpId="0" nodeType="clickEffect">
+                                  <p:stCondLst>
+                                    <p:cond delay="0"/>
+                                  </p:stCondLst>
+                                  <p:childTnLst>
+                                    <p:set>
+                                      <p:cBhvr>
+                                        <p:cTn id="6" dur="1" fill="hold">
+                                          <p:stCondLst>
+                                            <p:cond delay="0"/>
+                                          </p:stCondLst>
+                                        </p:cTn>
+                                        <p:tgtEl>
+                                          <p:spTgt spid="4"/>
+                                        </p:tgtEl>
+                                        <p:attrNameLst>
+                                          <p:attrName>style.visibility</p:attrName>
+                                        </p:attrNameLst>
+                                      </p:cBhvr>
+                                      <p:to>
+                                        <p:strVal val="visible"/>
+                                      </p:to>
+                                    </p:set>
+                                    <p:animEffect transition="in" filter="fade">
+                                      <p:cBhvr>
+                                        <p:cTn id="7" dur="500"/>
+                                        <p:tgtEl>
+                                          <p:spTgt spid="4"/>
+                                        </p:tgtEl>
+                                      </p:cBhvr>
+                                    </p:animEffect>
+                                  </p:childTnLst>
+                                </p:cTn>
+                              </p:par>
+                            </p:childTnLst>
+                          </p:cTn>
+                        </p:par>
+                      </p:childTnLst>
+                    </p:cTn>
+                  </p:par>
+                </p:childTnLst>
+              </p:cTn>
+              <p:prevCondLst>
+                <p:cond evt="onPrev" delay="0">
+                  <p:tgtEl>
+                    <p:sldTgt/>
+                  </p:tgtEl>
+                </p:cond>
+              </p:prevCondLst>
+              <p:nextCondLst>
+                <p:cond evt="onNext" delay="0">
+                  <p:tgtEl>
+                    <p:sldTgt/>
+                  </p:tgtEl>
+                </p:cond>
+              </p:nextCondLst>
+            </p:seq>
+          </p:childTnLst>
+        </p:cTn>
+      </p:par>
+    </p:tnLst>
+    <p:bldLst>
+      <p:bldP spid="4" grpId="0" animBg="1"/>
+    </p:bldLst>
+  </p:timing>
+</p:sld>
+</file>
+
+<file path=ppt/slides/slide4.xml><?xml version="1.0" encoding="utf-8"?>
+<p:sld xmlns:a="http://schemas.openxmlformats.org/drawingml/2006/main" xmlns:r="http://schemas.openxmlformats.org/officeDocument/2006/relationships" xmlns:p="http://schemas.openxmlformats.org/presentationml/2006/main">
+  <p:cSld>
+    <p:spTree>
+      <p:nvGrpSpPr>
+        <p:cNvPr id="1" name=""/>
+        <p:cNvGrpSpPr/>
+        <p:nvPr/>
+      </p:nvGrpSpPr>
+      <p:grpSpPr>
+        <a:xfrm>
+          <a:off x="0" y="0"/>
+          <a:ext cx="0" cy="0"/>
+          <a:chOff x="0" y="0"/>
+          <a:chExt cx="0" cy="0"/>
+        </a:xfrm>
+      </p:grpSpPr>
+      <p:sp>
+        <p:nvSpPr>
+          <p:cNvPr id="2" name="标题 1"/>
+          <p:cNvSpPr>
+            <a:spLocks noGrp="1"/>
+          </p:cNvSpPr>
+          <p:nvPr>
+            <p:ph type="title"/>
+          </p:nvPr>
+        </p:nvSpPr>
+        <p:spPr/>
+        <p:txBody>
+          <a:bodyPr/>
+          <a:lstStyle/>
+          <a:p>
+            <a:r>
+              <a:rPr lang="zh-CN" altLang="en-US" dirty="0"/>
+              <a:t>系统设计</a:t>
+            </a:r>
+            <a:r>
+              <a:rPr lang="zh-CN" altLang="en-US" dirty="0" smtClean="0"/>
+              <a:t>概述</a:t>
+            </a:r>
+            <a:endParaRPr lang="zh-CN" altLang="en-US" dirty="0"/>
+          </a:p>
+        </p:txBody>
+      </p:sp>
+      <p:pic>
+        <p:nvPicPr>
+          <p:cNvPr id="1026" name="Picture 2"/>
+          <p:cNvPicPr>
+            <a:picLocks noChangeAspect="1" noChangeArrowheads="1"/>
+          </p:cNvPicPr>
+          <p:nvPr/>
+        </p:nvPicPr>
+        <p:blipFill>
+          <a:blip r:embed="rId2">
+            <a:extLst>
+              <a:ext uri="{28A0092B-C50C-407E-A947-70E740481C1C}">
+                <a14:useLocalDpi xmlns:a14="http://schemas.microsoft.com/office/drawing/2010/main" val="0"/>
+              </a:ext>
+            </a:extLst>
+          </a:blip>
+          <a:srcRect/>
+          <a:stretch>
+            <a:fillRect/>
+          </a:stretch>
+        </p:blipFill>
+        <p:spPr bwMode="auto">
+          <a:xfrm>
+            <a:off x="1187624" y="2077514"/>
+            <a:ext cx="6768752" cy="4388408"/>
+          </a:xfrm>
+          <a:prstGeom prst="rect">
+            <a:avLst/>
+          </a:prstGeom>
+          <a:noFill/>
+          <a:ln>
+            <a:noFill/>
+          </a:ln>
+          <a:effectLst/>
+          <a:extLst>
+            <a:ext uri="{909E8E84-426E-40DD-AFC4-6F175D3DCCD1}">
+              <a14:hiddenFill xmlns:a14="http://schemas.microsoft.com/office/drawing/2010/main">
+                <a:solidFill>
+                  <a:schemeClr val="accent1"/>
+                </a:solidFill>
+              </a14:hiddenFill>
+            </a:ext>
+            <a:ext uri="{91240B29-F687-4F45-9708-019B960494DF}">
+              <a14:hiddenLine xmlns:a14="http://schemas.microsoft.com/office/drawing/2010/main" w="9525">
+                <a:solidFill>
+                  <a:schemeClr val="tx1"/>
+                </a:solidFill>
+                <a:miter lim="800000"/>
+                <a:headEnd/>
+                <a:tailEnd/>
+              </a14:hiddenLine>
+            </a:ext>
+            <a:ext uri="{AF507438-7753-43E0-B8FC-AC1667EBCBE1}">
+              <a14:hiddenEffects xmlns:a14="http://schemas.microsoft.com/office/drawing/2010/main">
+                <a:effectLst>
+                  <a:outerShdw dist="35921" dir="2700000" algn="ctr" rotWithShape="0">
+                    <a:schemeClr val="bg2"/>
+                  </a:outerShdw>
+                </a:effectLst>
+              </a14:hiddenEffects>
+            </a:ext>
+          </a:extLst>
+        </p:spPr>
+      </p:pic>
+      <p:sp>
+        <p:nvSpPr>
+          <p:cNvPr id="8" name="矩形 7"/>
+          <p:cNvSpPr/>
+          <p:nvPr/>
+        </p:nvSpPr>
+        <p:spPr bwMode="auto">
+          <a:xfrm>
+            <a:off x="5148064" y="2636912"/>
+            <a:ext cx="3096344" cy="2952328"/>
+          </a:xfrm>
+          <a:prstGeom prst="rect">
+            <a:avLst/>
+          </a:prstGeom>
+          <a:solidFill>
+            <a:schemeClr val="tx2">
+              <a:lumMod val="40000"/>
+              <a:lumOff val="60000"/>
+              <a:alpha val="32941"/>
+            </a:schemeClr>
+          </a:solidFill>
+          <a:ln w="9525" cap="flat" cmpd="sng" algn="ctr">
+            <a:solidFill>
+              <a:schemeClr val="tx1"/>
+            </a:solidFill>
+            <a:prstDash val="solid"/>
+            <a:round/>
+            <a:headEnd type="none" w="med" len="med"/>
+            <a:tailEnd type="none" w="med" len="med"/>
+          </a:ln>
+          <a:effectLst/>
+          <a:extLst/>
+        </p:spPr>
+        <p:txBody>
+          <a:bodyPr vert="horz" wrap="square" lIns="91440" tIns="45720" rIns="91440" bIns="45720" numCol="1" rtlCol="0" anchor="t" anchorCtr="0" compatLnSpc="1">
+            <a:prstTxWarp prst="textNoShape">
+              <a:avLst/>
+            </a:prstTxWarp>
+          </a:bodyPr>
+          <a:lstStyle/>
+          <a:p>
+            <a:pPr marL="0" marR="0" indent="0" algn="l" defTabSz="914400" rtl="0" eaLnBrk="0" fontAlgn="base" latinLnBrk="0" hangingPunct="0">
+              <a:lnSpc>
+                <a:spcPct val="100000"/>
+              </a:lnSpc>
+              <a:spcBef>
+                <a:spcPct val="0"/>
+              </a:spcBef>
+              <a:spcAft>
+                <a:spcPct val="0"/>
+              </a:spcAft>
+              <a:buClrTx/>
+              <a:buSzTx/>
+              <a:buFontTx/>
+              <a:buNone/>
+              <a:tabLst/>
+            </a:pPr>
+            <a:r>
+              <a:rPr kumimoji="0" lang="zh-CN" altLang="en-US" sz="1800" b="0" i="0" u="none" strike="noStrike" cap="none" normalizeH="0" baseline="0" dirty="0" smtClean="0">
+                <a:ln>
+                  <a:noFill/>
+                </a:ln>
+                <a:solidFill>
+                  <a:srgbClr val="FF0000"/>
+                </a:solidFill>
+                <a:effectLst/>
+                <a:latin typeface="微软雅黑" pitchFamily="34" charset="-122"/>
+                <a:ea typeface="微软雅黑" pitchFamily="34" charset="-122"/>
+              </a:rPr>
+              <a:t>本项目工作</a:t>
+            </a:r>
+          </a:p>
+        </p:txBody>
+      </p:sp>
+    </p:spTree>
+    <p:extLst>
+      <p:ext uri="{BB962C8B-B14F-4D97-AF65-F5344CB8AC3E}">
+        <p14:creationId xmlns:p14="http://schemas.microsoft.com/office/powerpoint/2010/main" val="3822131743"/>
+      </p:ext>
+    </p:extLst>
+  </p:cSld>
+  <p:clrMapOvr>
+    <a:masterClrMapping/>
+  </p:clrMapOvr>
+  <p:timing>
+    <p:tnLst>
+      <p:par>
+        <p:cTn id="1" dur="indefinite" restart="never" nodeType="tmRoot">
+          <p:childTnLst>
+            <p:seq concurrent="1" nextAc="seek">
+              <p:cTn id="2" dur="indefinite" nodeType="mainSeq">
+                <p:childTnLst>
+                  <p:par>
+                    <p:cTn id="3" fill="hold">
+                      <p:stCondLst>
+                        <p:cond delay="indefinite"/>
+                      </p:stCondLst>
+                      <p:childTnLst>
+                        <p:par>
+                          <p:cTn id="4" fill="hold">
+                            <p:stCondLst>
+                              <p:cond delay="0"/>
+                            </p:stCondLst>
+                            <p:childTnLst>
+                              <p:par>
+                                <p:cTn id="5" presetID="10" presetClass="entr" presetSubtype="0" fill="hold" grpId="0" nodeType="clickEffect">
+                                  <p:stCondLst>
+                                    <p:cond delay="0"/>
+                                  </p:stCondLst>
+                                  <p:childTnLst>
+                                    <p:set>
+                                      <p:cBhvr>
+                                        <p:cTn id="6" dur="1" fill="hold">
+                                          <p:stCondLst>
+                                            <p:cond delay="0"/>
+                                          </p:stCondLst>
+                                        </p:cTn>
+                                        <p:tgtEl>
+                                          <p:spTgt spid="8"/>
+                                        </p:tgtEl>
+                                        <p:attrNameLst>
+                                          <p:attrName>style.visibility</p:attrName>
+                                        </p:attrNameLst>
+                                      </p:cBhvr>
+                                      <p:to>
+                                        <p:strVal val="visible"/>
+                                      </p:to>
+                                    </p:set>
+                                    <p:animEffect transition="in" filter="fade">
+                                      <p:cBhvr>
+                                        <p:cTn id="7" dur="500"/>
+                                        <p:tgtEl>
+                                          <p:spTgt spid="8"/>
+                                        </p:tgtEl>
+                                      </p:cBhvr>
+                                    </p:animEffect>
+                                  </p:childTnLst>
+                                </p:cTn>
+                              </p:par>
+                            </p:childTnLst>
+                          </p:cTn>
+                        </p:par>
+                      </p:childTnLst>
+                    </p:cTn>
+                  </p:par>
+                </p:childTnLst>
+              </p:cTn>
+              <p:prevCondLst>
+                <p:cond evt="onPrev" delay="0">
+                  <p:tgtEl>
+                    <p:sldTgt/>
+                  </p:tgtEl>
+                </p:cond>
+              </p:prevCondLst>
+              <p:nextCondLst>
+                <p:cond evt="onNext" delay="0">
+                  <p:tgtEl>
+                    <p:sldTgt/>
+                  </p:tgtEl>
+                </p:cond>
+              </p:nextCondLst>
+            </p:seq>
+          </p:childTnLst>
+        </p:cTn>
+      </p:par>
+    </p:tnLst>
+    <p:bldLst>
+      <p:bldP spid="8" grpId="0" animBg="1"/>
+    </p:bldLst>
+  </p:timing>
+</p:sld>
+</file>
+
+<file path=ppt/slides/slide5.xml><?xml version="1.0" encoding="utf-8"?>
+<p:sld xmlns:a="http://schemas.openxmlformats.org/drawingml/2006/main" xmlns:r="http://schemas.openxmlformats.org/officeDocument/2006/relationships" xmlns:p="http://schemas.openxmlformats.org/presentationml/2006/main">
+  <p:cSld>
+    <p:spTree>
+      <p:nvGrpSpPr>
+        <p:cNvPr id="1" name=""/>
+        <p:cNvGrpSpPr/>
+        <p:nvPr/>
+      </p:nvGrpSpPr>
+      <p:grpSpPr>
+        <a:xfrm>
+          <a:off x="0" y="0"/>
+          <a:ext cx="0" cy="0"/>
+          <a:chOff x="0" y="0"/>
+          <a:chExt cx="0" cy="0"/>
+        </a:xfrm>
+      </p:grpSpPr>
+      <p:sp>
+        <p:nvSpPr>
+          <p:cNvPr id="2" name="标题 1"/>
+          <p:cNvSpPr>
+            <a:spLocks noGrp="1"/>
+          </p:cNvSpPr>
+          <p:nvPr>
+            <p:ph type="title"/>
+          </p:nvPr>
+        </p:nvSpPr>
+        <p:spPr/>
+        <p:txBody>
+          <a:bodyPr/>
+          <a:lstStyle/>
+          <a:p>
+            <a:r>
+              <a:rPr lang="zh-CN" altLang="en-US" dirty="0"/>
+              <a:t>交互式标注</a:t>
+            </a:r>
+            <a:r>
+              <a:rPr lang="zh-CN" altLang="en-US" dirty="0" smtClean="0"/>
+              <a:t>模型设计</a:t>
+            </a:r>
+            <a:endParaRPr lang="zh-CN" altLang="en-US" dirty="0"/>
+          </a:p>
+        </p:txBody>
+      </p:sp>
+      <p:sp>
+        <p:nvSpPr>
+          <p:cNvPr id="3" name="内容占位符 2"/>
+          <p:cNvSpPr>
+            <a:spLocks noGrp="1"/>
+          </p:cNvSpPr>
+          <p:nvPr>
+            <p:ph idx="1"/>
+          </p:nvPr>
+        </p:nvSpPr>
+        <p:spPr/>
+        <p:txBody>
+          <a:bodyPr/>
+          <a:lstStyle/>
+          <a:p>
+            <a:r>
+              <a:rPr lang="zh-CN" altLang="en-US" dirty="0" smtClean="0"/>
+              <a:t>标注模块和其他模块的联系</a:t>
+            </a:r>
+            <a:endParaRPr lang="en-US" altLang="zh-CN" dirty="0" smtClean="0"/>
+          </a:p>
+          <a:p>
+            <a:endParaRPr lang="en-US" altLang="zh-CN" dirty="0"/>
+          </a:p>
+          <a:p>
+            <a:endParaRPr lang="en-US" altLang="zh-CN" dirty="0" smtClean="0"/>
+          </a:p>
+          <a:p>
+            <a:endParaRPr lang="en-US" altLang="zh-CN" dirty="0"/>
+          </a:p>
+          <a:p>
+            <a:endParaRPr lang="en-US" altLang="zh-CN" dirty="0"/>
+          </a:p>
+          <a:p>
+            <a:r>
+              <a:rPr lang="zh-CN" altLang="en-US" dirty="0"/>
+              <a:t>本</a:t>
+            </a:r>
+            <a:r>
+              <a:rPr lang="zh-CN" altLang="en-US" dirty="0" smtClean="0"/>
+              <a:t>项目工作</a:t>
+            </a:r>
+            <a:endParaRPr lang="en-US" altLang="zh-CN" dirty="0" smtClean="0"/>
+          </a:p>
+          <a:p>
+            <a:pPr lvl="1"/>
+            <a:r>
+              <a:rPr lang="zh-CN" altLang="en-US" dirty="0" smtClean="0"/>
+              <a:t>单人单帧标注模块</a:t>
+            </a:r>
+            <a:endParaRPr lang="zh-CN" altLang="en-US" dirty="0"/>
+          </a:p>
+        </p:txBody>
+      </p:sp>
+      <p:pic>
+        <p:nvPicPr>
+          <p:cNvPr id="2050" name="Picture 2"/>
+          <p:cNvPicPr>
+            <a:picLocks noChangeAspect="1" noChangeArrowheads="1"/>
+          </p:cNvPicPr>
+          <p:nvPr/>
+        </p:nvPicPr>
+        <p:blipFill>
+          <a:blip r:embed="rId2">
+            <a:extLst>
+              <a:ext uri="{28A0092B-C50C-407E-A947-70E740481C1C}">
+                <a14:useLocalDpi xmlns:a14="http://schemas.microsoft.com/office/drawing/2010/main" val="0"/>
+              </a:ext>
+            </a:extLst>
+          </a:blip>
+          <a:srcRect/>
+          <a:stretch>
+            <a:fillRect/>
+          </a:stretch>
+        </p:blipFill>
+        <p:spPr bwMode="auto">
+          <a:xfrm>
+            <a:off x="1403647" y="2564904"/>
+            <a:ext cx="6198281" cy="2232248"/>
+          </a:xfrm>
+          <a:prstGeom prst="rect">
+            <a:avLst/>
+          </a:prstGeom>
+          <a:noFill/>
+          <a:ln>
+            <a:noFill/>
+          </a:ln>
+          <a:effectLst/>
+          <a:extLst>
+            <a:ext uri="{909E8E84-426E-40DD-AFC4-6F175D3DCCD1}">
+              <a14:hiddenFill xmlns:a14="http://schemas.microsoft.com/office/drawing/2010/main">
+                <a:solidFill>
+                  <a:schemeClr val="accent1"/>
+                </a:solidFill>
+              </a14:hiddenFill>
+            </a:ext>
+            <a:ext uri="{91240B29-F687-4F45-9708-019B960494DF}">
+              <a14:hiddenLine xmlns:a14="http://schemas.microsoft.com/office/drawing/2010/main" w="9525">
+                <a:solidFill>
+                  <a:schemeClr val="tx1"/>
+                </a:solidFill>
+                <a:miter lim="800000"/>
+                <a:headEnd/>
+                <a:tailEnd/>
+              </a14:hiddenLine>
+            </a:ext>
+            <a:ext uri="{AF507438-7753-43E0-B8FC-AC1667EBCBE1}">
+              <a14:hiddenEffects xmlns:a14="http://schemas.microsoft.com/office/drawing/2010/main">
+                <a:effectLst>
+                  <a:outerShdw dist="35921" dir="2700000" algn="ctr" rotWithShape="0">
+                    <a:schemeClr val="bg2"/>
+                  </a:outerShdw>
+                </a:effectLst>
+              </a14:hiddenEffects>
+            </a:ext>
+          </a:extLst>
+        </p:spPr>
+      </p:pic>
+      <p:sp>
+        <p:nvSpPr>
+          <p:cNvPr id="4" name="矩形 3"/>
+          <p:cNvSpPr/>
+          <p:nvPr/>
+        </p:nvSpPr>
+        <p:spPr bwMode="auto">
+          <a:xfrm>
+            <a:off x="6012160" y="2766628"/>
+            <a:ext cx="1368152" cy="1238436"/>
+          </a:xfrm>
+          <a:prstGeom prst="rect">
+            <a:avLst/>
+          </a:prstGeom>
+          <a:solidFill>
+            <a:schemeClr val="bg2">
+              <a:lumMod val="20000"/>
+              <a:lumOff val="80000"/>
+              <a:alpha val="29000"/>
+            </a:schemeClr>
+          </a:solidFill>
+          <a:ln w="9525" cap="flat" cmpd="sng" algn="ctr">
+            <a:solidFill>
+              <a:schemeClr val="tx1"/>
+            </a:solidFill>
+            <a:prstDash val="solid"/>
+            <a:round/>
+            <a:headEnd type="none" w="med" len="med"/>
+            <a:tailEnd type="none" w="med" len="med"/>
+          </a:ln>
+          <a:effectLst/>
+          <a:extLst/>
+        </p:spPr>
+        <p:txBody>
+          <a:bodyPr vert="horz" wrap="square" lIns="91440" tIns="45720" rIns="91440" bIns="45720" numCol="1" rtlCol="0" anchor="t" anchorCtr="0" compatLnSpc="1">
+            <a:prstTxWarp prst="textNoShape">
+              <a:avLst/>
+            </a:prstTxWarp>
+          </a:bodyPr>
+          <a:lstStyle/>
+          <a:p>
+            <a:pPr marL="0" marR="0" indent="0" algn="l" defTabSz="914400" rtl="0" eaLnBrk="0" fontAlgn="base" latinLnBrk="0" hangingPunct="0">
+              <a:lnSpc>
+                <a:spcPct val="100000"/>
+              </a:lnSpc>
+              <a:spcBef>
+                <a:spcPct val="0"/>
+              </a:spcBef>
+              <a:spcAft>
+                <a:spcPct val="0"/>
+              </a:spcAft>
+              <a:buClrTx/>
+              <a:buSzTx/>
+              <a:buFontTx/>
+              <a:buNone/>
+              <a:tabLst/>
+            </a:pPr>
+            <a:endParaRPr kumimoji="0" lang="zh-CN" altLang="en-US" sz="1800" b="0" i="0" u="none" strike="noStrike" cap="none" normalizeH="0" baseline="0" smtClean="0">
+              <a:ln>
+                <a:noFill/>
+              </a:ln>
+              <a:solidFill>
+                <a:schemeClr val="tx1"/>
+              </a:solidFill>
+              <a:effectLst/>
+              <a:latin typeface="Arial" charset="0"/>
+              <a:ea typeface="宋体" charset="-122"/>
+            </a:endParaRPr>
+          </a:p>
+        </p:txBody>
+      </p:sp>
+    </p:spTree>
+    <p:extLst>
+      <p:ext uri="{BB962C8B-B14F-4D97-AF65-F5344CB8AC3E}">
+        <p14:creationId xmlns:p14="http://schemas.microsoft.com/office/powerpoint/2010/main" val="73727847"/>
+      </p:ext>
+    </p:extLst>
+  </p:cSld>
+  <p:clrMapOvr>
+    <a:masterClrMapping/>
+  </p:clrMapOvr>
+  <p:timing>
+    <p:tnLst>
+      <p:par>
+        <p:cTn id="1" dur="indefinite" restart="never" nodeType="tmRoot">
+          <p:childTnLst>
+            <p:seq concurrent="1" nextAc="seek">
+              <p:cTn id="2" dur="indefinite" nodeType="mainSeq">
+                <p:childTnLst>
+                  <p:par>
+                    <p:cTn id="3" fill="hold">
+                      <p:stCondLst>
+                        <p:cond delay="indefinite"/>
+                      </p:stCondLst>
+                      <p:childTnLst>
+                        <p:par>
+                          <p:cTn id="4" fill="hold">
+                            <p:stCondLst>
+                              <p:cond delay="0"/>
+                            </p:stCondLst>
+                            <p:childTnLst>
+                              <p:par>
+                                <p:cTn id="5" presetID="1" presetClass="entr" presetSubtype="0" fill="hold" nodeType="clickEffect">
+                                  <p:stCondLst>
+                                    <p:cond delay="0"/>
+                                  </p:stCondLst>
+                                  <p:childTnLst>
+                                    <p:set>
+                                      <p:cBhvr>
+                                        <p:cTn id="6" dur="1" fill="hold">
+                                          <p:stCondLst>
+                                            <p:cond delay="0"/>
+                                          </p:stCondLst>
+                                        </p:cTn>
+                                        <p:tgtEl>
+                                          <p:spTgt spid="3">
+                                            <p:txEl>
+                                              <p:pRg st="5" end="5"/>
+                                            </p:txEl>
+                                          </p:spTgt>
+                                        </p:tgtEl>
+                                        <p:attrNameLst>
+                                          <p:attrName>style.visibility</p:attrName>
+                                        </p:attrNameLst>
+                                      </p:cBhvr>
+                                      <p:to>
+                                        <p:strVal val="visible"/>
+                                      </p:to>
+                                    </p:set>
+                                  </p:childTnLst>
+                                </p:cTn>
+                              </p:par>
+                              <p:par>
+                                <p:cTn id="7" presetID="1" presetClass="entr" presetSubtype="0" fill="hold" nodeType="withEffect">
+                                  <p:stCondLst>
+                                    <p:cond delay="0"/>
+                                  </p:stCondLst>
+                                  <p:childTnLst>
+                                    <p:set>
+                                      <p:cBhvr>
+                                        <p:cTn id="8" dur="1" fill="hold">
+                                          <p:stCondLst>
+                                            <p:cond delay="0"/>
+                                          </p:stCondLst>
+                                        </p:cTn>
+                                        <p:tgtEl>
+                                          <p:spTgt spid="3">
+                                            <p:txEl>
+                                              <p:pRg st="6" end="6"/>
+                                            </p:txEl>
+                                          </p:spTgt>
+                                        </p:tgtEl>
+                                        <p:attrNameLst>
+                                          <p:attrName>style.visibility</p:attrName>
+                                        </p:attrNameLst>
+                                      </p:cBhvr>
+                                      <p:to>
+                                        <p:strVal val="visible"/>
+                                      </p:to>
+                                    </p:set>
+                                  </p:childTnLst>
+                                </p:cTn>
+                              </p:par>
+                              <p:par>
+                                <p:cTn id="9" presetID="10" presetClass="entr" presetSubtype="0" fill="hold" grpId="0" nodeType="withEffect">
+                                  <p:stCondLst>
+                                    <p:cond delay="0"/>
+                                  </p:stCondLst>
+                                  <p:childTnLst>
+                                    <p:set>
+                                      <p:cBhvr>
+                                        <p:cTn id="10" dur="1" fill="hold">
+                                          <p:stCondLst>
+                                            <p:cond delay="0"/>
+                                          </p:stCondLst>
+                                        </p:cTn>
+                                        <p:tgtEl>
+                                          <p:spTgt spid="4"/>
+                                        </p:tgtEl>
+                                        <p:attrNameLst>
+                                          <p:attrName>style.visibility</p:attrName>
+                                        </p:attrNameLst>
+                                      </p:cBhvr>
+                                      <p:to>
+                                        <p:strVal val="visible"/>
+                                      </p:to>
+                                    </p:set>
+                                    <p:animEffect transition="in" filter="fade">
+                                      <p:cBhvr>
+                                        <p:cTn id="11" dur="500"/>
+                                        <p:tgtEl>
+                                          <p:spTgt spid="4"/>
+                                        </p:tgtEl>
+                                      </p:cBhvr>
+                                    </p:animEffect>
+                                  </p:childTnLst>
+                                </p:cTn>
+                              </p:par>
+                            </p:childTnLst>
+                          </p:cTn>
+                        </p:par>
+                      </p:childTnLst>
+                    </p:cTn>
+                  </p:par>
+                </p:childTnLst>
+              </p:cTn>
+              <p:prevCondLst>
+                <p:cond evt="onPrev" delay="0">
+                  <p:tgtEl>
+                    <p:sldTgt/>
+                  </p:tgtEl>
+                </p:cond>
+              </p:prevCondLst>
+              <p:nextCondLst>
+                <p:cond evt="onNext" delay="0">
+                  <p:tgtEl>
+                    <p:sldTgt/>
+                  </p:tgtEl>
+                </p:cond>
+              </p:nextCondLst>
+            </p:seq>
+          </p:childTnLst>
+        </p:cTn>
+      </p:par>
+    </p:tnLst>
+    <p:bldLst>
+      <p:bldP spid="4" grpId="0" animBg="1"/>
+    </p:bldLst>
+  </p:timing>
+</p:sld>
+</file>
+
+<file path=ppt/slides/slide6.xml><?xml version="1.0" encoding="utf-8"?>
+<p:sld xmlns:a="http://schemas.openxmlformats.org/drawingml/2006/main" xmlns:r="http://schemas.openxmlformats.org/officeDocument/2006/relationships" xmlns:p="http://schemas.openxmlformats.org/presentationml/2006/main">
+  <p:cSld>
+    <p:spTree>
+      <p:nvGrpSpPr>
+        <p:cNvPr id="1" name=""/>
+        <p:cNvGrpSpPr/>
+        <p:nvPr/>
+      </p:nvGrpSpPr>
+      <p:grpSpPr>
+        <a:xfrm>
+          <a:off x="0" y="0"/>
+          <a:ext cx="0" cy="0"/>
+          <a:chOff x="0" y="0"/>
+          <a:chExt cx="0" cy="0"/>
+        </a:xfrm>
+      </p:grpSpPr>
+      <p:sp>
+        <p:nvSpPr>
+          <p:cNvPr id="2" name="标题 1"/>
+          <p:cNvSpPr>
+            <a:spLocks noGrp="1"/>
+          </p:cNvSpPr>
+          <p:nvPr>
+            <p:ph type="title"/>
+          </p:nvPr>
+        </p:nvSpPr>
+        <p:spPr/>
+        <p:txBody>
+          <a:bodyPr/>
+          <a:lstStyle/>
+          <a:p>
+            <a:r>
+              <a:rPr lang="zh-CN" altLang="en-US" dirty="0" smtClean="0"/>
+              <a:t>背景标注模块</a:t>
+            </a:r>
+            <a:endParaRPr lang="zh-CN" altLang="en-US" dirty="0"/>
+          </a:p>
+        </p:txBody>
+      </p:sp>
+      <p:sp>
+        <p:nvSpPr>
+          <p:cNvPr id="3" name="内容占位符 2"/>
+          <p:cNvSpPr>
+            <a:spLocks noGrp="1"/>
+          </p:cNvSpPr>
+          <p:nvPr>
+            <p:ph idx="1"/>
+          </p:nvPr>
+        </p:nvSpPr>
+        <p:spPr/>
+        <p:txBody>
+          <a:bodyPr/>
+          <a:lstStyle/>
+          <a:p>
+            <a:r>
+              <a:rPr lang="en-US" altLang="zh-CN" dirty="0" smtClean="0">
+                <a:latin typeface="Times New Roman" pitchFamily="18" charset="0"/>
+                <a:ea typeface="Tahoma" pitchFamily="34" charset="0"/>
+                <a:cs typeface="Times New Roman" pitchFamily="18" charset="0"/>
+              </a:rPr>
+              <a:t>Stage Model </a:t>
+            </a:r>
+            <a:r>
+              <a:rPr lang="en-US" altLang="zh-CN" dirty="0" err="1" smtClean="0">
+                <a:latin typeface="Times New Roman" pitchFamily="18" charset="0"/>
+                <a:ea typeface="Tahoma" pitchFamily="34" charset="0"/>
+                <a:cs typeface="Times New Roman" pitchFamily="18" charset="0"/>
+              </a:rPr>
+              <a:t>vs</a:t>
+            </a:r>
+            <a:r>
+              <a:rPr lang="en-US" altLang="zh-CN" dirty="0">
+                <a:latin typeface="Times New Roman" pitchFamily="18" charset="0"/>
+                <a:ea typeface="Tahoma" pitchFamily="34" charset="0"/>
+                <a:cs typeface="Times New Roman" pitchFamily="18" charset="0"/>
+              </a:rPr>
+              <a:t> </a:t>
+            </a:r>
+            <a:r>
+              <a:rPr lang="zh-CN" altLang="en-US" dirty="0" smtClean="0">
+                <a:latin typeface="Times New Roman" pitchFamily="18" charset="0"/>
+                <a:cs typeface="Times New Roman" pitchFamily="18" charset="0"/>
+              </a:rPr>
+              <a:t>自动深度估计</a:t>
+            </a:r>
+            <a:endParaRPr lang="zh-CN" altLang="en-US" dirty="0">
+              <a:latin typeface="Times New Roman" pitchFamily="18" charset="0"/>
+              <a:cs typeface="Times New Roman" pitchFamily="18" charset="0"/>
+            </a:endParaRPr>
+          </a:p>
+        </p:txBody>
+      </p:sp>
+      <p:pic>
+        <p:nvPicPr>
+          <p:cNvPr id="3074" name="Picture 2" descr="Stage Model和自动背景估计的对比"/>
+          <p:cNvPicPr>
+            <a:picLocks noChangeAspect="1" noChangeArrowheads="1"/>
+          </p:cNvPicPr>
+          <p:nvPr/>
+        </p:nvPicPr>
+        <p:blipFill>
+          <a:blip r:embed="rId2">
+            <a:extLst>
+              <a:ext uri="{28A0092B-C50C-407E-A947-70E740481C1C}">
+                <a14:useLocalDpi xmlns:a14="http://schemas.microsoft.com/office/drawing/2010/main" val="0"/>
+              </a:ext>
+            </a:extLst>
+          </a:blip>
+          <a:srcRect/>
+          <a:stretch>
+            <a:fillRect/>
+          </a:stretch>
+        </p:blipFill>
+        <p:spPr bwMode="auto">
+          <a:xfrm>
+            <a:off x="971600" y="2653061"/>
+            <a:ext cx="7248491" cy="3672408"/>
+          </a:xfrm>
+          <a:prstGeom prst="rect">
+            <a:avLst/>
+          </a:prstGeom>
+          <a:noFill/>
+          <a:ln>
+            <a:noFill/>
+          </a:ln>
+          <a:effectLst/>
+          <a:extLst>
+            <a:ext uri="{909E8E84-426E-40DD-AFC4-6F175D3DCCD1}">
+              <a14:hiddenFill xmlns:a14="http://schemas.microsoft.com/office/drawing/2010/main">
+                <a:solidFill>
+                  <a:schemeClr val="accent1"/>
+                </a:solidFill>
+              </a14:hiddenFill>
+            </a:ext>
+            <a:ext uri="{91240B29-F687-4F45-9708-019B960494DF}">
+              <a14:hiddenLine xmlns:a14="http://schemas.microsoft.com/office/drawing/2010/main" w="9525">
+                <a:solidFill>
+                  <a:schemeClr val="tx1"/>
+                </a:solidFill>
+                <a:miter lim="800000"/>
+                <a:headEnd/>
+                <a:tailEnd/>
+              </a14:hiddenLine>
+            </a:ext>
+            <a:ext uri="{AF507438-7753-43E0-B8FC-AC1667EBCBE1}">
+              <a14:hiddenEffects xmlns:a14="http://schemas.microsoft.com/office/drawing/2010/main">
+                <a:effectLst>
+                  <a:outerShdw dist="35921" dir="2700000" algn="ctr" rotWithShape="0">
+                    <a:schemeClr val="bg2"/>
+                  </a:outerShdw>
+                </a:effectLst>
+              </a14:hiddenEffects>
+            </a:ext>
+          </a:extLst>
+        </p:spPr>
+      </p:pic>
+    </p:spTree>
+    <p:extLst>
+      <p:ext uri="{BB962C8B-B14F-4D97-AF65-F5344CB8AC3E}">
+        <p14:creationId xmlns:p14="http://schemas.microsoft.com/office/powerpoint/2010/main" val="3261354964"/>
+      </p:ext>
+    </p:extLst>
+  </p:cSld>
+  <p:clrMapOvr>
+    <a:masterClrMapping/>
+  </p:clrMapOvr>
+  <p:timing>
+    <p:tnLst>
+      <p:par>
+        <p:cTn id="1" dur="indefinite" restart="never" nodeType="tmRoot"/>
+      </p:par>
+    </p:tnLst>
+  </p:timing>
+</p:sld>
+</file>
+
+<file path=ppt/slides/slide7.xml><?xml version="1.0" encoding="utf-8"?>
+<p:sld xmlns:a="http://schemas.openxmlformats.org/drawingml/2006/main" xmlns:r="http://schemas.openxmlformats.org/officeDocument/2006/relationships" xmlns:p="http://schemas.openxmlformats.org/presentationml/2006/main">
+  <p:cSld>
+    <p:spTree>
+      <p:nvGrpSpPr>
+        <p:cNvPr id="1" name=""/>
+        <p:cNvGrpSpPr/>
+        <p:nvPr/>
+      </p:nvGrpSpPr>
+      <p:grpSpPr>
+        <a:xfrm>
+          <a:off x="0" y="0"/>
+          <a:ext cx="0" cy="0"/>
+          <a:chOff x="0" y="0"/>
+          <a:chExt cx="0" cy="0"/>
+        </a:xfrm>
+      </p:grpSpPr>
+      <p:sp>
+        <p:nvSpPr>
+          <p:cNvPr id="2" name="标题 1"/>
+          <p:cNvSpPr>
+            <a:spLocks noGrp="1"/>
+          </p:cNvSpPr>
+          <p:nvPr>
+            <p:ph type="title"/>
+          </p:nvPr>
+        </p:nvSpPr>
+        <p:spPr/>
+        <p:txBody>
+          <a:bodyPr/>
+          <a:lstStyle/>
+          <a:p>
+            <a:r>
+              <a:rPr lang="zh-CN" altLang="en-US" dirty="0" smtClean="0"/>
+              <a:t>触摸屏 </a:t>
+            </a:r>
+            <a:r>
+              <a:rPr lang="en-US" altLang="zh-CN" dirty="0" smtClean="0"/>
+              <a:t>VS </a:t>
+            </a:r>
+            <a:r>
+              <a:rPr lang="zh-CN" altLang="en-US" dirty="0" smtClean="0"/>
+              <a:t>传统</a:t>
+            </a:r>
+            <a:r>
+              <a:rPr lang="en-US" altLang="zh-CN" dirty="0" smtClean="0"/>
+              <a:t>PC</a:t>
+            </a:r>
+            <a:endParaRPr lang="zh-CN" altLang="en-US" dirty="0"/>
+          </a:p>
+        </p:txBody>
+      </p:sp>
+      <p:sp>
+        <p:nvSpPr>
+          <p:cNvPr id="3" name="内容占位符 2"/>
+          <p:cNvSpPr>
+            <a:spLocks noGrp="1"/>
+          </p:cNvSpPr>
+          <p:nvPr>
+            <p:ph idx="1"/>
+          </p:nvPr>
+        </p:nvSpPr>
+        <p:spPr/>
+        <p:txBody>
+          <a:bodyPr/>
+          <a:lstStyle/>
+          <a:p>
+            <a:r>
+              <a:rPr lang="zh-CN" altLang="en-US" dirty="0" smtClean="0"/>
+              <a:t>操作直观</a:t>
+            </a:r>
+            <a:endParaRPr lang="en-US" altLang="zh-CN" dirty="0" smtClean="0"/>
+          </a:p>
+          <a:p>
+            <a:pPr lvl="1"/>
+            <a:r>
+              <a:rPr lang="zh-CN" altLang="en-US" dirty="0" smtClean="0"/>
+              <a:t>可以将触摸屏当作画布</a:t>
+            </a:r>
+            <a:endParaRPr lang="en-US" altLang="zh-CN" dirty="0" smtClean="0"/>
+          </a:p>
+          <a:p>
+            <a:r>
+              <a:rPr lang="zh-CN" altLang="en-US" dirty="0" smtClean="0"/>
+              <a:t>节省操作开销</a:t>
+            </a:r>
+            <a:endParaRPr lang="en-US" altLang="zh-CN" dirty="0" smtClean="0"/>
+          </a:p>
+          <a:p>
+            <a:pPr lvl="1"/>
+            <a:r>
+              <a:rPr lang="zh-CN" altLang="en-US" dirty="0" smtClean="0"/>
+              <a:t>可以用手势和触击代替按键操作</a:t>
+            </a:r>
+            <a:endParaRPr lang="en-US" altLang="zh-CN" dirty="0" smtClean="0"/>
+          </a:p>
+          <a:p>
+            <a:r>
+              <a:rPr lang="zh-CN" altLang="en-US" dirty="0" smtClean="0"/>
+              <a:t>利于健康</a:t>
+            </a:r>
+            <a:endParaRPr lang="en-US" altLang="zh-CN" dirty="0" smtClean="0"/>
+          </a:p>
+          <a:p>
+            <a:pPr lvl="1"/>
+            <a:r>
+              <a:rPr lang="zh-CN" altLang="en-US" dirty="0" smtClean="0"/>
+              <a:t>避免鼠标长时间操作的伤害</a:t>
+            </a:r>
+            <a:endParaRPr lang="en-US" altLang="zh-CN" dirty="0" smtClean="0"/>
+          </a:p>
+          <a:p>
+            <a:pPr marL="0" indent="0">
+              <a:buNone/>
+            </a:pPr>
+            <a:endParaRPr lang="zh-CN" altLang="en-US" dirty="0"/>
+          </a:p>
+        </p:txBody>
+      </p:sp>
+    </p:spTree>
+    <p:extLst>
+      <p:ext uri="{BB962C8B-B14F-4D97-AF65-F5344CB8AC3E}">
+        <p14:creationId xmlns:p14="http://schemas.microsoft.com/office/powerpoint/2010/main" val="3054808927"/>
+      </p:ext>
+    </p:extLst>
+  </p:cSld>
+  <p:clrMapOvr>
+    <a:masterClrMapping/>
+  </p:clrMapOvr>
+  <p:timing>
+    <p:tnLst>
+      <p:par>
+        <p:cTn id="1" dur="indefinite" restart="never" nodeType="tmRoot"/>
+      </p:par>
+    </p:tnLst>
+  </p:timing>
+</p:sld>
+</file>
+
+<file path=ppt/slides/slide8.xml><?xml version="1.0" encoding="utf-8"?>
+<p:sld xmlns:a="http://schemas.openxmlformats.org/drawingml/2006/main" xmlns:r="http://schemas.openxmlformats.org/officeDocument/2006/relationships" xmlns:p="http://schemas.openxmlformats.org/presentationml/2006/main">
+  <p:cSld>
+    <p:spTree>
+      <p:nvGrpSpPr>
+        <p:cNvPr id="1" name=""/>
+        <p:cNvGrpSpPr/>
+        <p:nvPr/>
+      </p:nvGrpSpPr>
+      <p:grpSpPr>
+        <a:xfrm>
+          <a:off x="0" y="0"/>
+          <a:ext cx="0" cy="0"/>
+          <a:chOff x="0" y="0"/>
+          <a:chExt cx="0" cy="0"/>
+        </a:xfrm>
+      </p:grpSpPr>
+      <p:pic>
+        <p:nvPicPr>
+          <p:cNvPr id="2050" name="Picture 2"/>
+          <p:cNvPicPr>
+            <a:picLocks noChangeAspect="1" noChangeArrowheads="1"/>
+          </p:cNvPicPr>
+          <p:nvPr/>
+        </p:nvPicPr>
+        <p:blipFill>
+          <a:blip r:embed="rId2">
+            <a:extLst>
+              <a:ext uri="{28A0092B-C50C-407E-A947-70E740481C1C}">
+                <a14:useLocalDpi xmlns:a14="http://schemas.microsoft.com/office/drawing/2010/main" val="0"/>
+              </a:ext>
+            </a:extLst>
+          </a:blip>
+          <a:srcRect/>
+          <a:stretch>
+            <a:fillRect/>
+          </a:stretch>
+        </p:blipFill>
+        <p:spPr bwMode="auto">
+          <a:xfrm>
+            <a:off x="3463647" y="2681536"/>
+            <a:ext cx="5680353" cy="4176464"/>
+          </a:xfrm>
+          <a:prstGeom prst="rect">
+            <a:avLst/>
+          </a:prstGeom>
+          <a:noFill/>
+          <a:ln>
+            <a:noFill/>
+          </a:ln>
+          <a:effectLst/>
+          <a:extLst>
+            <a:ext uri="{909E8E84-426E-40DD-AFC4-6F175D3DCCD1}">
+              <a14:hiddenFill xmlns:a14="http://schemas.microsoft.com/office/drawing/2010/main">
+                <a:solidFill>
+                  <a:schemeClr val="accent1"/>
+                </a:solidFill>
+              </a14:hiddenFill>
+            </a:ext>
+            <a:ext uri="{91240B29-F687-4F45-9708-019B960494DF}">
+              <a14:hiddenLine xmlns:a14="http://schemas.microsoft.com/office/drawing/2010/main" w="9525">
+                <a:solidFill>
+                  <a:schemeClr val="tx1"/>
+                </a:solidFill>
+                <a:miter lim="800000"/>
+                <a:headEnd/>
+                <a:tailEnd/>
+              </a14:hiddenLine>
+            </a:ext>
+            <a:ext uri="{AF507438-7753-43E0-B8FC-AC1667EBCBE1}">
+              <a14:hiddenEffects xmlns:a14="http://schemas.microsoft.com/office/drawing/2010/main">
+                <a:effectLst>
+                  <a:outerShdw dist="35921" dir="2700000" algn="ctr" rotWithShape="0">
+                    <a:schemeClr val="bg2"/>
+                  </a:outerShdw>
+                </a:effectLst>
+              </a14:hiddenEffects>
+            </a:ext>
+          </a:extLst>
+        </p:spPr>
+      </p:pic>
+      <p:sp>
+        <p:nvSpPr>
+          <p:cNvPr id="2" name="标题 1"/>
+          <p:cNvSpPr>
+            <a:spLocks noGrp="1"/>
+          </p:cNvSpPr>
+          <p:nvPr>
+            <p:ph type="title"/>
+          </p:nvPr>
+        </p:nvSpPr>
+        <p:spPr/>
+        <p:txBody>
+          <a:bodyPr/>
+          <a:lstStyle/>
+          <a:p>
+            <a:r>
+              <a:rPr lang="zh-CN" altLang="en-US" dirty="0"/>
+              <a:t>前景标注方法</a:t>
+            </a:r>
+          </a:p>
+        </p:txBody>
+      </p:sp>
+      <p:sp>
+        <p:nvSpPr>
+          <p:cNvPr id="3" name="内容占位符 2"/>
+          <p:cNvSpPr>
+            <a:spLocks noGrp="1"/>
+          </p:cNvSpPr>
+          <p:nvPr>
+            <p:ph idx="1"/>
+          </p:nvPr>
+        </p:nvSpPr>
+        <p:spPr/>
+        <p:txBody>
+          <a:bodyPr/>
+          <a:lstStyle/>
+          <a:p>
+            <a:r>
+              <a:rPr lang="zh-CN" altLang="en-US" dirty="0" smtClean="0"/>
+              <a:t>整体标注流程</a:t>
+            </a:r>
+            <a:endParaRPr lang="en-US" altLang="zh-CN" dirty="0" smtClean="0"/>
+          </a:p>
+          <a:p>
+            <a:pPr lvl="1"/>
+            <a:r>
+              <a:rPr lang="zh-CN" altLang="en-US" dirty="0" smtClean="0"/>
+              <a:t>手工标注</a:t>
+            </a:r>
+            <a:endParaRPr lang="en-US" altLang="zh-CN" dirty="0" smtClean="0"/>
+          </a:p>
+          <a:p>
+            <a:pPr lvl="1"/>
+            <a:r>
+              <a:rPr lang="zh-CN" altLang="en-US" dirty="0" smtClean="0"/>
+              <a:t>背景估计</a:t>
+            </a:r>
+            <a:endParaRPr lang="en-US" altLang="zh-CN" dirty="0" smtClean="0"/>
+          </a:p>
+          <a:p>
+            <a:pPr lvl="1"/>
+            <a:r>
+              <a:rPr lang="zh-CN" altLang="en-US" dirty="0"/>
+              <a:t>深度</a:t>
+            </a:r>
+            <a:r>
+              <a:rPr lang="zh-CN" altLang="en-US" dirty="0" smtClean="0"/>
+              <a:t>图合成</a:t>
+            </a:r>
+            <a:endParaRPr lang="zh-CN" altLang="en-US" dirty="0"/>
+          </a:p>
+        </p:txBody>
+      </p:sp>
+    </p:spTree>
+    <p:extLst>
+      <p:ext uri="{BB962C8B-B14F-4D97-AF65-F5344CB8AC3E}">
+        <p14:creationId xmlns:p14="http://schemas.microsoft.com/office/powerpoint/2010/main" val="3132838216"/>
+      </p:ext>
+    </p:extLst>
+  </p:cSld>
+  <p:clrMapOvr>
+    <a:masterClrMapping/>
+  </p:clrMapOvr>
+  <p:timing>
+    <p:tnLst>
+      <p:par>
+        <p:cTn id="1" dur="indefinite" restart="never" nodeType="tmRoot"/>
+      </p:par>
+    </p:tnLst>
+  </p:timing>
+</p:sld>
+</file>
+
+<file path=ppt/slides/slide9.xml><?xml version="1.0" encoding="utf-8"?>
+<p:sld xmlns:a="http://schemas.openxmlformats.org/drawingml/2006/main" xmlns:r="http://schemas.openxmlformats.org/officeDocument/2006/relationships" xmlns:p="http://schemas.openxmlformats.org/presentationml/2006/main">
+  <p:cSld>
+    <p:spTree>
+      <p:nvGrpSpPr>
+        <p:cNvPr id="1" name=""/>
+        <p:cNvGrpSpPr/>
+        <p:nvPr/>
+      </p:nvGrpSpPr>
+      <p:grpSpPr>
+        <a:xfrm>
+          <a:off x="0" y="0"/>
+          <a:ext cx="0" cy="0"/>
+          <a:chOff x="0" y="0"/>
+          <a:chExt cx="0" cy="0"/>
+        </a:xfrm>
+      </p:grpSpPr>
+      <p:sp>
+        <p:nvSpPr>
+          <p:cNvPr id="2" name="标题 1"/>
+          <p:cNvSpPr>
+            <a:spLocks noGrp="1"/>
+          </p:cNvSpPr>
+          <p:nvPr>
+            <p:ph type="title"/>
+          </p:nvPr>
+        </p:nvSpPr>
+        <p:spPr/>
+        <p:txBody>
+          <a:bodyPr/>
+          <a:lstStyle/>
+          <a:p>
+            <a:r>
+              <a:rPr lang="zh-CN" altLang="en-US" dirty="0" smtClean="0"/>
+              <a:t>前景标注方法</a:t>
+            </a:r>
+            <a:endParaRPr lang="zh-CN" altLang="en-US" dirty="0"/>
+          </a:p>
+        </p:txBody>
+      </p:sp>
+      <p:sp>
+        <p:nvSpPr>
+          <p:cNvPr id="3" name="内容占位符 2"/>
+          <p:cNvSpPr>
+            <a:spLocks noGrp="1"/>
+          </p:cNvSpPr>
+          <p:nvPr>
+            <p:ph idx="1"/>
+          </p:nvPr>
+        </p:nvSpPr>
+        <p:spPr/>
+        <p:txBody>
+          <a:bodyPr/>
+          <a:lstStyle/>
+          <a:p>
+            <a:r>
+              <a:rPr lang="en-US" altLang="zh-CN" dirty="0"/>
+              <a:t>Graph Cuts VS Intelligent </a:t>
+            </a:r>
+            <a:r>
+              <a:rPr lang="en-US" altLang="zh-CN" dirty="0" smtClean="0"/>
+              <a:t>Scissors</a:t>
+            </a:r>
+          </a:p>
+          <a:p>
+            <a:endParaRPr lang="zh-CN" altLang="en-US" dirty="0"/>
+          </a:p>
+        </p:txBody>
+      </p:sp>
+      <p:pic>
+        <p:nvPicPr>
+          <p:cNvPr id="4098" name="Picture 2"/>
+          <p:cNvPicPr>
+            <a:picLocks noChangeAspect="1" noChangeArrowheads="1"/>
+          </p:cNvPicPr>
+          <p:nvPr/>
+        </p:nvPicPr>
+        <p:blipFill>
+          <a:blip r:embed="rId2">
+            <a:extLst>
+              <a:ext uri="{28A0092B-C50C-407E-A947-70E740481C1C}">
+                <a14:useLocalDpi xmlns:a14="http://schemas.microsoft.com/office/drawing/2010/main" val="0"/>
+              </a:ext>
+            </a:extLst>
+          </a:blip>
+          <a:srcRect/>
+          <a:stretch>
+            <a:fillRect/>
+          </a:stretch>
+        </p:blipFill>
+        <p:spPr bwMode="auto">
+          <a:xfrm>
+            <a:off x="852665" y="2554668"/>
+            <a:ext cx="7391744" cy="2172884"/>
+          </a:xfrm>
+          <a:prstGeom prst="rect">
+            <a:avLst/>
+          </a:prstGeom>
+          <a:noFill/>
+          <a:ln>
+            <a:noFill/>
+          </a:ln>
+          <a:effectLst/>
+          <a:extLst>
+            <a:ext uri="{909E8E84-426E-40DD-AFC4-6F175D3DCCD1}">
+              <a14:hiddenFill xmlns:a14="http://schemas.microsoft.com/office/drawing/2010/main">
+                <a:solidFill>
+                  <a:schemeClr val="accent1"/>
+                </a:solidFill>
+              </a14:hiddenFill>
+            </a:ext>
+            <a:ext uri="{91240B29-F687-4F45-9708-019B960494DF}">
+              <a14:hiddenLine xmlns:a14="http://schemas.microsoft.com/office/drawing/2010/main" w="9525">
+                <a:solidFill>
+                  <a:schemeClr val="tx1"/>
+                </a:solidFill>
+                <a:miter lim="800000"/>
+                <a:headEnd/>
+                <a:tailEnd/>
+              </a14:hiddenLine>
+            </a:ext>
+            <a:ext uri="{AF507438-7753-43E0-B8FC-AC1667EBCBE1}">
+              <a14:hiddenEffects xmlns:a14="http://schemas.microsoft.com/office/drawing/2010/main">
+                <a:effectLst>
+                  <a:outerShdw dist="35921" dir="2700000" algn="ctr" rotWithShape="0">
+                    <a:schemeClr val="bg2"/>
+                  </a:outerShdw>
+                </a:effectLst>
+              </a14:hiddenEffects>
+            </a:ext>
+          </a:extLst>
+        </p:spPr>
+      </p:pic>
+      <p:pic>
+        <p:nvPicPr>
+          <p:cNvPr id="4099" name="Picture 3"/>
+          <p:cNvPicPr>
+            <a:picLocks noChangeAspect="1" noChangeArrowheads="1"/>
+          </p:cNvPicPr>
+          <p:nvPr/>
+        </p:nvPicPr>
+        <p:blipFill>
+          <a:blip r:embed="rId3">
+            <a:extLst>
+              <a:ext uri="{28A0092B-C50C-407E-A947-70E740481C1C}">
+                <a14:useLocalDpi xmlns:a14="http://schemas.microsoft.com/office/drawing/2010/main" val="0"/>
+              </a:ext>
+            </a:extLst>
+          </a:blip>
+          <a:srcRect/>
+          <a:stretch>
+            <a:fillRect/>
+          </a:stretch>
+        </p:blipFill>
+        <p:spPr bwMode="auto">
+          <a:xfrm>
+            <a:off x="876130" y="4458142"/>
+            <a:ext cx="7368279" cy="2232432"/>
+          </a:xfrm>
+          <a:prstGeom prst="rect">
+            <a:avLst/>
+          </a:prstGeom>
+          <a:noFill/>
+          <a:ln>
+            <a:noFill/>
+          </a:ln>
+          <a:effectLst/>
+          <a:extLst>
+            <a:ext uri="{909E8E84-426E-40DD-AFC4-6F175D3DCCD1}">
+              <a14:hiddenFill xmlns:a14="http://schemas.microsoft.com/office/drawing/2010/main">
+                <a:solidFill>
+                  <a:schemeClr val="accent1"/>
+                </a:solidFill>
+              </a14:hiddenFill>
+            </a:ext>
+            <a:ext uri="{91240B29-F687-4F45-9708-019B960494DF}">
+              <a14:hiddenLine xmlns:a14="http://schemas.microsoft.com/office/drawing/2010/main" w="9525">
+                <a:solidFill>
+                  <a:schemeClr val="tx1"/>
+                </a:solidFill>
+                <a:miter lim="800000"/>
+                <a:headEnd/>
+                <a:tailEnd/>
+              </a14:hiddenLine>
+            </a:ext>
+            <a:ext uri="{AF507438-7753-43E0-B8FC-AC1667EBCBE1}">
+              <a14:hiddenEffects xmlns:a14="http://schemas.microsoft.com/office/drawing/2010/main">
+                <a:effectLst>
+                  <a:outerShdw dist="35921" dir="2700000" algn="ctr" rotWithShape="0">
+                    <a:schemeClr val="bg2"/>
+                  </a:outerShdw>
+                </a:effectLst>
+              </a14:hiddenEffects>
+            </a:ext>
+          </a:extLst>
+        </p:spPr>
+      </p:pic>
+    </p:spTree>
+    <p:extLst>
+      <p:ext uri="{BB962C8B-B14F-4D97-AF65-F5344CB8AC3E}">
+        <p14:creationId xmlns:p14="http://schemas.microsoft.com/office/powerpoint/2010/main" val="4160365771"/>
+      </p:ext>
+    </p:extLst>
+  </p:cSld>
+  <p:clrMapOvr>
+    <a:masterClrMapping/>
+  </p:clrMapOvr>
+  <p:timing>
+    <p:tnLst>
+      <p:par>
+        <p:cTn id="1" dur="indefinite" restart="never" nodeType="tmRoot"/>
+      </p:par>
+    </p:tnLst>
+  </p:timing>
 </p:sld>
 </file>
 

--- a/trunk/OMG/毕设.pptx
+++ b/trunk/OMG/毕设.pptx
@@ -19,9 +19,14 @@
     <p:sldId id="267" r:id="rId13"/>
     <p:sldId id="268" r:id="rId14"/>
     <p:sldId id="269" r:id="rId15"/>
-    <p:sldId id="270" r:id="rId16"/>
-    <p:sldId id="271" r:id="rId17"/>
-    <p:sldId id="272" r:id="rId18"/>
+    <p:sldId id="273" r:id="rId16"/>
+    <p:sldId id="270" r:id="rId17"/>
+    <p:sldId id="271" r:id="rId18"/>
+    <p:sldId id="272" r:id="rId19"/>
+    <p:sldId id="274" r:id="rId20"/>
+    <p:sldId id="275" r:id="rId21"/>
+    <p:sldId id="276" r:id="rId22"/>
+    <p:sldId id="277" r:id="rId23"/>
   </p:sldIdLst>
   <p:sldSz cx="9144000" cy="6858000" type="screen4x3"/>
   <p:notesSz cx="6858000" cy="9144000"/>
@@ -4529,11 +4534,7 @@
           <a:p>
             <a:r>
               <a:rPr lang="en-US" altLang="zh-CN" dirty="0" smtClean="0"/>
-              <a:t>Graph </a:t>
-            </a:r>
-            <a:r>
-              <a:rPr lang="en-US" altLang="zh-CN" dirty="0" smtClean="0"/>
-              <a:t>Cuts</a:t>
+              <a:t>Graph Cuts</a:t>
             </a:r>
           </a:p>
           <a:p>
@@ -4566,11 +4567,7 @@
             </a:r>
             <a:r>
               <a:rPr lang="zh-CN" altLang="en-US" dirty="0" smtClean="0"/>
-              <a:t>量</a:t>
-            </a:r>
-            <a:r>
-              <a:rPr lang="zh-CN" altLang="en-US" dirty="0" smtClean="0"/>
-              <a:t>较大</a:t>
+              <a:t>量较大</a:t>
             </a:r>
             <a:endParaRPr lang="en-US" altLang="zh-CN" dirty="0" smtClean="0"/>
           </a:p>
@@ -5349,6 +5346,152 @@
 </file>
 
 <file path=ppt/slides/slide15.xml><?xml version="1.0" encoding="utf-8"?>
+<p:sld xmlns:a="http://schemas.openxmlformats.org/drawingml/2006/main" xmlns:r="http://schemas.openxmlformats.org/officeDocument/2006/relationships" xmlns:p="http://schemas.openxmlformats.org/presentationml/2006/main">
+  <p:cSld>
+    <p:spTree>
+      <p:nvGrpSpPr>
+        <p:cNvPr id="1" name=""/>
+        <p:cNvGrpSpPr/>
+        <p:nvPr/>
+      </p:nvGrpSpPr>
+      <p:grpSpPr>
+        <a:xfrm>
+          <a:off x="0" y="0"/>
+          <a:ext cx="0" cy="0"/>
+          <a:chOff x="0" y="0"/>
+          <a:chExt cx="0" cy="0"/>
+        </a:xfrm>
+      </p:grpSpPr>
+      <p:sp>
+        <p:nvSpPr>
+          <p:cNvPr id="2" name="标题 1"/>
+          <p:cNvSpPr>
+            <a:spLocks noGrp="1"/>
+          </p:cNvSpPr>
+          <p:nvPr>
+            <p:ph type="title"/>
+          </p:nvPr>
+        </p:nvSpPr>
+        <p:spPr/>
+        <p:txBody>
+          <a:bodyPr/>
+          <a:lstStyle/>
+          <a:p>
+            <a:r>
+              <a:rPr lang="zh-CN" altLang="en-US" dirty="0" smtClean="0"/>
+              <a:t>部分类图文档</a:t>
+            </a:r>
+            <a:endParaRPr lang="zh-CN" altLang="en-US" dirty="0"/>
+          </a:p>
+        </p:txBody>
+      </p:sp>
+      <p:sp>
+        <p:nvSpPr>
+          <p:cNvPr id="3" name="内容占位符 2"/>
+          <p:cNvSpPr>
+            <a:spLocks noGrp="1"/>
+          </p:cNvSpPr>
+          <p:nvPr>
+            <p:ph idx="1"/>
+          </p:nvPr>
+        </p:nvSpPr>
+        <p:spPr/>
+        <p:txBody>
+          <a:bodyPr/>
+          <a:lstStyle/>
+          <a:p>
+            <a:r>
+              <a:rPr lang="zh-CN" altLang="en-US" dirty="0"/>
+              <a:t>标注子系统类图</a:t>
+            </a:r>
+          </a:p>
+        </p:txBody>
+      </p:sp>
+      <p:pic>
+        <p:nvPicPr>
+          <p:cNvPr id="1026" name="Picture 2"/>
+          <p:cNvPicPr>
+            <a:picLocks noChangeAspect="1" noChangeArrowheads="1"/>
+          </p:cNvPicPr>
+          <p:nvPr/>
+        </p:nvPicPr>
+        <p:blipFill>
+          <a:blip r:embed="rId2">
+            <a:extLst>
+              <a:ext uri="{28A0092B-C50C-407E-A947-70E740481C1C}">
+                <a14:useLocalDpi xmlns:a14="http://schemas.microsoft.com/office/drawing/2010/main" val="0"/>
+              </a:ext>
+            </a:extLst>
+          </a:blip>
+          <a:srcRect/>
+          <a:stretch>
+            <a:fillRect/>
+          </a:stretch>
+        </p:blipFill>
+        <p:spPr bwMode="auto">
+          <a:xfrm>
+            <a:off x="1115616" y="2747309"/>
+            <a:ext cx="7200800" cy="3615919"/>
+          </a:xfrm>
+          <a:prstGeom prst="rect">
+            <a:avLst/>
+          </a:prstGeom>
+          <a:noFill/>
+          <a:ln>
+            <a:noFill/>
+          </a:ln>
+          <a:effectLst/>
+          <a:extLst>
+            <a:ext uri="{909E8E84-426E-40DD-AFC4-6F175D3DCCD1}">
+              <a14:hiddenFill xmlns:a14="http://schemas.microsoft.com/office/drawing/2010/main">
+                <a:solidFill>
+                  <a:schemeClr val="accent1"/>
+                </a:solidFill>
+              </a14:hiddenFill>
+            </a:ext>
+            <a:ext uri="{91240B29-F687-4F45-9708-019B960494DF}">
+              <a14:hiddenLine xmlns:a14="http://schemas.microsoft.com/office/drawing/2010/main" w="9525">
+                <a:solidFill>
+                  <a:schemeClr val="tx1"/>
+                </a:solidFill>
+                <a:miter lim="800000"/>
+                <a:headEnd/>
+                <a:tailEnd/>
+              </a14:hiddenLine>
+            </a:ext>
+            <a:ext uri="{AF507438-7753-43E0-B8FC-AC1667EBCBE1}">
+              <a14:hiddenEffects xmlns:a14="http://schemas.microsoft.com/office/drawing/2010/main">
+                <a:effectLst>
+                  <a:outerShdw dist="35921" dir="2700000" algn="ctr" rotWithShape="0">
+                    <a:schemeClr val="bg2"/>
+                  </a:outerShdw>
+                </a:effectLst>
+              </a14:hiddenEffects>
+            </a:ext>
+          </a:extLst>
+        </p:spPr>
+      </p:pic>
+    </p:spTree>
+    <p:extLst>
+      <p:ext uri="{BB962C8B-B14F-4D97-AF65-F5344CB8AC3E}">
+        <p14:creationId xmlns:p14="http://schemas.microsoft.com/office/powerpoint/2010/main" val="1415275412"/>
+      </p:ext>
+    </p:extLst>
+  </p:cSld>
+  <p:clrMapOvr>
+    <a:masterClrMapping/>
+  </p:clrMapOvr>
+  <p:timing>
+    <p:tnLst>
+      <p:par>
+        <p:cTn id="1" dur="indefinite" restart="never" nodeType="tmRoot"/>
+      </p:par>
+    </p:tnLst>
+  </p:timing>
+</p:sld>
+</file>
+
+<file path=ppt/slides/slide16.xml><?xml version="1.0" encoding="utf-8"?>
 <p:sld xmlns:a="http://schemas.openxmlformats.org/drawingml/2006/main" xmlns:r="http://schemas.openxmlformats.org/officeDocument/2006/relationships" xmlns:p="http://schemas.openxmlformats.org/presentationml/2006/main">
   <p:cSld>
     <p:spTree>
@@ -5643,7 +5786,7 @@
 </p:sld>
 </file>
 
-<file path=ppt/slides/slide16.xml><?xml version="1.0" encoding="utf-8"?>
+<file path=ppt/slides/slide17.xml><?xml version="1.0" encoding="utf-8"?>
 <p:sld xmlns:a="http://schemas.openxmlformats.org/drawingml/2006/main" xmlns:r="http://schemas.openxmlformats.org/officeDocument/2006/relationships" xmlns:p="http://schemas.openxmlformats.org/presentationml/2006/main">
   <p:cSld>
     <p:spTree>
@@ -5857,7 +6000,7 @@
 </p:sld>
 </file>
 
-<file path=ppt/slides/slide17.xml><?xml version="1.0" encoding="utf-8"?>
+<file path=ppt/slides/slide18.xml><?xml version="1.0" encoding="utf-8"?>
 <p:sld xmlns:a="http://schemas.openxmlformats.org/drawingml/2006/main" xmlns:r="http://schemas.openxmlformats.org/officeDocument/2006/relationships" xmlns:p="http://schemas.openxmlformats.org/presentationml/2006/main">
   <p:cSld>
     <p:spTree>
@@ -6067,6 +6210,192 @@
   <p:clrMapOvr>
     <a:masterClrMapping/>
   </p:clrMapOvr>
+  <p:timing>
+    <p:tnLst>
+      <p:par>
+        <p:cTn id="1" dur="indefinite" restart="never" nodeType="tmRoot"/>
+      </p:par>
+    </p:tnLst>
+  </p:timing>
+</p:sld>
+</file>
+
+<file path=ppt/slides/slide19.xml><?xml version="1.0" encoding="utf-8"?>
+<p:sld xmlns:a="http://schemas.openxmlformats.org/drawingml/2006/main" xmlns:r="http://schemas.openxmlformats.org/officeDocument/2006/relationships" xmlns:p="http://schemas.openxmlformats.org/presentationml/2006/main">
+  <p:cSld>
+    <p:spTree>
+      <p:nvGrpSpPr>
+        <p:cNvPr id="1" name=""/>
+        <p:cNvGrpSpPr/>
+        <p:nvPr/>
+      </p:nvGrpSpPr>
+      <p:grpSpPr>
+        <a:xfrm>
+          <a:off x="0" y="0"/>
+          <a:ext cx="0" cy="0"/>
+          <a:chOff x="0" y="0"/>
+          <a:chExt cx="0" cy="0"/>
+        </a:xfrm>
+      </p:grpSpPr>
+      <p:pic>
+        <p:nvPicPr>
+          <p:cNvPr id="2050" name="Picture 2"/>
+          <p:cNvPicPr>
+            <a:picLocks noChangeAspect="1" noChangeArrowheads="1"/>
+          </p:cNvPicPr>
+          <p:nvPr/>
+        </p:nvPicPr>
+        <p:blipFill>
+          <a:blip r:embed="rId2">
+            <a:extLst>
+              <a:ext uri="{28A0092B-C50C-407E-A947-70E740481C1C}">
+                <a14:useLocalDpi xmlns:a14="http://schemas.microsoft.com/office/drawing/2010/main" val="0"/>
+              </a:ext>
+            </a:extLst>
+          </a:blip>
+          <a:srcRect/>
+          <a:stretch>
+            <a:fillRect/>
+          </a:stretch>
+        </p:blipFill>
+        <p:spPr bwMode="auto">
+          <a:xfrm>
+            <a:off x="3707904" y="2153852"/>
+            <a:ext cx="5112568" cy="4123262"/>
+          </a:xfrm>
+          <a:prstGeom prst="rect">
+            <a:avLst/>
+          </a:prstGeom>
+          <a:noFill/>
+          <a:ln>
+            <a:noFill/>
+          </a:ln>
+          <a:effectLst/>
+          <a:extLst>
+            <a:ext uri="{909E8E84-426E-40DD-AFC4-6F175D3DCCD1}">
+              <a14:hiddenFill xmlns:a14="http://schemas.microsoft.com/office/drawing/2010/main">
+                <a:solidFill>
+                  <a:schemeClr val="accent1"/>
+                </a:solidFill>
+              </a14:hiddenFill>
+            </a:ext>
+            <a:ext uri="{91240B29-F687-4F45-9708-019B960494DF}">
+              <a14:hiddenLine xmlns:a14="http://schemas.microsoft.com/office/drawing/2010/main" w="9525">
+                <a:solidFill>
+                  <a:schemeClr val="tx1"/>
+                </a:solidFill>
+                <a:miter lim="800000"/>
+                <a:headEnd/>
+                <a:tailEnd/>
+              </a14:hiddenLine>
+            </a:ext>
+            <a:ext uri="{AF507438-7753-43E0-B8FC-AC1667EBCBE1}">
+              <a14:hiddenEffects xmlns:a14="http://schemas.microsoft.com/office/drawing/2010/main">
+                <a:effectLst>
+                  <a:outerShdw dist="35921" dir="2700000" algn="ctr" rotWithShape="0">
+                    <a:schemeClr val="bg2"/>
+                  </a:outerShdw>
+                </a:effectLst>
+              </a14:hiddenEffects>
+            </a:ext>
+          </a:extLst>
+        </p:spPr>
+      </p:pic>
+      <p:sp>
+        <p:nvSpPr>
+          <p:cNvPr id="2" name="标题 1"/>
+          <p:cNvSpPr>
+            <a:spLocks noGrp="1"/>
+          </p:cNvSpPr>
+          <p:nvPr>
+            <p:ph type="title"/>
+          </p:nvPr>
+        </p:nvSpPr>
+        <p:spPr/>
+        <p:txBody>
+          <a:bodyPr/>
+          <a:lstStyle/>
+          <a:p>
+            <a:r>
+              <a:rPr lang="zh-CN" altLang="en-US" dirty="0"/>
+              <a:t>部分结果</a:t>
+            </a:r>
+            <a:r>
+              <a:rPr lang="zh-CN" altLang="en-US" dirty="0" smtClean="0"/>
+              <a:t>展示</a:t>
+            </a:r>
+            <a:endParaRPr lang="zh-CN" altLang="en-US" dirty="0"/>
+          </a:p>
+        </p:txBody>
+      </p:sp>
+      <p:sp>
+        <p:nvSpPr>
+          <p:cNvPr id="3" name="内容占位符 2"/>
+          <p:cNvSpPr>
+            <a:spLocks noGrp="1"/>
+          </p:cNvSpPr>
+          <p:nvPr>
+            <p:ph idx="1"/>
+          </p:nvPr>
+        </p:nvSpPr>
+        <p:spPr/>
+        <p:txBody>
+          <a:bodyPr/>
+          <a:lstStyle/>
+          <a:p>
+            <a:r>
+              <a:rPr lang="zh-CN" altLang="en-US" dirty="0" smtClean="0"/>
+              <a:t>操作流程</a:t>
+            </a:r>
+            <a:endParaRPr lang="en-US" altLang="zh-CN" dirty="0" smtClean="0"/>
+          </a:p>
+          <a:p>
+            <a:pPr lvl="1"/>
+            <a:r>
+              <a:rPr lang="zh-CN" altLang="en-US" dirty="0" smtClean="0"/>
+              <a:t>分割</a:t>
+            </a:r>
+            <a:endParaRPr lang="en-US" altLang="zh-CN" dirty="0" smtClean="0"/>
+          </a:p>
+          <a:p>
+            <a:pPr lvl="1"/>
+            <a:r>
+              <a:rPr lang="zh-CN" altLang="en-US" dirty="0" smtClean="0"/>
+              <a:t>调整</a:t>
+            </a:r>
+            <a:endParaRPr lang="en-US" altLang="zh-CN" dirty="0" smtClean="0"/>
+          </a:p>
+          <a:p>
+            <a:pPr lvl="1"/>
+            <a:r>
+              <a:rPr lang="zh-CN" altLang="en-US" dirty="0"/>
+              <a:t>深度</a:t>
+            </a:r>
+            <a:r>
+              <a:rPr lang="zh-CN" altLang="en-US" dirty="0" smtClean="0"/>
+              <a:t>图预览</a:t>
+            </a:r>
+            <a:endParaRPr lang="zh-CN" altLang="en-US" dirty="0"/>
+          </a:p>
+        </p:txBody>
+      </p:sp>
+    </p:spTree>
+    <p:extLst>
+      <p:ext uri="{BB962C8B-B14F-4D97-AF65-F5344CB8AC3E}">
+        <p14:creationId xmlns:p14="http://schemas.microsoft.com/office/powerpoint/2010/main" val="3818729838"/>
+      </p:ext>
+    </p:extLst>
+  </p:cSld>
+  <p:clrMapOvr>
+    <a:masterClrMapping/>
+  </p:clrMapOvr>
+  <p:timing>
+    <p:tnLst>
+      <p:par>
+        <p:cTn id="1" dur="indefinite" restart="never" nodeType="tmRoot"/>
+      </p:par>
+    </p:tnLst>
+  </p:timing>
 </p:sld>
 </file>
 
@@ -6172,6 +6501,523 @@
     <p:extLst>
       <p:ext uri="{BB962C8B-B14F-4D97-AF65-F5344CB8AC3E}">
         <p14:creationId xmlns:p14="http://schemas.microsoft.com/office/powerpoint/2010/main" val="4281806711"/>
+      </p:ext>
+    </p:extLst>
+  </p:cSld>
+  <p:clrMapOvr>
+    <a:masterClrMapping/>
+  </p:clrMapOvr>
+  <p:timing>
+    <p:tnLst>
+      <p:par>
+        <p:cTn id="1" dur="indefinite" restart="never" nodeType="tmRoot"/>
+      </p:par>
+    </p:tnLst>
+  </p:timing>
+</p:sld>
+</file>
+
+<file path=ppt/slides/slide20.xml><?xml version="1.0" encoding="utf-8"?>
+<p:sld xmlns:a="http://schemas.openxmlformats.org/drawingml/2006/main" xmlns:r="http://schemas.openxmlformats.org/officeDocument/2006/relationships" xmlns:p="http://schemas.openxmlformats.org/presentationml/2006/main">
+  <p:cSld>
+    <p:spTree>
+      <p:nvGrpSpPr>
+        <p:cNvPr id="1" name=""/>
+        <p:cNvGrpSpPr/>
+        <p:nvPr/>
+      </p:nvGrpSpPr>
+      <p:grpSpPr>
+        <a:xfrm>
+          <a:off x="0" y="0"/>
+          <a:ext cx="0" cy="0"/>
+          <a:chOff x="0" y="0"/>
+          <a:chExt cx="0" cy="0"/>
+        </a:xfrm>
+      </p:grpSpPr>
+      <p:sp>
+        <p:nvSpPr>
+          <p:cNvPr id="2" name="标题 1"/>
+          <p:cNvSpPr>
+            <a:spLocks noGrp="1"/>
+          </p:cNvSpPr>
+          <p:nvPr>
+            <p:ph type="title"/>
+          </p:nvPr>
+        </p:nvSpPr>
+        <p:spPr/>
+        <p:txBody>
+          <a:bodyPr/>
+          <a:lstStyle/>
+          <a:p>
+            <a:r>
+              <a:rPr lang="zh-CN" altLang="en-US" dirty="0" smtClean="0"/>
+              <a:t>部分结果展示</a:t>
+            </a:r>
+            <a:endParaRPr lang="zh-CN" altLang="en-US" dirty="0"/>
+          </a:p>
+        </p:txBody>
+      </p:sp>
+      <p:sp>
+        <p:nvSpPr>
+          <p:cNvPr id="4" name="内容占位符 3"/>
+          <p:cNvSpPr>
+            <a:spLocks noGrp="1"/>
+          </p:cNvSpPr>
+          <p:nvPr>
+            <p:ph sz="half" idx="1"/>
+          </p:nvPr>
+        </p:nvSpPr>
+        <p:spPr/>
+        <p:txBody>
+          <a:bodyPr/>
+          <a:lstStyle/>
+          <a:p>
+            <a:r>
+              <a:rPr lang="zh-CN" altLang="en-US" dirty="0" smtClean="0"/>
+              <a:t>标注主界面</a:t>
+            </a:r>
+            <a:endParaRPr lang="zh-CN" altLang="en-US" dirty="0"/>
+          </a:p>
+        </p:txBody>
+      </p:sp>
+      <p:sp>
+        <p:nvSpPr>
+          <p:cNvPr id="5" name="内容占位符 4"/>
+          <p:cNvSpPr>
+            <a:spLocks noGrp="1"/>
+          </p:cNvSpPr>
+          <p:nvPr>
+            <p:ph sz="half" idx="2"/>
+          </p:nvPr>
+        </p:nvSpPr>
+        <p:spPr/>
+        <p:txBody>
+          <a:bodyPr/>
+          <a:lstStyle/>
+          <a:p>
+            <a:r>
+              <a:rPr lang="zh-CN" altLang="en-US" dirty="0" smtClean="0"/>
+              <a:t>前景标注</a:t>
+            </a:r>
+            <a:endParaRPr lang="zh-CN" altLang="en-US" dirty="0"/>
+          </a:p>
+        </p:txBody>
+      </p:sp>
+      <p:pic>
+        <p:nvPicPr>
+          <p:cNvPr id="3074" name="Picture 2"/>
+          <p:cNvPicPr>
+            <a:picLocks noChangeAspect="1" noChangeArrowheads="1"/>
+          </p:cNvPicPr>
+          <p:nvPr/>
+        </p:nvPicPr>
+        <p:blipFill>
+          <a:blip r:embed="rId2">
+            <a:extLst>
+              <a:ext uri="{28A0092B-C50C-407E-A947-70E740481C1C}">
+                <a14:useLocalDpi xmlns:a14="http://schemas.microsoft.com/office/drawing/2010/main" val="0"/>
+              </a:ext>
+            </a:extLst>
+          </a:blip>
+          <a:srcRect/>
+          <a:stretch>
+            <a:fillRect/>
+          </a:stretch>
+        </p:blipFill>
+        <p:spPr bwMode="auto">
+          <a:xfrm>
+            <a:off x="1547664" y="2708920"/>
+            <a:ext cx="2213173" cy="3672408"/>
+          </a:xfrm>
+          <a:prstGeom prst="rect">
+            <a:avLst/>
+          </a:prstGeom>
+          <a:noFill/>
+          <a:ln>
+            <a:noFill/>
+          </a:ln>
+          <a:effectLst/>
+          <a:extLst>
+            <a:ext uri="{909E8E84-426E-40DD-AFC4-6F175D3DCCD1}">
+              <a14:hiddenFill xmlns:a14="http://schemas.microsoft.com/office/drawing/2010/main">
+                <a:solidFill>
+                  <a:schemeClr val="accent1"/>
+                </a:solidFill>
+              </a14:hiddenFill>
+            </a:ext>
+            <a:ext uri="{91240B29-F687-4F45-9708-019B960494DF}">
+              <a14:hiddenLine xmlns:a14="http://schemas.microsoft.com/office/drawing/2010/main" w="9525">
+                <a:solidFill>
+                  <a:schemeClr val="tx1"/>
+                </a:solidFill>
+                <a:miter lim="800000"/>
+                <a:headEnd/>
+                <a:tailEnd/>
+              </a14:hiddenLine>
+            </a:ext>
+            <a:ext uri="{AF507438-7753-43E0-B8FC-AC1667EBCBE1}">
+              <a14:hiddenEffects xmlns:a14="http://schemas.microsoft.com/office/drawing/2010/main">
+                <a:effectLst>
+                  <a:outerShdw dist="35921" dir="2700000" algn="ctr" rotWithShape="0">
+                    <a:schemeClr val="bg2"/>
+                  </a:outerShdw>
+                </a:effectLst>
+              </a14:hiddenEffects>
+            </a:ext>
+          </a:extLst>
+        </p:spPr>
+      </p:pic>
+      <p:pic>
+        <p:nvPicPr>
+          <p:cNvPr id="3075" name="Picture 3" descr="C:\Users\zhangjian\Pictures\yanshi\5.PNG"/>
+          <p:cNvPicPr>
+            <a:picLocks noChangeAspect="1" noChangeArrowheads="1"/>
+          </p:cNvPicPr>
+          <p:nvPr/>
+        </p:nvPicPr>
+        <p:blipFill>
+          <a:blip r:embed="rId3">
+            <a:extLst>
+              <a:ext uri="{28A0092B-C50C-407E-A947-70E740481C1C}">
+                <a14:useLocalDpi xmlns:a14="http://schemas.microsoft.com/office/drawing/2010/main" val="0"/>
+              </a:ext>
+            </a:extLst>
+          </a:blip>
+          <a:srcRect/>
+          <a:stretch>
+            <a:fillRect/>
+          </a:stretch>
+        </p:blipFill>
+        <p:spPr bwMode="auto">
+          <a:xfrm>
+            <a:off x="5503076" y="2708920"/>
+            <a:ext cx="2237276" cy="3718030"/>
+          </a:xfrm>
+          <a:prstGeom prst="rect">
+            <a:avLst/>
+          </a:prstGeom>
+          <a:noFill/>
+          <a:extLst>
+            <a:ext uri="{909E8E84-426E-40DD-AFC4-6F175D3DCCD1}">
+              <a14:hiddenFill xmlns:a14="http://schemas.microsoft.com/office/drawing/2010/main">
+                <a:solidFill>
+                  <a:srgbClr val="FFFFFF"/>
+                </a:solidFill>
+              </a14:hiddenFill>
+            </a:ext>
+          </a:extLst>
+        </p:spPr>
+      </p:pic>
+    </p:spTree>
+    <p:extLst>
+      <p:ext uri="{BB962C8B-B14F-4D97-AF65-F5344CB8AC3E}">
+        <p14:creationId xmlns:p14="http://schemas.microsoft.com/office/powerpoint/2010/main" val="1246172202"/>
+      </p:ext>
+    </p:extLst>
+  </p:cSld>
+  <p:clrMapOvr>
+    <a:masterClrMapping/>
+  </p:clrMapOvr>
+  <p:timing>
+    <p:tnLst>
+      <p:par>
+        <p:cTn id="1" dur="indefinite" restart="never" nodeType="tmRoot"/>
+      </p:par>
+    </p:tnLst>
+  </p:timing>
+</p:sld>
+</file>
+
+<file path=ppt/slides/slide21.xml><?xml version="1.0" encoding="utf-8"?>
+<p:sld xmlns:a="http://schemas.openxmlformats.org/drawingml/2006/main" xmlns:r="http://schemas.openxmlformats.org/officeDocument/2006/relationships" xmlns:p="http://schemas.openxmlformats.org/presentationml/2006/main">
+  <p:cSld>
+    <p:spTree>
+      <p:nvGrpSpPr>
+        <p:cNvPr id="1" name=""/>
+        <p:cNvGrpSpPr/>
+        <p:nvPr/>
+      </p:nvGrpSpPr>
+      <p:grpSpPr>
+        <a:xfrm>
+          <a:off x="0" y="0"/>
+          <a:ext cx="0" cy="0"/>
+          <a:chOff x="0" y="0"/>
+          <a:chExt cx="0" cy="0"/>
+        </a:xfrm>
+      </p:grpSpPr>
+      <p:sp>
+        <p:nvSpPr>
+          <p:cNvPr id="2" name="标题 1"/>
+          <p:cNvSpPr>
+            <a:spLocks noGrp="1"/>
+          </p:cNvSpPr>
+          <p:nvPr>
+            <p:ph type="title"/>
+          </p:nvPr>
+        </p:nvSpPr>
+        <p:spPr/>
+        <p:txBody>
+          <a:bodyPr/>
+          <a:lstStyle/>
+          <a:p>
+            <a:r>
+              <a:rPr lang="zh-CN" altLang="en-US" dirty="0"/>
+              <a:t>部分结果展示</a:t>
+            </a:r>
+          </a:p>
+        </p:txBody>
+      </p:sp>
+      <p:sp>
+        <p:nvSpPr>
+          <p:cNvPr id="3" name="内容占位符 2"/>
+          <p:cNvSpPr>
+            <a:spLocks noGrp="1"/>
+          </p:cNvSpPr>
+          <p:nvPr>
+            <p:ph sz="half" idx="1"/>
+          </p:nvPr>
+        </p:nvSpPr>
+        <p:spPr/>
+        <p:txBody>
+          <a:bodyPr/>
+          <a:lstStyle/>
+          <a:p>
+            <a:r>
+              <a:rPr lang="zh-CN" altLang="en-US" dirty="0" smtClean="0"/>
+              <a:t>前景调整</a:t>
+            </a:r>
+            <a:endParaRPr lang="zh-CN" altLang="en-US" dirty="0"/>
+          </a:p>
+        </p:txBody>
+      </p:sp>
+      <p:sp>
+        <p:nvSpPr>
+          <p:cNvPr id="4" name="内容占位符 3"/>
+          <p:cNvSpPr>
+            <a:spLocks noGrp="1"/>
+          </p:cNvSpPr>
+          <p:nvPr>
+            <p:ph sz="half" idx="2"/>
+          </p:nvPr>
+        </p:nvSpPr>
+        <p:spPr/>
+        <p:txBody>
+          <a:bodyPr/>
+          <a:lstStyle/>
+          <a:p>
+            <a:r>
+              <a:rPr lang="zh-CN" altLang="en-US" dirty="0" smtClean="0"/>
+              <a:t>深度预览</a:t>
+            </a:r>
+            <a:endParaRPr lang="zh-CN" altLang="en-US" dirty="0"/>
+          </a:p>
+        </p:txBody>
+      </p:sp>
+      <p:pic>
+        <p:nvPicPr>
+          <p:cNvPr id="4098" name="Picture 2" descr="C:\Users\zhangjian\Pictures\yanshi\3.PNG"/>
+          <p:cNvPicPr>
+            <a:picLocks noChangeAspect="1" noChangeArrowheads="1"/>
+          </p:cNvPicPr>
+          <p:nvPr/>
+        </p:nvPicPr>
+        <p:blipFill>
+          <a:blip r:embed="rId2">
+            <a:extLst>
+              <a:ext uri="{28A0092B-C50C-407E-A947-70E740481C1C}">
+                <a14:useLocalDpi xmlns:a14="http://schemas.microsoft.com/office/drawing/2010/main" val="0"/>
+              </a:ext>
+            </a:extLst>
+          </a:blip>
+          <a:srcRect/>
+          <a:stretch>
+            <a:fillRect/>
+          </a:stretch>
+        </p:blipFill>
+        <p:spPr bwMode="auto">
+          <a:xfrm>
+            <a:off x="1763688" y="2564904"/>
+            <a:ext cx="2278462" cy="3816424"/>
+          </a:xfrm>
+          <a:prstGeom prst="rect">
+            <a:avLst/>
+          </a:prstGeom>
+          <a:noFill/>
+          <a:extLst>
+            <a:ext uri="{909E8E84-426E-40DD-AFC4-6F175D3DCCD1}">
+              <a14:hiddenFill xmlns:a14="http://schemas.microsoft.com/office/drawing/2010/main">
+                <a:solidFill>
+                  <a:srgbClr val="FFFFFF"/>
+                </a:solidFill>
+              </a14:hiddenFill>
+            </a:ext>
+          </a:extLst>
+        </p:spPr>
+      </p:pic>
+      <p:pic>
+        <p:nvPicPr>
+          <p:cNvPr id="4099" name="Picture 3" descr="C:\Users\zhangjian\Pictures\yanshi\4.PNG"/>
+          <p:cNvPicPr>
+            <a:picLocks noChangeAspect="1" noChangeArrowheads="1"/>
+          </p:cNvPicPr>
+          <p:nvPr/>
+        </p:nvPicPr>
+        <p:blipFill>
+          <a:blip r:embed="rId3">
+            <a:extLst>
+              <a:ext uri="{28A0092B-C50C-407E-A947-70E740481C1C}">
+                <a14:useLocalDpi xmlns:a14="http://schemas.microsoft.com/office/drawing/2010/main" val="0"/>
+              </a:ext>
+            </a:extLst>
+          </a:blip>
+          <a:srcRect/>
+          <a:stretch>
+            <a:fillRect/>
+          </a:stretch>
+        </p:blipFill>
+        <p:spPr bwMode="auto">
+          <a:xfrm>
+            <a:off x="5508104" y="2564904"/>
+            <a:ext cx="2304256" cy="3851536"/>
+          </a:xfrm>
+          <a:prstGeom prst="rect">
+            <a:avLst/>
+          </a:prstGeom>
+          <a:noFill/>
+          <a:extLst>
+            <a:ext uri="{909E8E84-426E-40DD-AFC4-6F175D3DCCD1}">
+              <a14:hiddenFill xmlns:a14="http://schemas.microsoft.com/office/drawing/2010/main">
+                <a:solidFill>
+                  <a:srgbClr val="FFFFFF"/>
+                </a:solidFill>
+              </a14:hiddenFill>
+            </a:ext>
+          </a:extLst>
+        </p:spPr>
+      </p:pic>
+    </p:spTree>
+    <p:extLst>
+      <p:ext uri="{BB962C8B-B14F-4D97-AF65-F5344CB8AC3E}">
+        <p14:creationId xmlns:p14="http://schemas.microsoft.com/office/powerpoint/2010/main" val="168781153"/>
+      </p:ext>
+    </p:extLst>
+  </p:cSld>
+  <p:clrMapOvr>
+    <a:masterClrMapping/>
+  </p:clrMapOvr>
+  <p:timing>
+    <p:tnLst>
+      <p:par>
+        <p:cTn id="1" dur="indefinite" restart="never" nodeType="tmRoot"/>
+      </p:par>
+    </p:tnLst>
+  </p:timing>
+</p:sld>
+</file>
+
+<file path=ppt/slides/slide22.xml><?xml version="1.0" encoding="utf-8"?>
+<p:sld xmlns:a="http://schemas.openxmlformats.org/drawingml/2006/main" xmlns:r="http://schemas.openxmlformats.org/officeDocument/2006/relationships" xmlns:p="http://schemas.openxmlformats.org/presentationml/2006/main">
+  <p:cSld>
+    <p:spTree>
+      <p:nvGrpSpPr>
+        <p:cNvPr id="1" name=""/>
+        <p:cNvGrpSpPr/>
+        <p:nvPr/>
+      </p:nvGrpSpPr>
+      <p:grpSpPr>
+        <a:xfrm>
+          <a:off x="0" y="0"/>
+          <a:ext cx="0" cy="0"/>
+          <a:chOff x="0" y="0"/>
+          <a:chExt cx="0" cy="0"/>
+        </a:xfrm>
+      </p:grpSpPr>
+      <p:sp>
+        <p:nvSpPr>
+          <p:cNvPr id="9" name="矩形 8"/>
+          <p:cNvSpPr/>
+          <p:nvPr/>
+        </p:nvSpPr>
+        <p:spPr>
+          <a:xfrm>
+            <a:off x="2149702" y="2967335"/>
+            <a:ext cx="4844596" cy="1323439"/>
+          </a:xfrm>
+          <a:prstGeom prst="rect">
+            <a:avLst/>
+          </a:prstGeom>
+          <a:noFill/>
+        </p:spPr>
+        <p:txBody>
+          <a:bodyPr wrap="none" lIns="91440" tIns="45720" rIns="91440" bIns="45720">
+            <a:spAutoFit/>
+            <a:scene3d>
+              <a:camera prst="orthographicFront"/>
+              <a:lightRig rig="threePt" dir="t"/>
+            </a:scene3d>
+            <a:sp3d extrusionH="57150">
+              <a:bevelT w="38100" h="38100" prst="relaxedInset"/>
+            </a:sp3d>
+          </a:bodyPr>
+          <a:lstStyle/>
+          <a:p>
+            <a:pPr algn="ctr"/>
+            <a:r>
+              <a:rPr lang="en-US" altLang="zh-CN" sz="8000" b="1" cap="none" spc="0" dirty="0" smtClean="0">
+                <a:ln w="12700">
+                  <a:solidFill>
+                    <a:schemeClr val="tx2">
+                      <a:satMod val="155000"/>
+                    </a:schemeClr>
+                  </a:solidFill>
+                  <a:prstDash val="solid"/>
+                </a:ln>
+                <a:solidFill>
+                  <a:schemeClr val="bg2">
+                    <a:tint val="85000"/>
+                    <a:satMod val="155000"/>
+                  </a:schemeClr>
+                </a:solidFill>
+                <a:effectLst>
+                  <a:outerShdw blurRad="41275" dist="20320" dir="1800000" algn="tl" rotWithShape="0">
+                    <a:srgbClr val="000000">
+                      <a:alpha val="40000"/>
+                    </a:srgbClr>
+                  </a:outerShdw>
+                </a:effectLst>
+              </a:rPr>
+              <a:t>Thank You</a:t>
+            </a:r>
+            <a:endParaRPr lang="zh-CN" altLang="en-US" sz="8000" b="1" cap="none" spc="0" dirty="0">
+              <a:ln w="12700">
+                <a:solidFill>
+                  <a:schemeClr val="tx2">
+                    <a:satMod val="155000"/>
+                  </a:schemeClr>
+                </a:solidFill>
+                <a:prstDash val="solid"/>
+              </a:ln>
+              <a:solidFill>
+                <a:schemeClr val="bg2">
+                  <a:tint val="85000"/>
+                  <a:satMod val="155000"/>
+                </a:schemeClr>
+              </a:solidFill>
+              <a:effectLst>
+                <a:outerShdw blurRad="41275" dist="20320" dir="1800000" algn="tl" rotWithShape="0">
+                  <a:srgbClr val="000000">
+                    <a:alpha val="40000"/>
+                  </a:srgbClr>
+                </a:outerShdw>
+              </a:effectLst>
+            </a:endParaRPr>
+          </a:p>
+        </p:txBody>
+      </p:sp>
+    </p:spTree>
+    <p:extLst>
+      <p:ext uri="{BB962C8B-B14F-4D97-AF65-F5344CB8AC3E}">
+        <p14:creationId xmlns:p14="http://schemas.microsoft.com/office/powerpoint/2010/main" val="506998695"/>
       </p:ext>
     </p:extLst>
   </p:cSld>

--- a/trunk/OMG/毕设.pptx
+++ b/trunk/OMG/毕设.pptx
@@ -10,23 +10,25 @@
     <p:sldId id="258" r:id="rId4"/>
     <p:sldId id="259" r:id="rId5"/>
     <p:sldId id="260" r:id="rId6"/>
-    <p:sldId id="261" r:id="rId7"/>
-    <p:sldId id="262" r:id="rId8"/>
+    <p:sldId id="262" r:id="rId7"/>
+    <p:sldId id="261" r:id="rId8"/>
     <p:sldId id="266" r:id="rId9"/>
     <p:sldId id="263" r:id="rId10"/>
-    <p:sldId id="264" r:id="rId11"/>
-    <p:sldId id="265" r:id="rId12"/>
-    <p:sldId id="267" r:id="rId13"/>
-    <p:sldId id="268" r:id="rId14"/>
-    <p:sldId id="269" r:id="rId15"/>
-    <p:sldId id="273" r:id="rId16"/>
-    <p:sldId id="270" r:id="rId17"/>
-    <p:sldId id="271" r:id="rId18"/>
-    <p:sldId id="272" r:id="rId19"/>
-    <p:sldId id="274" r:id="rId20"/>
-    <p:sldId id="275" r:id="rId21"/>
-    <p:sldId id="276" r:id="rId22"/>
+    <p:sldId id="265" r:id="rId11"/>
+    <p:sldId id="267" r:id="rId12"/>
+    <p:sldId id="268" r:id="rId13"/>
+    <p:sldId id="269" r:id="rId14"/>
+    <p:sldId id="273" r:id="rId15"/>
+    <p:sldId id="270" r:id="rId16"/>
+    <p:sldId id="271" r:id="rId17"/>
+    <p:sldId id="272" r:id="rId18"/>
+    <p:sldId id="274" r:id="rId19"/>
+    <p:sldId id="275" r:id="rId20"/>
+    <p:sldId id="276" r:id="rId21"/>
+    <p:sldId id="280" r:id="rId22"/>
     <p:sldId id="277" r:id="rId23"/>
+    <p:sldId id="279" r:id="rId24"/>
+    <p:sldId id="278" r:id="rId25"/>
   </p:sldIdLst>
   <p:sldSz cx="9144000" cy="6858000" type="screen4x3"/>
   <p:notesSz cx="6858000" cy="9144000"/>
@@ -695,7 +697,7 @@
           <a:p>
             <a:fld id="{530820CF-B880-4189-942D-D702A7CBA730}" type="datetimeFigureOut">
               <a:rPr lang="zh-CN" altLang="en-US" smtClean="0"/>
-              <a:t>2012/5/24</a:t>
+              <a:t>2012/5/26</a:t>
             </a:fld>
             <a:endParaRPr lang="zh-CN" altLang="en-US"/>
           </a:p>
@@ -890,7 +892,7 @@
           <a:p>
             <a:fld id="{530820CF-B880-4189-942D-D702A7CBA730}" type="datetimeFigureOut">
               <a:rPr lang="zh-CN" altLang="en-US" smtClean="0"/>
-              <a:t>2012/5/24</a:t>
+              <a:t>2012/5/26</a:t>
             </a:fld>
             <a:endParaRPr lang="zh-CN" altLang="en-US"/>
           </a:p>
@@ -1082,7 +1084,7 @@
           <a:p>
             <a:fld id="{530820CF-B880-4189-942D-D702A7CBA730}" type="datetimeFigureOut">
               <a:rPr lang="zh-CN" altLang="en-US" smtClean="0"/>
-              <a:t>2012/5/24</a:t>
+              <a:t>2012/5/26</a:t>
             </a:fld>
             <a:endParaRPr lang="zh-CN" altLang="en-US"/>
           </a:p>
@@ -1264,7 +1266,7 @@
           <a:p>
             <a:fld id="{530820CF-B880-4189-942D-D702A7CBA730}" type="datetimeFigureOut">
               <a:rPr lang="zh-CN" altLang="en-US" smtClean="0"/>
-              <a:t>2012/5/24</a:t>
+              <a:t>2012/5/26</a:t>
             </a:fld>
             <a:endParaRPr lang="zh-CN" altLang="en-US"/>
           </a:p>
@@ -1468,7 +1470,7 @@
           <a:p>
             <a:fld id="{530820CF-B880-4189-942D-D702A7CBA730}" type="datetimeFigureOut">
               <a:rPr lang="zh-CN" altLang="en-US" smtClean="0"/>
-              <a:t>2012/5/24</a:t>
+              <a:t>2012/5/26</a:t>
             </a:fld>
             <a:endParaRPr lang="zh-CN" altLang="en-US"/>
           </a:p>
@@ -1768,7 +1770,7 @@
           <a:p>
             <a:fld id="{530820CF-B880-4189-942D-D702A7CBA730}" type="datetimeFigureOut">
               <a:rPr lang="zh-CN" altLang="en-US" smtClean="0"/>
-              <a:t>2012/5/24</a:t>
+              <a:t>2012/5/26</a:t>
             </a:fld>
             <a:endParaRPr lang="zh-CN" altLang="en-US"/>
           </a:p>
@@ -2207,7 +2209,7 @@
           <a:p>
             <a:fld id="{530820CF-B880-4189-942D-D702A7CBA730}" type="datetimeFigureOut">
               <a:rPr lang="zh-CN" altLang="en-US" smtClean="0"/>
-              <a:t>2012/5/24</a:t>
+              <a:t>2012/5/26</a:t>
             </a:fld>
             <a:endParaRPr lang="zh-CN" altLang="en-US"/>
           </a:p>
@@ -2337,7 +2339,7 @@
           <a:p>
             <a:fld id="{530820CF-B880-4189-942D-D702A7CBA730}" type="datetimeFigureOut">
               <a:rPr lang="zh-CN" altLang="en-US" smtClean="0"/>
-              <a:t>2012/5/24</a:t>
+              <a:t>2012/5/26</a:t>
             </a:fld>
             <a:endParaRPr lang="zh-CN" altLang="en-US"/>
           </a:p>
@@ -2444,7 +2446,7 @@
           <a:p>
             <a:fld id="{530820CF-B880-4189-942D-D702A7CBA730}" type="datetimeFigureOut">
               <a:rPr lang="zh-CN" altLang="en-US" smtClean="0"/>
-              <a:t>2012/5/24</a:t>
+              <a:t>2012/5/26</a:t>
             </a:fld>
             <a:endParaRPr lang="zh-CN" altLang="en-US"/>
           </a:p>
@@ -2733,7 +2735,7 @@
           <a:p>
             <a:fld id="{530820CF-B880-4189-942D-D702A7CBA730}" type="datetimeFigureOut">
               <a:rPr lang="zh-CN" altLang="en-US" smtClean="0"/>
-              <a:t>2012/5/24</a:t>
+              <a:t>2012/5/26</a:t>
             </a:fld>
             <a:endParaRPr lang="zh-CN" altLang="en-US"/>
           </a:p>
@@ -3002,7 +3004,7 @@
           <a:p>
             <a:fld id="{530820CF-B880-4189-942D-D702A7CBA730}" type="datetimeFigureOut">
               <a:rPr lang="zh-CN" altLang="en-US" smtClean="0"/>
-              <a:t>2012/5/24</a:t>
+              <a:t>2012/5/26</a:t>
             </a:fld>
             <a:endParaRPr lang="zh-CN" altLang="en-US"/>
           </a:p>
@@ -3752,7 +3754,7 @@
           <a:p>
             <a:fld id="{530820CF-B880-4189-942D-D702A7CBA730}" type="datetimeFigureOut">
               <a:rPr lang="zh-CN" altLang="en-US" smtClean="0"/>
-              <a:t>2012/5/24</a:t>
+              <a:t>2012/5/26</a:t>
             </a:fld>
             <a:endParaRPr lang="zh-CN" altLang="en-US"/>
           </a:p>
@@ -4533,209 +4535,6 @@
           <a:lstStyle/>
           <a:p>
             <a:r>
-              <a:rPr lang="en-US" altLang="zh-CN" dirty="0" smtClean="0"/>
-              <a:t>Graph Cuts</a:t>
-            </a:r>
-          </a:p>
-          <a:p>
-            <a:r>
-              <a:rPr lang="zh-CN" altLang="en-US" dirty="0" smtClean="0"/>
-              <a:t>优点</a:t>
-            </a:r>
-            <a:endParaRPr lang="en-US" altLang="zh-CN" dirty="0" smtClean="0"/>
-          </a:p>
-          <a:p>
-            <a:pPr lvl="1"/>
-            <a:r>
-              <a:rPr lang="zh-CN" altLang="en-US" dirty="0" smtClean="0"/>
-              <a:t>前景物体一次估计完成</a:t>
-            </a:r>
-            <a:endParaRPr lang="en-US" altLang="zh-CN" dirty="0" smtClean="0"/>
-          </a:p>
-          <a:p>
-            <a:r>
-              <a:rPr lang="zh-CN" altLang="en-US" dirty="0"/>
-              <a:t>缺点</a:t>
-            </a:r>
-            <a:endParaRPr lang="en-US" altLang="zh-CN" dirty="0" smtClean="0"/>
-          </a:p>
-          <a:p>
-            <a:pPr lvl="1"/>
-            <a:r>
-              <a:rPr lang="zh-CN" altLang="en-US" dirty="0"/>
-              <a:t>计算</a:t>
-            </a:r>
-            <a:r>
-              <a:rPr lang="zh-CN" altLang="en-US" dirty="0" smtClean="0"/>
-              <a:t>量较大</a:t>
-            </a:r>
-            <a:endParaRPr lang="en-US" altLang="zh-CN" dirty="0" smtClean="0"/>
-          </a:p>
-          <a:p>
-            <a:pPr lvl="1"/>
-            <a:r>
-              <a:rPr lang="zh-CN" altLang="en-US" dirty="0"/>
-              <a:t>计算</a:t>
-            </a:r>
-            <a:r>
-              <a:rPr lang="zh-CN" altLang="en-US" dirty="0" smtClean="0"/>
-              <a:t>量耗费在无关的问题上</a:t>
-            </a:r>
-            <a:endParaRPr lang="en-US" altLang="zh-CN" dirty="0" smtClean="0"/>
-          </a:p>
-          <a:p>
-            <a:pPr lvl="1"/>
-            <a:r>
-              <a:rPr lang="zh-CN" altLang="en-US" dirty="0" smtClean="0"/>
-              <a:t>往往还需要很多调整</a:t>
-            </a:r>
-            <a:endParaRPr lang="en-US" altLang="zh-CN" dirty="0" smtClean="0"/>
-          </a:p>
-          <a:p>
-            <a:pPr lvl="1"/>
-            <a:endParaRPr lang="zh-CN" altLang="en-US" dirty="0"/>
-          </a:p>
-        </p:txBody>
-      </p:sp>
-      <p:pic>
-        <p:nvPicPr>
-          <p:cNvPr id="1026" name="Picture 2"/>
-          <p:cNvPicPr>
-            <a:picLocks noChangeAspect="1" noChangeArrowheads="1"/>
-          </p:cNvPicPr>
-          <p:nvPr/>
-        </p:nvPicPr>
-        <p:blipFill>
-          <a:blip r:embed="rId2">
-            <a:extLst>
-              <a:ext uri="{28A0092B-C50C-407E-A947-70E740481C1C}">
-                <a14:useLocalDpi xmlns:a14="http://schemas.microsoft.com/office/drawing/2010/main" val="0"/>
-              </a:ext>
-            </a:extLst>
-          </a:blip>
-          <a:srcRect/>
-          <a:stretch>
-            <a:fillRect/>
-          </a:stretch>
-        </p:blipFill>
-        <p:spPr bwMode="auto">
-          <a:xfrm>
-            <a:off x="5580112" y="1628800"/>
-            <a:ext cx="3388417" cy="3312368"/>
-          </a:xfrm>
-          <a:prstGeom prst="rect">
-            <a:avLst/>
-          </a:prstGeom>
-          <a:noFill/>
-          <a:ln>
-            <a:noFill/>
-          </a:ln>
-          <a:effectLst/>
-          <a:extLst>
-            <a:ext uri="{909E8E84-426E-40DD-AFC4-6F175D3DCCD1}">
-              <a14:hiddenFill xmlns:a14="http://schemas.microsoft.com/office/drawing/2010/main">
-                <a:solidFill>
-                  <a:schemeClr val="accent1"/>
-                </a:solidFill>
-              </a14:hiddenFill>
-            </a:ext>
-            <a:ext uri="{91240B29-F687-4F45-9708-019B960494DF}">
-              <a14:hiddenLine xmlns:a14="http://schemas.microsoft.com/office/drawing/2010/main" w="9525">
-                <a:solidFill>
-                  <a:schemeClr val="tx1"/>
-                </a:solidFill>
-                <a:miter lim="800000"/>
-                <a:headEnd/>
-                <a:tailEnd/>
-              </a14:hiddenLine>
-            </a:ext>
-            <a:ext uri="{AF507438-7753-43E0-B8FC-AC1667EBCBE1}">
-              <a14:hiddenEffects xmlns:a14="http://schemas.microsoft.com/office/drawing/2010/main">
-                <a:effectLst>
-                  <a:outerShdw dist="35921" dir="2700000" algn="ctr" rotWithShape="0">
-                    <a:schemeClr val="bg2"/>
-                  </a:outerShdw>
-                </a:effectLst>
-              </a14:hiddenEffects>
-            </a:ext>
-          </a:extLst>
-        </p:spPr>
-      </p:pic>
-    </p:spTree>
-    <p:extLst>
-      <p:ext uri="{BB962C8B-B14F-4D97-AF65-F5344CB8AC3E}">
-        <p14:creationId xmlns:p14="http://schemas.microsoft.com/office/powerpoint/2010/main" val="2205278183"/>
-      </p:ext>
-    </p:extLst>
-  </p:cSld>
-  <p:clrMapOvr>
-    <a:masterClrMapping/>
-  </p:clrMapOvr>
-  <p:timing>
-    <p:tnLst>
-      <p:par>
-        <p:cTn id="1" dur="indefinite" restart="never" nodeType="tmRoot"/>
-      </p:par>
-    </p:tnLst>
-  </p:timing>
-</p:sld>
-</file>
-
-<file path=ppt/slides/slide11.xml><?xml version="1.0" encoding="utf-8"?>
-<p:sld xmlns:a="http://schemas.openxmlformats.org/drawingml/2006/main" xmlns:r="http://schemas.openxmlformats.org/officeDocument/2006/relationships" xmlns:p="http://schemas.openxmlformats.org/presentationml/2006/main">
-  <p:cSld>
-    <p:spTree>
-      <p:nvGrpSpPr>
-        <p:cNvPr id="1" name=""/>
-        <p:cNvGrpSpPr/>
-        <p:nvPr/>
-      </p:nvGrpSpPr>
-      <p:grpSpPr>
-        <a:xfrm>
-          <a:off x="0" y="0"/>
-          <a:ext cx="0" cy="0"/>
-          <a:chOff x="0" y="0"/>
-          <a:chExt cx="0" cy="0"/>
-        </a:xfrm>
-      </p:grpSpPr>
-      <p:sp>
-        <p:nvSpPr>
-          <p:cNvPr id="2" name="标题 1"/>
-          <p:cNvSpPr>
-            <a:spLocks noGrp="1"/>
-          </p:cNvSpPr>
-          <p:nvPr>
-            <p:ph type="title"/>
-          </p:nvPr>
-        </p:nvSpPr>
-        <p:spPr/>
-        <p:txBody>
-          <a:bodyPr/>
-          <a:lstStyle/>
-          <a:p>
-            <a:r>
-              <a:rPr lang="zh-CN" altLang="en-US" dirty="0"/>
-              <a:t>前景标注方法</a:t>
-            </a:r>
-          </a:p>
-        </p:txBody>
-      </p:sp>
-      <p:sp>
-        <p:nvSpPr>
-          <p:cNvPr id="3" name="内容占位符 2"/>
-          <p:cNvSpPr>
-            <a:spLocks noGrp="1"/>
-          </p:cNvSpPr>
-          <p:nvPr>
-            <p:ph idx="1"/>
-          </p:nvPr>
-        </p:nvSpPr>
-        <p:spPr/>
-        <p:txBody>
-          <a:bodyPr/>
-          <a:lstStyle/>
-          <a:p>
-            <a:r>
               <a:rPr lang="en-US" altLang="zh-CN" dirty="0"/>
               <a:t>Intelligent </a:t>
             </a:r>
@@ -4872,7 +4671,7 @@
 </p:sld>
 </file>
 
-<file path=ppt/slides/slide12.xml><?xml version="1.0" encoding="utf-8"?>
+<file path=ppt/slides/slide11.xml><?xml version="1.0" encoding="utf-8"?>
 <p:sld xmlns:a="http://schemas.openxmlformats.org/drawingml/2006/main" xmlns:r="http://schemas.openxmlformats.org/officeDocument/2006/relationships" xmlns:p="http://schemas.openxmlformats.org/presentationml/2006/main">
   <p:cSld>
     <p:spTree>
@@ -4976,7 +4775,7 @@
 </p:sld>
 </file>
 
-<file path=ppt/slides/slide13.xml><?xml version="1.0" encoding="utf-8"?>
+<file path=ppt/slides/slide12.xml><?xml version="1.0" encoding="utf-8"?>
 <p:sld xmlns:a="http://schemas.openxmlformats.org/drawingml/2006/main" xmlns:r="http://schemas.openxmlformats.org/officeDocument/2006/relationships" xmlns:p="http://schemas.openxmlformats.org/presentationml/2006/main">
   <p:cSld>
     <p:spTree>
@@ -5168,7 +4967,7 @@
 </p:sld>
 </file>
 
-<file path=ppt/slides/slide14.xml><?xml version="1.0" encoding="utf-8"?>
+<file path=ppt/slides/slide13.xml><?xml version="1.0" encoding="utf-8"?>
 <p:sld xmlns:a="http://schemas.openxmlformats.org/drawingml/2006/main" xmlns:r="http://schemas.openxmlformats.org/officeDocument/2006/relationships" xmlns:p="http://schemas.openxmlformats.org/presentationml/2006/main">
   <p:cSld>
     <p:spTree>
@@ -5345,7 +5144,7 @@
 </p:sld>
 </file>
 
-<file path=ppt/slides/slide15.xml><?xml version="1.0" encoding="utf-8"?>
+<file path=ppt/slides/slide14.xml><?xml version="1.0" encoding="utf-8"?>
 <p:sld xmlns:a="http://schemas.openxmlformats.org/drawingml/2006/main" xmlns:r="http://schemas.openxmlformats.org/officeDocument/2006/relationships" xmlns:p="http://schemas.openxmlformats.org/presentationml/2006/main">
   <p:cSld>
     <p:spTree>
@@ -5491,7 +5290,7 @@
 </p:sld>
 </file>
 
-<file path=ppt/slides/slide16.xml><?xml version="1.0" encoding="utf-8"?>
+<file path=ppt/slides/slide15.xml><?xml version="1.0" encoding="utf-8"?>
 <p:sld xmlns:a="http://schemas.openxmlformats.org/drawingml/2006/main" xmlns:r="http://schemas.openxmlformats.org/officeDocument/2006/relationships" xmlns:p="http://schemas.openxmlformats.org/presentationml/2006/main">
   <p:cSld>
     <p:spTree>
@@ -5786,7 +5585,7 @@
 </p:sld>
 </file>
 
-<file path=ppt/slides/slide17.xml><?xml version="1.0" encoding="utf-8"?>
+<file path=ppt/slides/slide16.xml><?xml version="1.0" encoding="utf-8"?>
 <p:sld xmlns:a="http://schemas.openxmlformats.org/drawingml/2006/main" xmlns:r="http://schemas.openxmlformats.org/officeDocument/2006/relationships" xmlns:p="http://schemas.openxmlformats.org/presentationml/2006/main">
   <p:cSld>
     <p:spTree>
@@ -6000,7 +5799,7 @@
 </p:sld>
 </file>
 
-<file path=ppt/slides/slide18.xml><?xml version="1.0" encoding="utf-8"?>
+<file path=ppt/slides/slide17.xml><?xml version="1.0" encoding="utf-8"?>
 <p:sld xmlns:a="http://schemas.openxmlformats.org/drawingml/2006/main" xmlns:r="http://schemas.openxmlformats.org/officeDocument/2006/relationships" xmlns:p="http://schemas.openxmlformats.org/presentationml/2006/main">
   <p:cSld>
     <p:spTree>
@@ -6220,7 +6019,7 @@
 </p:sld>
 </file>
 
-<file path=ppt/slides/slide19.xml><?xml version="1.0" encoding="utf-8"?>
+<file path=ppt/slides/slide18.xml><?xml version="1.0" encoding="utf-8"?>
 <p:sld xmlns:a="http://schemas.openxmlformats.org/drawingml/2006/main" xmlns:r="http://schemas.openxmlformats.org/officeDocument/2006/relationships" xmlns:p="http://schemas.openxmlformats.org/presentationml/2006/main">
   <p:cSld>
     <p:spTree>
@@ -6399,125 +6198,7 @@
 </p:sld>
 </file>
 
-<file path=ppt/slides/slide2.xml><?xml version="1.0" encoding="utf-8"?>
-<p:sld xmlns:a="http://schemas.openxmlformats.org/drawingml/2006/main" xmlns:r="http://schemas.openxmlformats.org/officeDocument/2006/relationships" xmlns:p="http://schemas.openxmlformats.org/presentationml/2006/main">
-  <p:cSld>
-    <p:spTree>
-      <p:nvGrpSpPr>
-        <p:cNvPr id="1" name=""/>
-        <p:cNvGrpSpPr/>
-        <p:nvPr/>
-      </p:nvGrpSpPr>
-      <p:grpSpPr>
-        <a:xfrm>
-          <a:off x="0" y="0"/>
-          <a:ext cx="0" cy="0"/>
-          <a:chOff x="0" y="0"/>
-          <a:chExt cx="0" cy="0"/>
-        </a:xfrm>
-      </p:grpSpPr>
-      <p:sp>
-        <p:nvSpPr>
-          <p:cNvPr id="2" name="标题 1"/>
-          <p:cNvSpPr>
-            <a:spLocks noGrp="1"/>
-          </p:cNvSpPr>
-          <p:nvPr>
-            <p:ph type="title"/>
-          </p:nvPr>
-        </p:nvSpPr>
-        <p:spPr/>
-        <p:txBody>
-          <a:bodyPr/>
-          <a:lstStyle/>
-          <a:p>
-            <a:r>
-              <a:rPr lang="zh-CN" altLang="en-US" dirty="0" smtClean="0"/>
-              <a:t>报告摘要</a:t>
-            </a:r>
-            <a:endParaRPr lang="zh-CN" altLang="en-US" dirty="0"/>
-          </a:p>
-        </p:txBody>
-      </p:sp>
-      <p:sp>
-        <p:nvSpPr>
-          <p:cNvPr id="3" name="内容占位符 2"/>
-          <p:cNvSpPr>
-            <a:spLocks noGrp="1"/>
-          </p:cNvSpPr>
-          <p:nvPr>
-            <p:ph idx="1"/>
-          </p:nvPr>
-        </p:nvSpPr>
-        <p:spPr/>
-        <p:txBody>
-          <a:bodyPr/>
-          <a:lstStyle/>
-          <a:p>
-            <a:r>
-              <a:rPr lang="zh-CN" altLang="en-US" dirty="0" smtClean="0"/>
-              <a:t>项目研究背景</a:t>
-            </a:r>
-            <a:endParaRPr lang="en-US" altLang="zh-CN" dirty="0" smtClean="0"/>
-          </a:p>
-          <a:p>
-            <a:r>
-              <a:rPr lang="zh-CN" altLang="en-US" dirty="0" smtClean="0"/>
-              <a:t>系统设计概述</a:t>
-            </a:r>
-            <a:endParaRPr lang="en-US" altLang="zh-CN" dirty="0" smtClean="0"/>
-          </a:p>
-          <a:p>
-            <a:r>
-              <a:rPr lang="zh-CN" altLang="en-US" dirty="0" smtClean="0"/>
-              <a:t>交互式标注模型设计</a:t>
-            </a:r>
-            <a:endParaRPr lang="en-US" altLang="zh-CN" dirty="0" smtClean="0"/>
-          </a:p>
-          <a:p>
-            <a:r>
-              <a:rPr lang="zh-CN" altLang="en-US" dirty="0" smtClean="0"/>
-              <a:t>标注工具的软件模型设计</a:t>
-            </a:r>
-            <a:endParaRPr lang="en-US" altLang="zh-CN" dirty="0" smtClean="0"/>
-          </a:p>
-          <a:p>
-            <a:r>
-              <a:rPr lang="zh-CN" altLang="en-US" dirty="0" smtClean="0"/>
-              <a:t>标注工具的实现</a:t>
-            </a:r>
-            <a:endParaRPr lang="en-US" altLang="zh-CN" dirty="0" smtClean="0"/>
-          </a:p>
-          <a:p>
-            <a:r>
-              <a:rPr lang="zh-CN" altLang="en-US" dirty="0" smtClean="0"/>
-              <a:t>部分结果展示</a:t>
-            </a:r>
-            <a:endParaRPr lang="en-US" altLang="zh-CN" dirty="0" smtClean="0"/>
-          </a:p>
-        </p:txBody>
-      </p:sp>
-    </p:spTree>
-    <p:extLst>
-      <p:ext uri="{BB962C8B-B14F-4D97-AF65-F5344CB8AC3E}">
-        <p14:creationId xmlns:p14="http://schemas.microsoft.com/office/powerpoint/2010/main" val="4281806711"/>
-      </p:ext>
-    </p:extLst>
-  </p:cSld>
-  <p:clrMapOvr>
-    <a:masterClrMapping/>
-  </p:clrMapOvr>
-  <p:timing>
-    <p:tnLst>
-      <p:par>
-        <p:cTn id="1" dur="indefinite" restart="never" nodeType="tmRoot"/>
-      </p:par>
-    </p:tnLst>
-  </p:timing>
-</p:sld>
-</file>
-
-<file path=ppt/slides/slide20.xml><?xml version="1.0" encoding="utf-8"?>
+<file path=ppt/slides/slide19.xml><?xml version="1.0" encoding="utf-8"?>
 <p:sld xmlns:a="http://schemas.openxmlformats.org/drawingml/2006/main" xmlns:r="http://schemas.openxmlformats.org/officeDocument/2006/relationships" xmlns:p="http://schemas.openxmlformats.org/presentationml/2006/main">
   <p:cSld>
     <p:spTree>
@@ -6728,7 +6409,125 @@
 </p:sld>
 </file>
 
-<file path=ppt/slides/slide21.xml><?xml version="1.0" encoding="utf-8"?>
+<file path=ppt/slides/slide2.xml><?xml version="1.0" encoding="utf-8"?>
+<p:sld xmlns:a="http://schemas.openxmlformats.org/drawingml/2006/main" xmlns:r="http://schemas.openxmlformats.org/officeDocument/2006/relationships" xmlns:p="http://schemas.openxmlformats.org/presentationml/2006/main">
+  <p:cSld>
+    <p:spTree>
+      <p:nvGrpSpPr>
+        <p:cNvPr id="1" name=""/>
+        <p:cNvGrpSpPr/>
+        <p:nvPr/>
+      </p:nvGrpSpPr>
+      <p:grpSpPr>
+        <a:xfrm>
+          <a:off x="0" y="0"/>
+          <a:ext cx="0" cy="0"/>
+          <a:chOff x="0" y="0"/>
+          <a:chExt cx="0" cy="0"/>
+        </a:xfrm>
+      </p:grpSpPr>
+      <p:sp>
+        <p:nvSpPr>
+          <p:cNvPr id="2" name="标题 1"/>
+          <p:cNvSpPr>
+            <a:spLocks noGrp="1"/>
+          </p:cNvSpPr>
+          <p:nvPr>
+            <p:ph type="title"/>
+          </p:nvPr>
+        </p:nvSpPr>
+        <p:spPr/>
+        <p:txBody>
+          <a:bodyPr/>
+          <a:lstStyle/>
+          <a:p>
+            <a:r>
+              <a:rPr lang="zh-CN" altLang="en-US" dirty="0" smtClean="0"/>
+              <a:t>报告摘要</a:t>
+            </a:r>
+            <a:endParaRPr lang="zh-CN" altLang="en-US" dirty="0"/>
+          </a:p>
+        </p:txBody>
+      </p:sp>
+      <p:sp>
+        <p:nvSpPr>
+          <p:cNvPr id="3" name="内容占位符 2"/>
+          <p:cNvSpPr>
+            <a:spLocks noGrp="1"/>
+          </p:cNvSpPr>
+          <p:nvPr>
+            <p:ph idx="1"/>
+          </p:nvPr>
+        </p:nvSpPr>
+        <p:spPr/>
+        <p:txBody>
+          <a:bodyPr/>
+          <a:lstStyle/>
+          <a:p>
+            <a:r>
+              <a:rPr lang="zh-CN" altLang="en-US" dirty="0" smtClean="0"/>
+              <a:t>项目研究背景</a:t>
+            </a:r>
+            <a:endParaRPr lang="en-US" altLang="zh-CN" dirty="0" smtClean="0"/>
+          </a:p>
+          <a:p>
+            <a:r>
+              <a:rPr lang="zh-CN" altLang="en-US" dirty="0" smtClean="0"/>
+              <a:t>系统设计概述</a:t>
+            </a:r>
+            <a:endParaRPr lang="en-US" altLang="zh-CN" dirty="0" smtClean="0"/>
+          </a:p>
+          <a:p>
+            <a:r>
+              <a:rPr lang="zh-CN" altLang="en-US" dirty="0" smtClean="0"/>
+              <a:t>交互式标注模型设计</a:t>
+            </a:r>
+            <a:endParaRPr lang="en-US" altLang="zh-CN" dirty="0" smtClean="0"/>
+          </a:p>
+          <a:p>
+            <a:r>
+              <a:rPr lang="zh-CN" altLang="en-US" dirty="0" smtClean="0"/>
+              <a:t>标注工具的软件模型设计</a:t>
+            </a:r>
+            <a:endParaRPr lang="en-US" altLang="zh-CN" dirty="0" smtClean="0"/>
+          </a:p>
+          <a:p>
+            <a:r>
+              <a:rPr lang="zh-CN" altLang="en-US" dirty="0" smtClean="0"/>
+              <a:t>标注工具的实现</a:t>
+            </a:r>
+            <a:endParaRPr lang="en-US" altLang="zh-CN" dirty="0" smtClean="0"/>
+          </a:p>
+          <a:p>
+            <a:r>
+              <a:rPr lang="zh-CN" altLang="en-US" dirty="0" smtClean="0"/>
+              <a:t>部分结果展示</a:t>
+            </a:r>
+            <a:endParaRPr lang="en-US" altLang="zh-CN" dirty="0" smtClean="0"/>
+          </a:p>
+        </p:txBody>
+      </p:sp>
+    </p:spTree>
+    <p:extLst>
+      <p:ext uri="{BB962C8B-B14F-4D97-AF65-F5344CB8AC3E}">
+        <p14:creationId xmlns:p14="http://schemas.microsoft.com/office/powerpoint/2010/main" val="4281806711"/>
+      </p:ext>
+    </p:extLst>
+  </p:cSld>
+  <p:clrMapOvr>
+    <a:masterClrMapping/>
+  </p:clrMapOvr>
+  <p:timing>
+    <p:tnLst>
+      <p:par>
+        <p:cTn id="1" dur="indefinite" restart="never" nodeType="tmRoot"/>
+      </p:par>
+    </p:tnLst>
+  </p:timing>
+</p:sld>
+</file>
+
+<file path=ppt/slides/slide20.xml><?xml version="1.0" encoding="utf-8"?>
 <p:sld xmlns:a="http://schemas.openxmlformats.org/drawingml/2006/main" xmlns:r="http://schemas.openxmlformats.org/officeDocument/2006/relationships" xmlns:p="http://schemas.openxmlformats.org/presentationml/2006/main">
   <p:cSld>
     <p:spTree>
@@ -6915,6 +6714,130 @@
 </p:sld>
 </file>
 
+<file path=ppt/slides/slide21.xml><?xml version="1.0" encoding="utf-8"?>
+<p:sld xmlns:a="http://schemas.openxmlformats.org/drawingml/2006/main" xmlns:r="http://schemas.openxmlformats.org/officeDocument/2006/relationships" xmlns:p="http://schemas.openxmlformats.org/presentationml/2006/main">
+  <p:cSld>
+    <p:spTree>
+      <p:nvGrpSpPr>
+        <p:cNvPr id="1" name=""/>
+        <p:cNvGrpSpPr/>
+        <p:nvPr/>
+      </p:nvGrpSpPr>
+      <p:grpSpPr>
+        <a:xfrm>
+          <a:off x="0" y="0"/>
+          <a:ext cx="0" cy="0"/>
+          <a:chOff x="0" y="0"/>
+          <a:chExt cx="0" cy="0"/>
+        </a:xfrm>
+      </p:grpSpPr>
+      <p:sp>
+        <p:nvSpPr>
+          <p:cNvPr id="7" name="标题 6"/>
+          <p:cNvSpPr>
+            <a:spLocks noGrp="1"/>
+          </p:cNvSpPr>
+          <p:nvPr>
+            <p:ph type="title"/>
+          </p:nvPr>
+        </p:nvSpPr>
+        <p:spPr/>
+        <p:txBody>
+          <a:bodyPr/>
+          <a:lstStyle/>
+          <a:p>
+            <a:r>
+              <a:rPr lang="zh-CN" altLang="en-US" dirty="0" smtClean="0"/>
+              <a:t>部分结果展示</a:t>
+            </a:r>
+            <a:endParaRPr lang="zh-CN" altLang="en-US" dirty="0"/>
+          </a:p>
+        </p:txBody>
+      </p:sp>
+      <p:sp>
+        <p:nvSpPr>
+          <p:cNvPr id="8" name="内容占位符 7"/>
+          <p:cNvSpPr>
+            <a:spLocks noGrp="1"/>
+          </p:cNvSpPr>
+          <p:nvPr>
+            <p:ph idx="1"/>
+          </p:nvPr>
+        </p:nvSpPr>
+        <p:spPr/>
+        <p:txBody>
+          <a:bodyPr/>
+          <a:lstStyle/>
+          <a:p>
+            <a:r>
+              <a:rPr lang="zh-CN" altLang="en-US" dirty="0" smtClean="0"/>
+              <a:t>生成的双目立体图片</a:t>
+            </a:r>
+            <a:endParaRPr lang="zh-CN" altLang="en-US" dirty="0"/>
+          </a:p>
+        </p:txBody>
+      </p:sp>
+      <p:pic>
+        <p:nvPicPr>
+          <p:cNvPr id="1026" name="Picture 2" descr="C:\Users\zhangjian\Documents\Visual Studio 2010\Projects\ForST\ForST\1.jpg"/>
+          <p:cNvPicPr>
+            <a:picLocks noChangeAspect="1" noChangeArrowheads="1"/>
+          </p:cNvPicPr>
+          <p:nvPr/>
+        </p:nvPicPr>
+        <p:blipFill>
+          <a:blip r:embed="rId2">
+            <a:extLst>
+              <a:ext uri="{28A0092B-C50C-407E-A947-70E740481C1C}">
+                <a14:useLocalDpi xmlns:a14="http://schemas.microsoft.com/office/drawing/2010/main" val="0"/>
+              </a:ext>
+            </a:extLst>
+          </a:blip>
+          <a:srcRect/>
+          <a:stretch>
+            <a:fillRect/>
+          </a:stretch>
+        </p:blipFill>
+        <p:spPr bwMode="auto">
+          <a:xfrm>
+            <a:off x="1547664" y="2765860"/>
+            <a:ext cx="6588224" cy="3294112"/>
+          </a:xfrm>
+          <a:prstGeom prst="rect">
+            <a:avLst/>
+          </a:prstGeom>
+          <a:noFill/>
+          <a:extLst>
+            <a:ext uri="{909E8E84-426E-40DD-AFC4-6F175D3DCCD1}">
+              <a14:hiddenFill xmlns:a14="http://schemas.microsoft.com/office/drawing/2010/main">
+                <a:solidFill>
+                  <a:srgbClr val="FFFFFF"/>
+                </a:solidFill>
+              </a14:hiddenFill>
+            </a:ext>
+          </a:extLst>
+        </p:spPr>
+      </p:pic>
+    </p:spTree>
+    <p:extLst>
+      <p:ext uri="{BB962C8B-B14F-4D97-AF65-F5344CB8AC3E}">
+        <p14:creationId xmlns:p14="http://schemas.microsoft.com/office/powerpoint/2010/main" val="3770157803"/>
+      </p:ext>
+    </p:extLst>
+  </p:cSld>
+  <p:clrMapOvr>
+    <a:masterClrMapping/>
+  </p:clrMapOvr>
+  <p:timing>
+    <p:tnLst>
+      <p:par>
+        <p:cTn id="1" dur="indefinite" restart="never" nodeType="tmRoot"/>
+      </p:par>
+    </p:tnLst>
+  </p:timing>
+</p:sld>
+</file>
+
 <file path=ppt/slides/slide22.xml><?xml version="1.0" encoding="utf-8"?>
 <p:sld xmlns:a="http://schemas.openxmlformats.org/drawingml/2006/main" xmlns:r="http://schemas.openxmlformats.org/officeDocument/2006/relationships" xmlns:p="http://schemas.openxmlformats.org/presentationml/2006/main">
   <p:cSld>
@@ -7018,6 +6941,246 @@
     <p:extLst>
       <p:ext uri="{BB962C8B-B14F-4D97-AF65-F5344CB8AC3E}">
         <p14:creationId xmlns:p14="http://schemas.microsoft.com/office/powerpoint/2010/main" val="506998695"/>
+      </p:ext>
+    </p:extLst>
+  </p:cSld>
+  <p:clrMapOvr>
+    <a:masterClrMapping/>
+  </p:clrMapOvr>
+  <p:timing>
+    <p:tnLst>
+      <p:par>
+        <p:cTn id="1" dur="indefinite" restart="never" nodeType="tmRoot"/>
+      </p:par>
+    </p:tnLst>
+  </p:timing>
+</p:sld>
+</file>
+
+<file path=ppt/slides/slide23.xml><?xml version="1.0" encoding="utf-8"?>
+<p:sld xmlns:a="http://schemas.openxmlformats.org/drawingml/2006/main" xmlns:r="http://schemas.openxmlformats.org/officeDocument/2006/relationships" xmlns:p="http://schemas.openxmlformats.org/presentationml/2006/main">
+  <p:cSld>
+    <p:spTree>
+      <p:nvGrpSpPr>
+        <p:cNvPr id="1" name=""/>
+        <p:cNvGrpSpPr/>
+        <p:nvPr/>
+      </p:nvGrpSpPr>
+      <p:grpSpPr>
+        <a:xfrm>
+          <a:off x="0" y="0"/>
+          <a:ext cx="0" cy="0"/>
+          <a:chOff x="0" y="0"/>
+          <a:chExt cx="0" cy="0"/>
+        </a:xfrm>
+      </p:grpSpPr>
+    </p:spTree>
+    <p:extLst>
+      <p:ext uri="{BB962C8B-B14F-4D97-AF65-F5344CB8AC3E}">
+        <p14:creationId xmlns:p14="http://schemas.microsoft.com/office/powerpoint/2010/main" val="2588410296"/>
+      </p:ext>
+    </p:extLst>
+  </p:cSld>
+  <p:clrMapOvr>
+    <a:masterClrMapping/>
+  </p:clrMapOvr>
+  <p:timing>
+    <p:tnLst>
+      <p:par>
+        <p:cTn id="1" dur="indefinite" restart="never" nodeType="tmRoot"/>
+      </p:par>
+    </p:tnLst>
+  </p:timing>
+</p:sld>
+</file>
+
+<file path=ppt/slides/slide24.xml><?xml version="1.0" encoding="utf-8"?>
+<p:sld xmlns:a="http://schemas.openxmlformats.org/drawingml/2006/main" xmlns:r="http://schemas.openxmlformats.org/officeDocument/2006/relationships" xmlns:p="http://schemas.openxmlformats.org/presentationml/2006/main">
+  <p:cSld>
+    <p:spTree>
+      <p:nvGrpSpPr>
+        <p:cNvPr id="1" name=""/>
+        <p:cNvGrpSpPr/>
+        <p:nvPr/>
+      </p:nvGrpSpPr>
+      <p:grpSpPr>
+        <a:xfrm>
+          <a:off x="0" y="0"/>
+          <a:ext cx="0" cy="0"/>
+          <a:chOff x="0" y="0"/>
+          <a:chExt cx="0" cy="0"/>
+        </a:xfrm>
+      </p:grpSpPr>
+      <p:sp>
+        <p:nvSpPr>
+          <p:cNvPr id="2" name="标题 1"/>
+          <p:cNvSpPr>
+            <a:spLocks noGrp="1"/>
+          </p:cNvSpPr>
+          <p:nvPr>
+            <p:ph type="title"/>
+          </p:nvPr>
+        </p:nvSpPr>
+        <p:spPr/>
+        <p:txBody>
+          <a:bodyPr/>
+          <a:lstStyle/>
+          <a:p>
+            <a:r>
+              <a:rPr lang="zh-CN" altLang="en-US" dirty="0"/>
+              <a:t>前景标注方法</a:t>
+            </a:r>
+          </a:p>
+        </p:txBody>
+      </p:sp>
+      <p:sp>
+        <p:nvSpPr>
+          <p:cNvPr id="3" name="内容占位符 2"/>
+          <p:cNvSpPr>
+            <a:spLocks noGrp="1"/>
+          </p:cNvSpPr>
+          <p:nvPr>
+            <p:ph idx="1"/>
+          </p:nvPr>
+        </p:nvSpPr>
+        <p:spPr/>
+        <p:txBody>
+          <a:bodyPr/>
+          <a:lstStyle/>
+          <a:p>
+            <a:r>
+              <a:rPr lang="en-US" altLang="zh-CN" dirty="0" smtClean="0"/>
+              <a:t>Graph Cuts</a:t>
+            </a:r>
+          </a:p>
+          <a:p>
+            <a:r>
+              <a:rPr lang="zh-CN" altLang="en-US" dirty="0" smtClean="0"/>
+              <a:t>优点</a:t>
+            </a:r>
+            <a:endParaRPr lang="en-US" altLang="zh-CN" dirty="0" smtClean="0"/>
+          </a:p>
+          <a:p>
+            <a:pPr lvl="1"/>
+            <a:r>
+              <a:rPr lang="zh-CN" altLang="en-US" dirty="0" smtClean="0"/>
+              <a:t>前景物体一次估计完成</a:t>
+            </a:r>
+            <a:endParaRPr lang="en-US" altLang="zh-CN" dirty="0" smtClean="0"/>
+          </a:p>
+          <a:p>
+            <a:r>
+              <a:rPr lang="zh-CN" altLang="en-US" dirty="0"/>
+              <a:t>缺点</a:t>
+            </a:r>
+            <a:endParaRPr lang="en-US" altLang="zh-CN" dirty="0" smtClean="0"/>
+          </a:p>
+          <a:p>
+            <a:pPr lvl="1"/>
+            <a:r>
+              <a:rPr lang="zh-CN" altLang="en-US" dirty="0"/>
+              <a:t>计算</a:t>
+            </a:r>
+            <a:r>
+              <a:rPr lang="zh-CN" altLang="en-US" dirty="0" smtClean="0"/>
+              <a:t>量较大</a:t>
+            </a:r>
+            <a:endParaRPr lang="en-US" altLang="zh-CN" dirty="0" smtClean="0"/>
+          </a:p>
+          <a:p>
+            <a:pPr lvl="1"/>
+            <a:r>
+              <a:rPr lang="zh-CN" altLang="en-US" dirty="0"/>
+              <a:t>计算</a:t>
+            </a:r>
+            <a:r>
+              <a:rPr lang="zh-CN" altLang="en-US" dirty="0" smtClean="0"/>
+              <a:t>量耗费在无关的问题上</a:t>
+            </a:r>
+            <a:endParaRPr lang="en-US" altLang="zh-CN" dirty="0" smtClean="0"/>
+          </a:p>
+          <a:p>
+            <a:pPr lvl="1"/>
+            <a:r>
+              <a:rPr lang="zh-CN" altLang="en-US" dirty="0" smtClean="0"/>
+              <a:t>往往还需要很多调整</a:t>
+            </a:r>
+            <a:endParaRPr lang="en-US" altLang="zh-CN" dirty="0" smtClean="0"/>
+          </a:p>
+          <a:p>
+            <a:pPr lvl="1"/>
+            <a:endParaRPr lang="zh-CN" altLang="en-US" dirty="0"/>
+          </a:p>
+        </p:txBody>
+      </p:sp>
+      <p:pic>
+        <p:nvPicPr>
+          <p:cNvPr id="1026" name="Picture 2"/>
+          <p:cNvPicPr>
+            <a:picLocks noChangeAspect="1" noChangeArrowheads="1"/>
+          </p:cNvPicPr>
+          <p:nvPr/>
+        </p:nvPicPr>
+        <p:blipFill>
+          <a:blip r:embed="rId2">
+            <a:extLst>
+              <a:ext uri="{28A0092B-C50C-407E-A947-70E740481C1C}">
+                <a14:useLocalDpi xmlns:a14="http://schemas.microsoft.com/office/drawing/2010/main" val="0"/>
+              </a:ext>
+            </a:extLst>
+          </a:blip>
+          <a:srcRect/>
+          <a:stretch>
+            <a:fillRect/>
+          </a:stretch>
+        </p:blipFill>
+        <p:spPr bwMode="auto">
+          <a:xfrm>
+            <a:off x="5580112" y="1628800"/>
+            <a:ext cx="3388417" cy="3312368"/>
+          </a:xfrm>
+          <a:prstGeom prst="rect">
+            <a:avLst/>
+          </a:prstGeom>
+          <a:noFill/>
+          <a:ln>
+            <a:noFill/>
+          </a:ln>
+          <a:effectLst/>
+          <a:extLst>
+            <a:ext uri="{909E8E84-426E-40DD-AFC4-6F175D3DCCD1}">
+              <a14:hiddenFill xmlns:a14="http://schemas.microsoft.com/office/drawing/2010/main">
+                <a:solidFill>
+                  <a:schemeClr val="accent1"/>
+                </a:solidFill>
+              </a14:hiddenFill>
+            </a:ext>
+            <a:ext uri="{91240B29-F687-4F45-9708-019B960494DF}">
+              <a14:hiddenLine xmlns:a14="http://schemas.microsoft.com/office/drawing/2010/main" w="9525">
+                <a:solidFill>
+                  <a:schemeClr val="tx1"/>
+                </a:solidFill>
+                <a:miter lim="800000"/>
+                <a:headEnd/>
+                <a:tailEnd/>
+              </a14:hiddenLine>
+            </a:ext>
+            <a:ext uri="{AF507438-7753-43E0-B8FC-AC1667EBCBE1}">
+              <a14:hiddenEffects xmlns:a14="http://schemas.microsoft.com/office/drawing/2010/main">
+                <a:effectLst>
+                  <a:outerShdw dist="35921" dir="2700000" algn="ctr" rotWithShape="0">
+                    <a:schemeClr val="bg2"/>
+                  </a:outerShdw>
+                </a:effectLst>
+              </a14:hiddenEffects>
+            </a:ext>
+          </a:extLst>
+        </p:spPr>
+      </p:pic>
+    </p:spTree>
+    <p:extLst>
+      <p:ext uri="{BB962C8B-B14F-4D97-AF65-F5344CB8AC3E}">
+        <p14:creationId xmlns:p14="http://schemas.microsoft.com/office/powerpoint/2010/main" val="399210246"/>
       </p:ext>
     </p:extLst>
   </p:cSld>
@@ -7094,8 +7257,12 @@
           <a:lstStyle/>
           <a:p>
             <a:r>
+              <a:rPr lang="en-US" altLang="zh-CN" dirty="0" smtClean="0"/>
+              <a:t>3D</a:t>
+            </a:r>
+            <a:r>
               <a:rPr lang="zh-CN" altLang="en-US" dirty="0" smtClean="0"/>
-              <a:t>立体电影产业快速发展</a:t>
+              <a:t>概念得到广泛的普及</a:t>
             </a:r>
             <a:endParaRPr lang="en-US" altLang="zh-CN" dirty="0" smtClean="0"/>
           </a:p>
@@ -7133,16 +7300,12 @@
           </a:p>
           <a:p>
             <a:r>
+              <a:rPr lang="zh-CN" altLang="en-US" dirty="0"/>
+              <a:t>普通</a:t>
+            </a:r>
+            <a:r>
               <a:rPr lang="zh-CN" altLang="en-US" dirty="0" smtClean="0"/>
-              <a:t>迫切需要</a:t>
-            </a:r>
-            <a:r>
-              <a:rPr lang="en-US" altLang="zh-CN" dirty="0" smtClean="0"/>
-              <a:t>2D</a:t>
-            </a:r>
-            <a:r>
-              <a:rPr lang="zh-CN" altLang="en-US" dirty="0" smtClean="0"/>
-              <a:t>→</a:t>
+              <a:t>用户也有制作</a:t>
             </a:r>
             <a:r>
               <a:rPr lang="en-US" altLang="zh-CN" dirty="0" smtClean="0"/>
@@ -7150,7 +7313,7 @@
             </a:r>
             <a:r>
               <a:rPr lang="zh-CN" altLang="en-US" dirty="0" smtClean="0"/>
-              <a:t>视频转换</a:t>
+              <a:t>视频的需求</a:t>
             </a:r>
             <a:endParaRPr lang="en-US" altLang="zh-CN" dirty="0" smtClean="0"/>
           </a:p>
@@ -7158,7 +7321,7 @@
             <a:pPr lvl="1"/>
             <a:r>
               <a:rPr lang="zh-CN" altLang="en-US" dirty="0" smtClean="0"/>
-              <a:t>自动转换效果不佳</a:t>
+              <a:t>没有供应给普通用户的转换工具</a:t>
             </a:r>
             <a:endParaRPr lang="en-US" altLang="zh-CN" dirty="0" smtClean="0"/>
           </a:p>
@@ -7166,7 +7329,7 @@
             <a:pPr lvl="1"/>
             <a:r>
               <a:rPr lang="zh-CN" altLang="en-US" dirty="0" smtClean="0"/>
-              <a:t>人工标注效率太低</a:t>
+              <a:t>现有制作工具过于专业</a:t>
             </a:r>
             <a:endParaRPr lang="en-US" altLang="zh-CN" dirty="0" smtClean="0"/>
           </a:p>
@@ -7174,35 +7337,51 @@
       </p:sp>
       <p:sp>
         <p:nvSpPr>
-          <p:cNvPr id="4" name="爆炸形 2 3"/>
+          <p:cNvPr id="5" name="爆炸形 2 4"/>
           <p:cNvSpPr/>
           <p:nvPr/>
         </p:nvSpPr>
         <p:spPr bwMode="auto">
           <a:xfrm>
-            <a:off x="4788024" y="4365104"/>
-            <a:ext cx="3960440" cy="2088232"/>
+            <a:off x="5796136" y="4653136"/>
+            <a:ext cx="3240360" cy="2016224"/>
           </a:xfrm>
           <a:prstGeom prst="irregularSeal2">
             <a:avLst/>
           </a:prstGeom>
           <a:solidFill>
-            <a:schemeClr val="tx2">
-              <a:lumMod val="20000"/>
-              <a:lumOff val="80000"/>
-            </a:schemeClr>
+            <a:schemeClr val="accent1"/>
           </a:solidFill>
           <a:ln w="9525" cap="flat" cmpd="sng" algn="ctr">
-            <a:solidFill>
-              <a:schemeClr val="tx1"/>
-            </a:solidFill>
+            <a:noFill/>
             <a:prstDash val="solid"/>
             <a:round/>
             <a:headEnd type="none" w="med" len="med"/>
             <a:tailEnd type="none" w="med" len="med"/>
           </a:ln>
           <a:effectLst/>
-          <a:extLst/>
+          <a:scene3d>
+            <a:camera prst="orthographicFront">
+              <a:rot lat="0" lon="0" rev="0"/>
+            </a:camera>
+            <a:lightRig rig="chilly" dir="t">
+              <a:rot lat="0" lon="0" rev="18480000"/>
+            </a:lightRig>
+          </a:scene3d>
+          <a:sp3d prstMaterial="clear">
+            <a:bevelT h="63500"/>
+          </a:sp3d>
+          <a:extLst>
+            <a:ext uri="{AF507438-7753-43E0-B8FC-AC1667EBCBE1}">
+              <a14:hiddenEffects xmlns:a14="http://schemas.microsoft.com/office/drawing/2010/main">
+                <a:effectLst>
+                  <a:outerShdw dist="35921" dir="2700000" algn="ctr" rotWithShape="0">
+                    <a:schemeClr val="bg2"/>
+                  </a:outerShdw>
+                </a:effectLst>
+              </a14:hiddenEffects>
+            </a:ext>
+          </a:extLst>
         </p:spPr>
         <p:txBody>
           <a:bodyPr vert="horz" wrap="square" lIns="91440" tIns="45720" rIns="91440" bIns="45720" numCol="1" rtlCol="0" anchor="t" anchorCtr="0" compatLnSpc="1">
@@ -7229,20 +7408,6 @@
               <a:tabLst/>
             </a:pPr>
             <a:r>
-              <a:rPr kumimoji="0" lang="zh-CN" altLang="en-US" sz="1800" b="1" i="0" u="none" strike="noStrike" cap="none" normalizeH="0" baseline="0" dirty="0" smtClean="0">
-                <a:ln>
-                  <a:noFill/>
-                </a:ln>
-                <a:solidFill>
-                  <a:srgbClr val="FF0000"/>
-                </a:solidFill>
-                <a:effectLst/>
-                <a:latin typeface="Arial" charset="0"/>
-                <a:ea typeface="宋体" charset="-122"/>
-              </a:rPr>
-              <a:t>解决方案</a:t>
-            </a:r>
-            <a:r>
               <a:rPr kumimoji="0" lang="zh-CN" altLang="en-US" sz="1800" b="0" i="0" u="none" strike="noStrike" cap="none" normalizeH="0" baseline="0" dirty="0" smtClean="0">
                 <a:ln>
                   <a:noFill/>
@@ -7254,14 +7419,7 @@
                 <a:latin typeface="Arial" charset="0"/>
                 <a:ea typeface="宋体" charset="-122"/>
               </a:rPr>
-              <a:t>：提高人工标注</a:t>
-            </a:r>
-            <a:r>
-              <a:rPr lang="zh-CN" altLang="en-US" dirty="0" smtClean="0">
-                <a:latin typeface="Arial" charset="0"/>
-                <a:ea typeface="宋体" charset="-122"/>
-              </a:rPr>
-              <a:t>效率</a:t>
+              <a:t>制作普通用户也能使用的工具</a:t>
             </a:r>
             <a:endParaRPr kumimoji="0" lang="zh-CN" altLang="en-US" sz="1800" b="0" i="0" u="none" strike="noStrike" cap="none" normalizeH="0" baseline="0" dirty="0" smtClean="0">
               <a:ln>
@@ -7308,7 +7466,7 @@
                             </p:stCondLst>
                             <p:childTnLst>
                               <p:par>
-                                <p:cTn id="5" presetID="10" presetClass="entr" presetSubtype="0" fill="hold" grpId="0" nodeType="clickEffect">
+                                <p:cTn id="5" presetID="1" presetClass="entr" presetSubtype="0" fill="hold" grpId="0" nodeType="clickEffect">
                                   <p:stCondLst>
                                     <p:cond delay="0"/>
                                   </p:stCondLst>
@@ -7321,7 +7479,7 @@
                                           </p:stCondLst>
                                         </p:cTn>
                                         <p:tgtEl>
-                                          <p:spTgt spid="4"/>
+                                          <p:spTgt spid="5"/>
                                         </p:tgtEl>
                                         <p:attrNameLst>
                                           <p:attrName>style.visibility</p:attrName>
@@ -7331,14 +7489,6 @@
                                         <p:strVal val="visible"/>
                                       </p:to>
                                     </p:set>
-                                    <p:animEffect transition="in" filter="fade">
-                                      <p:cBhvr>
-                                        <p:cTn id="7" dur="500"/>
-                                        <p:tgtEl>
-                                          <p:spTgt spid="4"/>
-                                        </p:tgtEl>
-                                      </p:cBhvr>
-                                    </p:animEffect>
                                   </p:childTnLst>
                                 </p:cTn>
                               </p:par>
@@ -7370,7 +7520,7 @@
       </p:par>
     </p:tnLst>
     <p:bldLst>
-      <p:bldP spid="4" grpId="0" animBg="1"/>
+      <p:bldP spid="5" grpId="0" animBg="1"/>
     </p:bldLst>
   </p:timing>
 </p:sld>
@@ -8085,6 +8235,130 @@
           <a:p>
             <a:r>
               <a:rPr lang="zh-CN" altLang="en-US" dirty="0" smtClean="0"/>
+              <a:t>触摸屏 </a:t>
+            </a:r>
+            <a:r>
+              <a:rPr lang="en-US" altLang="zh-CN" dirty="0" smtClean="0"/>
+              <a:t>VS </a:t>
+            </a:r>
+            <a:r>
+              <a:rPr lang="zh-CN" altLang="en-US" dirty="0" smtClean="0"/>
+              <a:t>传统</a:t>
+            </a:r>
+            <a:r>
+              <a:rPr lang="en-US" altLang="zh-CN" dirty="0" smtClean="0"/>
+              <a:t>PC</a:t>
+            </a:r>
+            <a:endParaRPr lang="zh-CN" altLang="en-US" dirty="0"/>
+          </a:p>
+        </p:txBody>
+      </p:sp>
+      <p:sp>
+        <p:nvSpPr>
+          <p:cNvPr id="3" name="内容占位符 2"/>
+          <p:cNvSpPr>
+            <a:spLocks noGrp="1"/>
+          </p:cNvSpPr>
+          <p:nvPr>
+            <p:ph idx="1"/>
+          </p:nvPr>
+        </p:nvSpPr>
+        <p:spPr/>
+        <p:txBody>
+          <a:bodyPr/>
+          <a:lstStyle/>
+          <a:p>
+            <a:r>
+              <a:rPr lang="zh-CN" altLang="en-US" dirty="0" smtClean="0"/>
+              <a:t>操作直观</a:t>
+            </a:r>
+            <a:endParaRPr lang="en-US" altLang="zh-CN" dirty="0" smtClean="0"/>
+          </a:p>
+          <a:p>
+            <a:pPr lvl="1"/>
+            <a:r>
+              <a:rPr lang="zh-CN" altLang="en-US" dirty="0" smtClean="0"/>
+              <a:t>可以将触摸屏当作画布</a:t>
+            </a:r>
+            <a:endParaRPr lang="en-US" altLang="zh-CN" dirty="0" smtClean="0"/>
+          </a:p>
+          <a:p>
+            <a:r>
+              <a:rPr lang="zh-CN" altLang="en-US" dirty="0" smtClean="0"/>
+              <a:t>节省操作开销</a:t>
+            </a:r>
+            <a:endParaRPr lang="en-US" altLang="zh-CN" dirty="0" smtClean="0"/>
+          </a:p>
+          <a:p>
+            <a:pPr lvl="1"/>
+            <a:r>
+              <a:rPr lang="zh-CN" altLang="en-US" dirty="0" smtClean="0"/>
+              <a:t>可以用手势和触击代替按键操作</a:t>
+            </a:r>
+            <a:endParaRPr lang="en-US" altLang="zh-CN" dirty="0" smtClean="0"/>
+          </a:p>
+          <a:p>
+            <a:pPr marL="0" indent="0">
+              <a:buNone/>
+            </a:pPr>
+            <a:endParaRPr lang="zh-CN" altLang="en-US" dirty="0"/>
+          </a:p>
+        </p:txBody>
+      </p:sp>
+    </p:spTree>
+    <p:extLst>
+      <p:ext uri="{BB962C8B-B14F-4D97-AF65-F5344CB8AC3E}">
+        <p14:creationId xmlns:p14="http://schemas.microsoft.com/office/powerpoint/2010/main" val="3054808927"/>
+      </p:ext>
+    </p:extLst>
+  </p:cSld>
+  <p:clrMapOvr>
+    <a:masterClrMapping/>
+  </p:clrMapOvr>
+  <p:timing>
+    <p:tnLst>
+      <p:par>
+        <p:cTn id="1" dur="indefinite" restart="never" nodeType="tmRoot"/>
+      </p:par>
+    </p:tnLst>
+  </p:timing>
+</p:sld>
+</file>
+
+<file path=ppt/slides/slide7.xml><?xml version="1.0" encoding="utf-8"?>
+<p:sld xmlns:a="http://schemas.openxmlformats.org/drawingml/2006/main" xmlns:r="http://schemas.openxmlformats.org/officeDocument/2006/relationships" xmlns:p="http://schemas.openxmlformats.org/presentationml/2006/main">
+  <p:cSld>
+    <p:spTree>
+      <p:nvGrpSpPr>
+        <p:cNvPr id="1" name=""/>
+        <p:cNvGrpSpPr/>
+        <p:nvPr/>
+      </p:nvGrpSpPr>
+      <p:grpSpPr>
+        <a:xfrm>
+          <a:off x="0" y="0"/>
+          <a:ext cx="0" cy="0"/>
+          <a:chOff x="0" y="0"/>
+          <a:chExt cx="0" cy="0"/>
+        </a:xfrm>
+      </p:grpSpPr>
+      <p:sp>
+        <p:nvSpPr>
+          <p:cNvPr id="2" name="标题 1"/>
+          <p:cNvSpPr>
+            <a:spLocks noGrp="1"/>
+          </p:cNvSpPr>
+          <p:nvPr>
+            <p:ph type="title"/>
+          </p:nvPr>
+        </p:nvSpPr>
+        <p:spPr/>
+        <p:txBody>
+          <a:bodyPr/>
+          <a:lstStyle/>
+          <a:p>
+            <a:r>
+              <a:rPr lang="zh-CN" altLang="en-US" dirty="0" smtClean="0"/>
               <a:t>背景标注模块</a:t>
             </a:r>
             <a:endParaRPr lang="zh-CN" altLang="en-US" dirty="0"/>
@@ -8212,145 +8486,6 @@
     <p:extLst>
       <p:ext uri="{BB962C8B-B14F-4D97-AF65-F5344CB8AC3E}">
         <p14:creationId xmlns:p14="http://schemas.microsoft.com/office/powerpoint/2010/main" val="3261354964"/>
-      </p:ext>
-    </p:extLst>
-  </p:cSld>
-  <p:clrMapOvr>
-    <a:masterClrMapping/>
-  </p:clrMapOvr>
-  <p:timing>
-    <p:tnLst>
-      <p:par>
-        <p:cTn id="1" dur="indefinite" restart="never" nodeType="tmRoot"/>
-      </p:par>
-    </p:tnLst>
-  </p:timing>
-</p:sld>
-</file>
-
-<file path=ppt/slides/slide7.xml><?xml version="1.0" encoding="utf-8"?>
-<p:sld xmlns:a="http://schemas.openxmlformats.org/drawingml/2006/main" xmlns:r="http://schemas.openxmlformats.org/officeDocument/2006/relationships" xmlns:p="http://schemas.openxmlformats.org/presentationml/2006/main">
-  <p:cSld>
-    <p:spTree>
-      <p:nvGrpSpPr>
-        <p:cNvPr id="1" name=""/>
-        <p:cNvGrpSpPr/>
-        <p:nvPr/>
-      </p:nvGrpSpPr>
-      <p:grpSpPr>
-        <a:xfrm>
-          <a:off x="0" y="0"/>
-          <a:ext cx="0" cy="0"/>
-          <a:chOff x="0" y="0"/>
-          <a:chExt cx="0" cy="0"/>
-        </a:xfrm>
-      </p:grpSpPr>
-      <p:sp>
-        <p:nvSpPr>
-          <p:cNvPr id="2" name="标题 1"/>
-          <p:cNvSpPr>
-            <a:spLocks noGrp="1"/>
-          </p:cNvSpPr>
-          <p:nvPr>
-            <p:ph type="title"/>
-          </p:nvPr>
-        </p:nvSpPr>
-        <p:spPr/>
-        <p:txBody>
-          <a:bodyPr/>
-          <a:lstStyle/>
-          <a:p>
-            <a:r>
-              <a:rPr lang="zh-CN" altLang="en-US" dirty="0" smtClean="0"/>
-              <a:t>触摸屏 </a:t>
-            </a:r>
-            <a:r>
-              <a:rPr lang="en-US" altLang="zh-CN" dirty="0" smtClean="0"/>
-              <a:t>VS </a:t>
-            </a:r>
-            <a:r>
-              <a:rPr lang="zh-CN" altLang="en-US" dirty="0" smtClean="0"/>
-              <a:t>传统</a:t>
-            </a:r>
-            <a:r>
-              <a:rPr lang="en-US" altLang="zh-CN" dirty="0" smtClean="0"/>
-              <a:t>PC</a:t>
-            </a:r>
-            <a:endParaRPr lang="zh-CN" altLang="en-US" dirty="0"/>
-          </a:p>
-        </p:txBody>
-      </p:sp>
-      <p:sp>
-        <p:nvSpPr>
-          <p:cNvPr id="3" name="内容占位符 2"/>
-          <p:cNvSpPr>
-            <a:spLocks noGrp="1"/>
-          </p:cNvSpPr>
-          <p:nvPr>
-            <p:ph idx="1"/>
-          </p:nvPr>
-        </p:nvSpPr>
-        <p:spPr/>
-        <p:txBody>
-          <a:bodyPr/>
-          <a:lstStyle/>
-          <a:p>
-            <a:r>
-              <a:rPr lang="zh-CN" altLang="en-US" dirty="0" smtClean="0"/>
-              <a:t>操作直观</a:t>
-            </a:r>
-            <a:endParaRPr lang="en-US" altLang="zh-CN" dirty="0" smtClean="0"/>
-          </a:p>
-          <a:p>
-            <a:pPr lvl="1"/>
-            <a:r>
-              <a:rPr lang="zh-CN" altLang="en-US" dirty="0" smtClean="0"/>
-              <a:t>可以将触摸屏当作画布</a:t>
-            </a:r>
-            <a:endParaRPr lang="en-US" altLang="zh-CN" dirty="0" smtClean="0"/>
-          </a:p>
-          <a:p>
-            <a:r>
-              <a:rPr lang="zh-CN" altLang="en-US" dirty="0" smtClean="0"/>
-              <a:t>节省操作开销</a:t>
-            </a:r>
-            <a:endParaRPr lang="en-US" altLang="zh-CN" dirty="0" smtClean="0"/>
-          </a:p>
-          <a:p>
-            <a:pPr lvl="1"/>
-            <a:r>
-              <a:rPr lang="zh-CN" altLang="en-US" dirty="0" smtClean="0"/>
-              <a:t>可以用手势和触击代替按键操作</a:t>
-            </a:r>
-            <a:endParaRPr lang="en-US" altLang="zh-CN" dirty="0" smtClean="0"/>
-          </a:p>
-          <a:p>
-            <a:r>
-              <a:rPr lang="zh-CN" altLang="en-US" dirty="0" smtClean="0"/>
-              <a:t>利于健康</a:t>
-            </a:r>
-            <a:endParaRPr lang="en-US" altLang="zh-CN" dirty="0" smtClean="0"/>
-          </a:p>
-          <a:p>
-            <a:pPr lvl="1"/>
-            <a:r>
-              <a:rPr lang="zh-CN" altLang="en-US" dirty="0" smtClean="0"/>
-              <a:t>避免鼠标长时间操作的伤害</a:t>
-            </a:r>
-            <a:endParaRPr lang="en-US" altLang="zh-CN" dirty="0" smtClean="0"/>
-          </a:p>
-          <a:p>
-            <a:pPr marL="0" indent="0">
-              <a:buNone/>
-            </a:pPr>
-            <a:endParaRPr lang="zh-CN" altLang="en-US" dirty="0"/>
-          </a:p>
-        </p:txBody>
-      </p:sp>
-    </p:spTree>
-    <p:extLst>
-      <p:ext uri="{BB962C8B-B14F-4D97-AF65-F5344CB8AC3E}">
-        <p14:creationId xmlns:p14="http://schemas.microsoft.com/office/powerpoint/2010/main" val="3054808927"/>
       </p:ext>
     </p:extLst>
   </p:cSld>
@@ -8558,58 +8693,36 @@
           <a:chExt cx="0" cy="0"/>
         </a:xfrm>
       </p:grpSpPr>
-      <p:sp>
-        <p:nvSpPr>
-          <p:cNvPr id="2" name="标题 1"/>
-          <p:cNvSpPr>
-            <a:spLocks noGrp="1"/>
-          </p:cNvSpPr>
-          <p:nvPr>
-            <p:ph type="title"/>
-          </p:nvPr>
-        </p:nvSpPr>
-        <p:spPr/>
-        <p:txBody>
-          <a:bodyPr/>
-          <a:lstStyle/>
-          <a:p>
-            <a:r>
-              <a:rPr lang="zh-CN" altLang="en-US" dirty="0" smtClean="0"/>
-              <a:t>前景标注方法</a:t>
-            </a:r>
-            <a:endParaRPr lang="zh-CN" altLang="en-US" dirty="0"/>
-          </a:p>
-        </p:txBody>
-      </p:sp>
-      <p:sp>
-        <p:nvSpPr>
-          <p:cNvPr id="3" name="内容占位符 2"/>
-          <p:cNvSpPr>
-            <a:spLocks noGrp="1"/>
-          </p:cNvSpPr>
-          <p:nvPr>
-            <p:ph idx="1"/>
-          </p:nvPr>
-        </p:nvSpPr>
-        <p:spPr/>
-        <p:txBody>
-          <a:bodyPr/>
-          <a:lstStyle/>
-          <a:p>
-            <a:r>
-              <a:rPr lang="en-US" altLang="zh-CN" dirty="0"/>
-              <a:t>Graph Cuts VS Intelligent </a:t>
-            </a:r>
-            <a:r>
-              <a:rPr lang="en-US" altLang="zh-CN" dirty="0" smtClean="0"/>
-              <a:t>Scissors</a:t>
-            </a:r>
-          </a:p>
-          <a:p>
-            <a:endParaRPr lang="zh-CN" altLang="en-US" dirty="0"/>
-          </a:p>
-        </p:txBody>
-      </p:sp>
+      <p:pic>
+        <p:nvPicPr>
+          <p:cNvPr id="5" name="图片 4"/>
+          <p:cNvPicPr>
+            <a:picLocks noChangeAspect="1"/>
+          </p:cNvPicPr>
+          <p:nvPr/>
+        </p:nvPicPr>
+        <p:blipFill>
+          <a:blip r:embed="rId2">
+            <a:extLst>
+              <a:ext uri="{28A0092B-C50C-407E-A947-70E740481C1C}">
+                <a14:useLocalDpi xmlns:a14="http://schemas.microsoft.com/office/drawing/2010/main" val="0"/>
+              </a:ext>
+            </a:extLst>
+          </a:blip>
+          <a:stretch>
+            <a:fillRect/>
+          </a:stretch>
+        </p:blipFill>
+        <p:spPr>
+          <a:xfrm>
+            <a:off x="1057947" y="2365336"/>
+            <a:ext cx="6682406" cy="2022688"/>
+          </a:xfrm>
+          <a:prstGeom prst="rect">
+            <a:avLst/>
+          </a:prstGeom>
+        </p:spPr>
+      </p:pic>
       <p:pic>
         <p:nvPicPr>
           <p:cNvPr id="4098" name="Picture 2"/>
@@ -8619,7 +8732,7 @@
           <p:nvPr/>
         </p:nvPicPr>
         <p:blipFill>
-          <a:blip r:embed="rId2">
+          <a:blip r:embed="rId3">
             <a:extLst>
               <a:ext uri="{28A0092B-C50C-407E-A947-70E740481C1C}">
                 <a14:useLocalDpi xmlns:a14="http://schemas.microsoft.com/office/drawing/2010/main" val="0"/>
@@ -8633,8 +8746,8 @@
         </p:blipFill>
         <p:spPr bwMode="auto">
           <a:xfrm>
-            <a:off x="852665" y="2554668"/>
-            <a:ext cx="7391744" cy="2172884"/>
+            <a:off x="1057946" y="4708379"/>
+            <a:ext cx="6682407" cy="1964367"/>
           </a:xfrm>
           <a:prstGeom prst="rect">
             <a:avLst/>
@@ -8674,70 +8787,77 @@
           </a:extLst>
         </p:spPr>
       </p:pic>
-      <p:pic>
-        <p:nvPicPr>
-          <p:cNvPr id="4099" name="Picture 3"/>
-          <p:cNvPicPr>
-            <a:picLocks noChangeAspect="1" noChangeArrowheads="1"/>
-          </p:cNvPicPr>
-          <p:nvPr/>
-        </p:nvPicPr>
-        <p:blipFill>
-          <a:blip r:embed="rId3">
-            <a:extLst>
-              <a:ext uri="{28A0092B-C50C-407E-A947-70E740481C1C}">
-                <a14:useLocalDpi xmlns:a14="http://schemas.microsoft.com/office/drawing/2010/main" val="0"/>
-              </a:ext>
-            </a:extLst>
-          </a:blip>
-          <a:srcRect/>
-          <a:stretch>
-            <a:fillRect/>
-          </a:stretch>
-        </p:blipFill>
-        <p:spPr bwMode="auto">
-          <a:xfrm>
-            <a:off x="876130" y="4458142"/>
-            <a:ext cx="7368279" cy="2232432"/>
-          </a:xfrm>
-          <a:prstGeom prst="rect">
-            <a:avLst/>
-          </a:prstGeom>
-          <a:noFill/>
-          <a:ln>
-            <a:noFill/>
-          </a:ln>
-          <a:effectLst/>
-          <a:extLst>
-            <a:ext uri="{909E8E84-426E-40DD-AFC4-6F175D3DCCD1}">
-              <a14:hiddenFill xmlns:a14="http://schemas.microsoft.com/office/drawing/2010/main">
-                <a:solidFill>
-                  <a:schemeClr val="accent1"/>
-                </a:solidFill>
-              </a14:hiddenFill>
-            </a:ext>
-            <a:ext uri="{91240B29-F687-4F45-9708-019B960494DF}">
-              <a14:hiddenLine xmlns:a14="http://schemas.microsoft.com/office/drawing/2010/main" w="9525">
-                <a:solidFill>
-                  <a:schemeClr val="tx1"/>
-                </a:solidFill>
-                <a:miter lim="800000"/>
-                <a:headEnd/>
-                <a:tailEnd/>
-              </a14:hiddenLine>
-            </a:ext>
-            <a:ext uri="{AF507438-7753-43E0-B8FC-AC1667EBCBE1}">
-              <a14:hiddenEffects xmlns:a14="http://schemas.microsoft.com/office/drawing/2010/main">
-                <a:effectLst>
-                  <a:outerShdw dist="35921" dir="2700000" algn="ctr" rotWithShape="0">
-                    <a:schemeClr val="bg2"/>
-                  </a:outerShdw>
-                </a:effectLst>
-              </a14:hiddenEffects>
-            </a:ext>
-          </a:extLst>
-        </p:spPr>
-      </p:pic>
+      <p:sp>
+        <p:nvSpPr>
+          <p:cNvPr id="2" name="标题 1"/>
+          <p:cNvSpPr>
+            <a:spLocks noGrp="1"/>
+          </p:cNvSpPr>
+          <p:nvPr>
+            <p:ph type="title"/>
+          </p:nvPr>
+        </p:nvSpPr>
+        <p:spPr/>
+        <p:txBody>
+          <a:bodyPr/>
+          <a:lstStyle/>
+          <a:p>
+            <a:r>
+              <a:rPr lang="zh-CN" altLang="en-US" dirty="0" smtClean="0"/>
+              <a:t>前景标注方法</a:t>
+            </a:r>
+            <a:endParaRPr lang="zh-CN" altLang="en-US" dirty="0"/>
+          </a:p>
+        </p:txBody>
+      </p:sp>
+      <p:sp>
+        <p:nvSpPr>
+          <p:cNvPr id="3" name="内容占位符 2"/>
+          <p:cNvSpPr>
+            <a:spLocks noGrp="1"/>
+          </p:cNvSpPr>
+          <p:nvPr>
+            <p:ph idx="1"/>
+          </p:nvPr>
+        </p:nvSpPr>
+        <p:spPr/>
+        <p:txBody>
+          <a:bodyPr/>
+          <a:lstStyle/>
+          <a:p>
+            <a:r>
+              <a:rPr lang="en-US" altLang="zh-CN" dirty="0" smtClean="0"/>
+              <a:t>Intelligent Scissors</a:t>
+            </a:r>
+          </a:p>
+          <a:p>
+            <a:endParaRPr lang="en-US" altLang="zh-CN" dirty="0" smtClean="0"/>
+          </a:p>
+          <a:p>
+            <a:endParaRPr lang="en-US" altLang="zh-CN" dirty="0" smtClean="0"/>
+          </a:p>
+          <a:p>
+            <a:pPr marL="0" indent="0">
+              <a:buNone/>
+            </a:pPr>
+            <a:endParaRPr lang="en-US" altLang="zh-CN" dirty="0" smtClean="0"/>
+          </a:p>
+          <a:p>
+            <a:r>
+              <a:rPr lang="en-US" altLang="zh-CN" dirty="0" smtClean="0"/>
+              <a:t>Graph </a:t>
+            </a:r>
+            <a:r>
+              <a:rPr lang="en-US" altLang="zh-CN" dirty="0"/>
+              <a:t>Cuts </a:t>
+            </a:r>
+            <a:endParaRPr lang="en-US" altLang="zh-CN" dirty="0" smtClean="0"/>
+          </a:p>
+          <a:p>
+            <a:endParaRPr lang="zh-CN" altLang="en-US" dirty="0"/>
+          </a:p>
+        </p:txBody>
+      </p:sp>
     </p:spTree>
     <p:extLst>
       <p:ext uri="{BB962C8B-B14F-4D97-AF65-F5344CB8AC3E}">

--- a/trunk/OMG/毕设.pptx
+++ b/trunk/OMG/毕设.pptx
@@ -12,23 +12,24 @@
     <p:sldId id="260" r:id="rId6"/>
     <p:sldId id="262" r:id="rId7"/>
     <p:sldId id="261" r:id="rId8"/>
-    <p:sldId id="266" r:id="rId9"/>
-    <p:sldId id="263" r:id="rId10"/>
-    <p:sldId id="265" r:id="rId11"/>
-    <p:sldId id="267" r:id="rId12"/>
-    <p:sldId id="268" r:id="rId13"/>
-    <p:sldId id="269" r:id="rId14"/>
-    <p:sldId id="273" r:id="rId15"/>
-    <p:sldId id="270" r:id="rId16"/>
-    <p:sldId id="271" r:id="rId17"/>
-    <p:sldId id="272" r:id="rId18"/>
-    <p:sldId id="274" r:id="rId19"/>
-    <p:sldId id="275" r:id="rId20"/>
-    <p:sldId id="276" r:id="rId21"/>
-    <p:sldId id="280" r:id="rId22"/>
-    <p:sldId id="277" r:id="rId23"/>
-    <p:sldId id="279" r:id="rId24"/>
-    <p:sldId id="278" r:id="rId25"/>
+    <p:sldId id="281" r:id="rId9"/>
+    <p:sldId id="266" r:id="rId10"/>
+    <p:sldId id="263" r:id="rId11"/>
+    <p:sldId id="265" r:id="rId12"/>
+    <p:sldId id="267" r:id="rId13"/>
+    <p:sldId id="268" r:id="rId14"/>
+    <p:sldId id="269" r:id="rId15"/>
+    <p:sldId id="273" r:id="rId16"/>
+    <p:sldId id="270" r:id="rId17"/>
+    <p:sldId id="271" r:id="rId18"/>
+    <p:sldId id="272" r:id="rId19"/>
+    <p:sldId id="274" r:id="rId20"/>
+    <p:sldId id="275" r:id="rId21"/>
+    <p:sldId id="276" r:id="rId22"/>
+    <p:sldId id="280" r:id="rId23"/>
+    <p:sldId id="277" r:id="rId24"/>
+    <p:sldId id="279" r:id="rId25"/>
+    <p:sldId id="278" r:id="rId26"/>
   </p:sldIdLst>
   <p:sldSz cx="9144000" cy="6858000" type="screen4x3"/>
   <p:notesSz cx="6858000" cy="9144000"/>
@@ -697,7 +698,7 @@
           <a:p>
             <a:fld id="{530820CF-B880-4189-942D-D702A7CBA730}" type="datetimeFigureOut">
               <a:rPr lang="zh-CN" altLang="en-US" smtClean="0"/>
-              <a:t>2012/5/26</a:t>
+              <a:t>2012/5/28</a:t>
             </a:fld>
             <a:endParaRPr lang="zh-CN" altLang="en-US"/>
           </a:p>
@@ -892,7 +893,7 @@
           <a:p>
             <a:fld id="{530820CF-B880-4189-942D-D702A7CBA730}" type="datetimeFigureOut">
               <a:rPr lang="zh-CN" altLang="en-US" smtClean="0"/>
-              <a:t>2012/5/26</a:t>
+              <a:t>2012/5/28</a:t>
             </a:fld>
             <a:endParaRPr lang="zh-CN" altLang="en-US"/>
           </a:p>
@@ -1084,7 +1085,7 @@
           <a:p>
             <a:fld id="{530820CF-B880-4189-942D-D702A7CBA730}" type="datetimeFigureOut">
               <a:rPr lang="zh-CN" altLang="en-US" smtClean="0"/>
-              <a:t>2012/5/26</a:t>
+              <a:t>2012/5/28</a:t>
             </a:fld>
             <a:endParaRPr lang="zh-CN" altLang="en-US"/>
           </a:p>
@@ -1266,7 +1267,7 @@
           <a:p>
             <a:fld id="{530820CF-B880-4189-942D-D702A7CBA730}" type="datetimeFigureOut">
               <a:rPr lang="zh-CN" altLang="en-US" smtClean="0"/>
-              <a:t>2012/5/26</a:t>
+              <a:t>2012/5/28</a:t>
             </a:fld>
             <a:endParaRPr lang="zh-CN" altLang="en-US"/>
           </a:p>
@@ -1470,7 +1471,7 @@
           <a:p>
             <a:fld id="{530820CF-B880-4189-942D-D702A7CBA730}" type="datetimeFigureOut">
               <a:rPr lang="zh-CN" altLang="en-US" smtClean="0"/>
-              <a:t>2012/5/26</a:t>
+              <a:t>2012/5/28</a:t>
             </a:fld>
             <a:endParaRPr lang="zh-CN" altLang="en-US"/>
           </a:p>
@@ -1770,7 +1771,7 @@
           <a:p>
             <a:fld id="{530820CF-B880-4189-942D-D702A7CBA730}" type="datetimeFigureOut">
               <a:rPr lang="zh-CN" altLang="en-US" smtClean="0"/>
-              <a:t>2012/5/26</a:t>
+              <a:t>2012/5/28</a:t>
             </a:fld>
             <a:endParaRPr lang="zh-CN" altLang="en-US"/>
           </a:p>
@@ -2209,7 +2210,7 @@
           <a:p>
             <a:fld id="{530820CF-B880-4189-942D-D702A7CBA730}" type="datetimeFigureOut">
               <a:rPr lang="zh-CN" altLang="en-US" smtClean="0"/>
-              <a:t>2012/5/26</a:t>
+              <a:t>2012/5/28</a:t>
             </a:fld>
             <a:endParaRPr lang="zh-CN" altLang="en-US"/>
           </a:p>
@@ -2339,7 +2340,7 @@
           <a:p>
             <a:fld id="{530820CF-B880-4189-942D-D702A7CBA730}" type="datetimeFigureOut">
               <a:rPr lang="zh-CN" altLang="en-US" smtClean="0"/>
-              <a:t>2012/5/26</a:t>
+              <a:t>2012/5/28</a:t>
             </a:fld>
             <a:endParaRPr lang="zh-CN" altLang="en-US"/>
           </a:p>
@@ -2446,7 +2447,7 @@
           <a:p>
             <a:fld id="{530820CF-B880-4189-942D-D702A7CBA730}" type="datetimeFigureOut">
               <a:rPr lang="zh-CN" altLang="en-US" smtClean="0"/>
-              <a:t>2012/5/26</a:t>
+              <a:t>2012/5/28</a:t>
             </a:fld>
             <a:endParaRPr lang="zh-CN" altLang="en-US"/>
           </a:p>
@@ -2735,7 +2736,7 @@
           <a:p>
             <a:fld id="{530820CF-B880-4189-942D-D702A7CBA730}" type="datetimeFigureOut">
               <a:rPr lang="zh-CN" altLang="en-US" smtClean="0"/>
-              <a:t>2012/5/26</a:t>
+              <a:t>2012/5/28</a:t>
             </a:fld>
             <a:endParaRPr lang="zh-CN" altLang="en-US"/>
           </a:p>
@@ -3004,7 +3005,7 @@
           <a:p>
             <a:fld id="{530820CF-B880-4189-942D-D702A7CBA730}" type="datetimeFigureOut">
               <a:rPr lang="zh-CN" altLang="en-US" smtClean="0"/>
-              <a:t>2012/5/26</a:t>
+              <a:t>2012/5/28</a:t>
             </a:fld>
             <a:endParaRPr lang="zh-CN" altLang="en-US"/>
           </a:p>
@@ -3754,7 +3755,7 @@
           <a:p>
             <a:fld id="{530820CF-B880-4189-942D-D702A7CBA730}" type="datetimeFigureOut">
               <a:rPr lang="zh-CN" altLang="en-US" smtClean="0"/>
-              <a:t>2012/5/26</a:t>
+              <a:t>2012/5/28</a:t>
             </a:fld>
             <a:endParaRPr lang="zh-CN" altLang="en-US"/>
           </a:p>
@@ -4384,15 +4385,11 @@
           <a:p>
             <a:pPr algn="ctr"/>
             <a:r>
-              <a:rPr lang="zh-CN" altLang="en-US" dirty="0"/>
-              <a:t>基于触摸屏的</a:t>
-            </a:r>
-            <a:r>
-              <a:rPr lang="en-US" altLang="zh-CN" dirty="0"/>
-              <a:t>3D</a:t>
-            </a:r>
-            <a:r>
-              <a:rPr lang="zh-CN" altLang="en-US" dirty="0" smtClean="0"/>
+              <a:rPr lang="zh-CN" altLang="zh-CN" dirty="0"/>
+              <a:t>基于触摸屏的立体</a:t>
+            </a:r>
+            <a:r>
+              <a:rPr lang="zh-CN" altLang="zh-CN" dirty="0" smtClean="0"/>
               <a:t>图像</a:t>
             </a:r>
             <a:r>
@@ -4403,13 +4400,14 @@
               <a:rPr lang="en-US" altLang="zh-CN" dirty="0" smtClean="0"/>
             </a:br>
             <a:r>
-              <a:rPr lang="zh-CN" altLang="en-US" dirty="0" smtClean="0"/>
+              <a:rPr lang="zh-CN" altLang="zh-CN" dirty="0" smtClean="0"/>
               <a:t>标注</a:t>
             </a:r>
             <a:r>
-              <a:rPr lang="zh-CN" altLang="en-US" dirty="0"/>
-              <a:t>工具设计</a:t>
-            </a:r>
+              <a:rPr lang="zh-CN" altLang="zh-CN" dirty="0"/>
+              <a:t>系统</a:t>
+            </a:r>
+            <a:endParaRPr lang="zh-CN" altLang="en-US" dirty="0"/>
           </a:p>
         </p:txBody>
       </p:sp>
@@ -4481,6 +4479,208 @@
 </file>
 
 <file path=ppt/slides/slide10.xml><?xml version="1.0" encoding="utf-8"?>
+<p:sld xmlns:a="http://schemas.openxmlformats.org/drawingml/2006/main" xmlns:r="http://schemas.openxmlformats.org/officeDocument/2006/relationships" xmlns:p="http://schemas.openxmlformats.org/presentationml/2006/main">
+  <p:cSld>
+    <p:spTree>
+      <p:nvGrpSpPr>
+        <p:cNvPr id="1" name=""/>
+        <p:cNvGrpSpPr/>
+        <p:nvPr/>
+      </p:nvGrpSpPr>
+      <p:grpSpPr>
+        <a:xfrm>
+          <a:off x="0" y="0"/>
+          <a:ext cx="0" cy="0"/>
+          <a:chOff x="0" y="0"/>
+          <a:chExt cx="0" cy="0"/>
+        </a:xfrm>
+      </p:grpSpPr>
+      <p:pic>
+        <p:nvPicPr>
+          <p:cNvPr id="5" name="图片 4"/>
+          <p:cNvPicPr>
+            <a:picLocks noChangeAspect="1"/>
+          </p:cNvPicPr>
+          <p:nvPr/>
+        </p:nvPicPr>
+        <p:blipFill>
+          <a:blip r:embed="rId2">
+            <a:extLst>
+              <a:ext uri="{28A0092B-C50C-407E-A947-70E740481C1C}">
+                <a14:useLocalDpi xmlns:a14="http://schemas.microsoft.com/office/drawing/2010/main" val="0"/>
+              </a:ext>
+            </a:extLst>
+          </a:blip>
+          <a:stretch>
+            <a:fillRect/>
+          </a:stretch>
+        </p:blipFill>
+        <p:spPr>
+          <a:xfrm>
+            <a:off x="1057947" y="2365336"/>
+            <a:ext cx="6682406" cy="2022688"/>
+          </a:xfrm>
+          <a:prstGeom prst="rect">
+            <a:avLst/>
+          </a:prstGeom>
+        </p:spPr>
+      </p:pic>
+      <p:pic>
+        <p:nvPicPr>
+          <p:cNvPr id="4098" name="Picture 2"/>
+          <p:cNvPicPr>
+            <a:picLocks noChangeAspect="1" noChangeArrowheads="1"/>
+          </p:cNvPicPr>
+          <p:nvPr/>
+        </p:nvPicPr>
+        <p:blipFill>
+          <a:blip r:embed="rId3">
+            <a:extLst>
+              <a:ext uri="{28A0092B-C50C-407E-A947-70E740481C1C}">
+                <a14:useLocalDpi xmlns:a14="http://schemas.microsoft.com/office/drawing/2010/main" val="0"/>
+              </a:ext>
+            </a:extLst>
+          </a:blip>
+          <a:srcRect/>
+          <a:stretch>
+            <a:fillRect/>
+          </a:stretch>
+        </p:blipFill>
+        <p:spPr bwMode="auto">
+          <a:xfrm>
+            <a:off x="1057946" y="4708379"/>
+            <a:ext cx="6682407" cy="1964367"/>
+          </a:xfrm>
+          <a:prstGeom prst="rect">
+            <a:avLst/>
+          </a:prstGeom>
+          <a:noFill/>
+          <a:ln>
+            <a:noFill/>
+          </a:ln>
+          <a:effectLst/>
+          <a:extLst>
+            <a:ext uri="{909E8E84-426E-40DD-AFC4-6F175D3DCCD1}">
+              <a14:hiddenFill xmlns:a14="http://schemas.microsoft.com/office/drawing/2010/main">
+                <a:solidFill>
+                  <a:schemeClr val="accent1"/>
+                </a:solidFill>
+              </a14:hiddenFill>
+            </a:ext>
+            <a:ext uri="{91240B29-F687-4F45-9708-019B960494DF}">
+              <a14:hiddenLine xmlns:a14="http://schemas.microsoft.com/office/drawing/2010/main" w="9525">
+                <a:solidFill>
+                  <a:schemeClr val="tx1"/>
+                </a:solidFill>
+                <a:miter lim="800000"/>
+                <a:headEnd/>
+                <a:tailEnd/>
+              </a14:hiddenLine>
+            </a:ext>
+            <a:ext uri="{AF507438-7753-43E0-B8FC-AC1667EBCBE1}">
+              <a14:hiddenEffects xmlns:a14="http://schemas.microsoft.com/office/drawing/2010/main">
+                <a:effectLst>
+                  <a:outerShdw dist="35921" dir="2700000" algn="ctr" rotWithShape="0">
+                    <a:schemeClr val="bg2"/>
+                  </a:outerShdw>
+                </a:effectLst>
+              </a14:hiddenEffects>
+            </a:ext>
+          </a:extLst>
+        </p:spPr>
+      </p:pic>
+      <p:sp>
+        <p:nvSpPr>
+          <p:cNvPr id="2" name="标题 1"/>
+          <p:cNvSpPr>
+            <a:spLocks noGrp="1"/>
+          </p:cNvSpPr>
+          <p:nvPr>
+            <p:ph type="title"/>
+          </p:nvPr>
+        </p:nvSpPr>
+        <p:spPr/>
+        <p:txBody>
+          <a:bodyPr/>
+          <a:lstStyle/>
+          <a:p>
+            <a:r>
+              <a:rPr lang="zh-CN" altLang="en-US" dirty="0" smtClean="0"/>
+              <a:t>前景标注方法</a:t>
+            </a:r>
+            <a:endParaRPr lang="zh-CN" altLang="en-US" dirty="0"/>
+          </a:p>
+        </p:txBody>
+      </p:sp>
+      <p:sp>
+        <p:nvSpPr>
+          <p:cNvPr id="3" name="内容占位符 2"/>
+          <p:cNvSpPr>
+            <a:spLocks noGrp="1"/>
+          </p:cNvSpPr>
+          <p:nvPr>
+            <p:ph idx="1"/>
+          </p:nvPr>
+        </p:nvSpPr>
+        <p:spPr/>
+        <p:txBody>
+          <a:bodyPr/>
+          <a:lstStyle/>
+          <a:p>
+            <a:r>
+              <a:rPr lang="en-US" altLang="zh-CN" dirty="0" smtClean="0"/>
+              <a:t>Intelligent Scissors</a:t>
+            </a:r>
+          </a:p>
+          <a:p>
+            <a:endParaRPr lang="en-US" altLang="zh-CN" dirty="0" smtClean="0"/>
+          </a:p>
+          <a:p>
+            <a:endParaRPr lang="en-US" altLang="zh-CN" dirty="0" smtClean="0"/>
+          </a:p>
+          <a:p>
+            <a:pPr marL="0" indent="0">
+              <a:buNone/>
+            </a:pPr>
+            <a:endParaRPr lang="en-US" altLang="zh-CN" dirty="0" smtClean="0"/>
+          </a:p>
+          <a:p>
+            <a:r>
+              <a:rPr lang="en-US" altLang="zh-CN" dirty="0" smtClean="0"/>
+              <a:t>Graph </a:t>
+            </a:r>
+            <a:r>
+              <a:rPr lang="en-US" altLang="zh-CN" dirty="0"/>
+              <a:t>Cuts </a:t>
+            </a:r>
+            <a:endParaRPr lang="en-US" altLang="zh-CN" dirty="0" smtClean="0"/>
+          </a:p>
+          <a:p>
+            <a:endParaRPr lang="zh-CN" altLang="en-US" dirty="0"/>
+          </a:p>
+        </p:txBody>
+      </p:sp>
+    </p:spTree>
+    <p:extLst>
+      <p:ext uri="{BB962C8B-B14F-4D97-AF65-F5344CB8AC3E}">
+        <p14:creationId xmlns:p14="http://schemas.microsoft.com/office/powerpoint/2010/main" val="4160365771"/>
+      </p:ext>
+    </p:extLst>
+  </p:cSld>
+  <p:clrMapOvr>
+    <a:masterClrMapping/>
+  </p:clrMapOvr>
+  <p:timing>
+    <p:tnLst>
+      <p:par>
+        <p:cTn id="1" dur="indefinite" restart="never" nodeType="tmRoot"/>
+      </p:par>
+    </p:tnLst>
+  </p:timing>
+</p:sld>
+</file>
+
+<file path=ppt/slides/slide11.xml><?xml version="1.0" encoding="utf-8"?>
 <p:sld xmlns:a="http://schemas.openxmlformats.org/drawingml/2006/main" xmlns:r="http://schemas.openxmlformats.org/officeDocument/2006/relationships" xmlns:p="http://schemas.openxmlformats.org/presentationml/2006/main">
   <p:cSld>
     <p:spTree>
@@ -4671,7 +4871,7 @@
 </p:sld>
 </file>
 
-<file path=ppt/slides/slide11.xml><?xml version="1.0" encoding="utf-8"?>
+<file path=ppt/slides/slide12.xml><?xml version="1.0" encoding="utf-8"?>
 <p:sld xmlns:a="http://schemas.openxmlformats.org/drawingml/2006/main" xmlns:r="http://schemas.openxmlformats.org/officeDocument/2006/relationships" xmlns:p="http://schemas.openxmlformats.org/presentationml/2006/main">
   <p:cSld>
     <p:spTree>
@@ -4775,7 +4975,7 @@
 </p:sld>
 </file>
 
-<file path=ppt/slides/slide12.xml><?xml version="1.0" encoding="utf-8"?>
+<file path=ppt/slides/slide13.xml><?xml version="1.0" encoding="utf-8"?>
 <p:sld xmlns:a="http://schemas.openxmlformats.org/drawingml/2006/main" xmlns:r="http://schemas.openxmlformats.org/officeDocument/2006/relationships" xmlns:p="http://schemas.openxmlformats.org/presentationml/2006/main">
   <p:cSld>
     <p:spTree>
@@ -4967,7 +5167,7 @@
 </p:sld>
 </file>
 
-<file path=ppt/slides/slide13.xml><?xml version="1.0" encoding="utf-8"?>
+<file path=ppt/slides/slide14.xml><?xml version="1.0" encoding="utf-8"?>
 <p:sld xmlns:a="http://schemas.openxmlformats.org/drawingml/2006/main" xmlns:r="http://schemas.openxmlformats.org/officeDocument/2006/relationships" xmlns:p="http://schemas.openxmlformats.org/presentationml/2006/main">
   <p:cSld>
     <p:spTree>
@@ -5144,7 +5344,7 @@
 </p:sld>
 </file>
 
-<file path=ppt/slides/slide14.xml><?xml version="1.0" encoding="utf-8"?>
+<file path=ppt/slides/slide15.xml><?xml version="1.0" encoding="utf-8"?>
 <p:sld xmlns:a="http://schemas.openxmlformats.org/drawingml/2006/main" xmlns:r="http://schemas.openxmlformats.org/officeDocument/2006/relationships" xmlns:p="http://schemas.openxmlformats.org/presentationml/2006/main">
   <p:cSld>
     <p:spTree>
@@ -5290,7 +5490,7 @@
 </p:sld>
 </file>
 
-<file path=ppt/slides/slide15.xml><?xml version="1.0" encoding="utf-8"?>
+<file path=ppt/slides/slide16.xml><?xml version="1.0" encoding="utf-8"?>
 <p:sld xmlns:a="http://schemas.openxmlformats.org/drawingml/2006/main" xmlns:r="http://schemas.openxmlformats.org/officeDocument/2006/relationships" xmlns:p="http://schemas.openxmlformats.org/presentationml/2006/main">
   <p:cSld>
     <p:spTree>
@@ -5585,7 +5785,7 @@
 </p:sld>
 </file>
 
-<file path=ppt/slides/slide16.xml><?xml version="1.0" encoding="utf-8"?>
+<file path=ppt/slides/slide17.xml><?xml version="1.0" encoding="utf-8"?>
 <p:sld xmlns:a="http://schemas.openxmlformats.org/drawingml/2006/main" xmlns:r="http://schemas.openxmlformats.org/officeDocument/2006/relationships" xmlns:p="http://schemas.openxmlformats.org/presentationml/2006/main">
   <p:cSld>
     <p:spTree>
@@ -5799,7 +5999,7 @@
 </p:sld>
 </file>
 
-<file path=ppt/slides/slide17.xml><?xml version="1.0" encoding="utf-8"?>
+<file path=ppt/slides/slide18.xml><?xml version="1.0" encoding="utf-8"?>
 <p:sld xmlns:a="http://schemas.openxmlformats.org/drawingml/2006/main" xmlns:r="http://schemas.openxmlformats.org/officeDocument/2006/relationships" xmlns:p="http://schemas.openxmlformats.org/presentationml/2006/main">
   <p:cSld>
     <p:spTree>
@@ -6019,7 +6219,7 @@
 </p:sld>
 </file>
 
-<file path=ppt/slides/slide18.xml><?xml version="1.0" encoding="utf-8"?>
+<file path=ppt/slides/slide19.xml><?xml version="1.0" encoding="utf-8"?>
 <p:sld xmlns:a="http://schemas.openxmlformats.org/drawingml/2006/main" xmlns:r="http://schemas.openxmlformats.org/officeDocument/2006/relationships" xmlns:p="http://schemas.openxmlformats.org/presentationml/2006/main">
   <p:cSld>
     <p:spTree>
@@ -6198,7 +6398,125 @@
 </p:sld>
 </file>
 
-<file path=ppt/slides/slide19.xml><?xml version="1.0" encoding="utf-8"?>
+<file path=ppt/slides/slide2.xml><?xml version="1.0" encoding="utf-8"?>
+<p:sld xmlns:a="http://schemas.openxmlformats.org/drawingml/2006/main" xmlns:r="http://schemas.openxmlformats.org/officeDocument/2006/relationships" xmlns:p="http://schemas.openxmlformats.org/presentationml/2006/main">
+  <p:cSld>
+    <p:spTree>
+      <p:nvGrpSpPr>
+        <p:cNvPr id="1" name=""/>
+        <p:cNvGrpSpPr/>
+        <p:nvPr/>
+      </p:nvGrpSpPr>
+      <p:grpSpPr>
+        <a:xfrm>
+          <a:off x="0" y="0"/>
+          <a:ext cx="0" cy="0"/>
+          <a:chOff x="0" y="0"/>
+          <a:chExt cx="0" cy="0"/>
+        </a:xfrm>
+      </p:grpSpPr>
+      <p:sp>
+        <p:nvSpPr>
+          <p:cNvPr id="2" name="标题 1"/>
+          <p:cNvSpPr>
+            <a:spLocks noGrp="1"/>
+          </p:cNvSpPr>
+          <p:nvPr>
+            <p:ph type="title"/>
+          </p:nvPr>
+        </p:nvSpPr>
+        <p:spPr/>
+        <p:txBody>
+          <a:bodyPr/>
+          <a:lstStyle/>
+          <a:p>
+            <a:r>
+              <a:rPr lang="zh-CN" altLang="en-US" dirty="0" smtClean="0"/>
+              <a:t>报告摘要</a:t>
+            </a:r>
+            <a:endParaRPr lang="zh-CN" altLang="en-US" dirty="0"/>
+          </a:p>
+        </p:txBody>
+      </p:sp>
+      <p:sp>
+        <p:nvSpPr>
+          <p:cNvPr id="3" name="内容占位符 2"/>
+          <p:cNvSpPr>
+            <a:spLocks noGrp="1"/>
+          </p:cNvSpPr>
+          <p:nvPr>
+            <p:ph idx="1"/>
+          </p:nvPr>
+        </p:nvSpPr>
+        <p:spPr/>
+        <p:txBody>
+          <a:bodyPr/>
+          <a:lstStyle/>
+          <a:p>
+            <a:r>
+              <a:rPr lang="zh-CN" altLang="en-US" dirty="0" smtClean="0"/>
+              <a:t>项目研究背景</a:t>
+            </a:r>
+            <a:endParaRPr lang="en-US" altLang="zh-CN" dirty="0" smtClean="0"/>
+          </a:p>
+          <a:p>
+            <a:r>
+              <a:rPr lang="zh-CN" altLang="en-US" dirty="0" smtClean="0"/>
+              <a:t>系统设计概述</a:t>
+            </a:r>
+            <a:endParaRPr lang="en-US" altLang="zh-CN" dirty="0" smtClean="0"/>
+          </a:p>
+          <a:p>
+            <a:r>
+              <a:rPr lang="zh-CN" altLang="en-US" dirty="0" smtClean="0"/>
+              <a:t>交互式标注模型设计</a:t>
+            </a:r>
+            <a:endParaRPr lang="en-US" altLang="zh-CN" dirty="0" smtClean="0"/>
+          </a:p>
+          <a:p>
+            <a:r>
+              <a:rPr lang="zh-CN" altLang="en-US" dirty="0" smtClean="0"/>
+              <a:t>标注工具的软件模型设计</a:t>
+            </a:r>
+            <a:endParaRPr lang="en-US" altLang="zh-CN" dirty="0" smtClean="0"/>
+          </a:p>
+          <a:p>
+            <a:r>
+              <a:rPr lang="zh-CN" altLang="en-US" dirty="0" smtClean="0"/>
+              <a:t>标注工具的实现</a:t>
+            </a:r>
+            <a:endParaRPr lang="en-US" altLang="zh-CN" dirty="0" smtClean="0"/>
+          </a:p>
+          <a:p>
+            <a:r>
+              <a:rPr lang="zh-CN" altLang="en-US" dirty="0" smtClean="0"/>
+              <a:t>部分结果展示</a:t>
+            </a:r>
+            <a:endParaRPr lang="en-US" altLang="zh-CN" dirty="0" smtClean="0"/>
+          </a:p>
+        </p:txBody>
+      </p:sp>
+    </p:spTree>
+    <p:extLst>
+      <p:ext uri="{BB962C8B-B14F-4D97-AF65-F5344CB8AC3E}">
+        <p14:creationId xmlns:p14="http://schemas.microsoft.com/office/powerpoint/2010/main" val="4281806711"/>
+      </p:ext>
+    </p:extLst>
+  </p:cSld>
+  <p:clrMapOvr>
+    <a:masterClrMapping/>
+  </p:clrMapOvr>
+  <p:timing>
+    <p:tnLst>
+      <p:par>
+        <p:cTn id="1" dur="indefinite" restart="never" nodeType="tmRoot"/>
+      </p:par>
+    </p:tnLst>
+  </p:timing>
+</p:sld>
+</file>
+
+<file path=ppt/slides/slide20.xml><?xml version="1.0" encoding="utf-8"?>
 <p:sld xmlns:a="http://schemas.openxmlformats.org/drawingml/2006/main" xmlns:r="http://schemas.openxmlformats.org/officeDocument/2006/relationships" xmlns:p="http://schemas.openxmlformats.org/presentationml/2006/main">
   <p:cSld>
     <p:spTree>
@@ -6409,125 +6727,7 @@
 </p:sld>
 </file>
 
-<file path=ppt/slides/slide2.xml><?xml version="1.0" encoding="utf-8"?>
-<p:sld xmlns:a="http://schemas.openxmlformats.org/drawingml/2006/main" xmlns:r="http://schemas.openxmlformats.org/officeDocument/2006/relationships" xmlns:p="http://schemas.openxmlformats.org/presentationml/2006/main">
-  <p:cSld>
-    <p:spTree>
-      <p:nvGrpSpPr>
-        <p:cNvPr id="1" name=""/>
-        <p:cNvGrpSpPr/>
-        <p:nvPr/>
-      </p:nvGrpSpPr>
-      <p:grpSpPr>
-        <a:xfrm>
-          <a:off x="0" y="0"/>
-          <a:ext cx="0" cy="0"/>
-          <a:chOff x="0" y="0"/>
-          <a:chExt cx="0" cy="0"/>
-        </a:xfrm>
-      </p:grpSpPr>
-      <p:sp>
-        <p:nvSpPr>
-          <p:cNvPr id="2" name="标题 1"/>
-          <p:cNvSpPr>
-            <a:spLocks noGrp="1"/>
-          </p:cNvSpPr>
-          <p:nvPr>
-            <p:ph type="title"/>
-          </p:nvPr>
-        </p:nvSpPr>
-        <p:spPr/>
-        <p:txBody>
-          <a:bodyPr/>
-          <a:lstStyle/>
-          <a:p>
-            <a:r>
-              <a:rPr lang="zh-CN" altLang="en-US" dirty="0" smtClean="0"/>
-              <a:t>报告摘要</a:t>
-            </a:r>
-            <a:endParaRPr lang="zh-CN" altLang="en-US" dirty="0"/>
-          </a:p>
-        </p:txBody>
-      </p:sp>
-      <p:sp>
-        <p:nvSpPr>
-          <p:cNvPr id="3" name="内容占位符 2"/>
-          <p:cNvSpPr>
-            <a:spLocks noGrp="1"/>
-          </p:cNvSpPr>
-          <p:nvPr>
-            <p:ph idx="1"/>
-          </p:nvPr>
-        </p:nvSpPr>
-        <p:spPr/>
-        <p:txBody>
-          <a:bodyPr/>
-          <a:lstStyle/>
-          <a:p>
-            <a:r>
-              <a:rPr lang="zh-CN" altLang="en-US" dirty="0" smtClean="0"/>
-              <a:t>项目研究背景</a:t>
-            </a:r>
-            <a:endParaRPr lang="en-US" altLang="zh-CN" dirty="0" smtClean="0"/>
-          </a:p>
-          <a:p>
-            <a:r>
-              <a:rPr lang="zh-CN" altLang="en-US" dirty="0" smtClean="0"/>
-              <a:t>系统设计概述</a:t>
-            </a:r>
-            <a:endParaRPr lang="en-US" altLang="zh-CN" dirty="0" smtClean="0"/>
-          </a:p>
-          <a:p>
-            <a:r>
-              <a:rPr lang="zh-CN" altLang="en-US" dirty="0" smtClean="0"/>
-              <a:t>交互式标注模型设计</a:t>
-            </a:r>
-            <a:endParaRPr lang="en-US" altLang="zh-CN" dirty="0" smtClean="0"/>
-          </a:p>
-          <a:p>
-            <a:r>
-              <a:rPr lang="zh-CN" altLang="en-US" dirty="0" smtClean="0"/>
-              <a:t>标注工具的软件模型设计</a:t>
-            </a:r>
-            <a:endParaRPr lang="en-US" altLang="zh-CN" dirty="0" smtClean="0"/>
-          </a:p>
-          <a:p>
-            <a:r>
-              <a:rPr lang="zh-CN" altLang="en-US" dirty="0" smtClean="0"/>
-              <a:t>标注工具的实现</a:t>
-            </a:r>
-            <a:endParaRPr lang="en-US" altLang="zh-CN" dirty="0" smtClean="0"/>
-          </a:p>
-          <a:p>
-            <a:r>
-              <a:rPr lang="zh-CN" altLang="en-US" dirty="0" smtClean="0"/>
-              <a:t>部分结果展示</a:t>
-            </a:r>
-            <a:endParaRPr lang="en-US" altLang="zh-CN" dirty="0" smtClean="0"/>
-          </a:p>
-        </p:txBody>
-      </p:sp>
-    </p:spTree>
-    <p:extLst>
-      <p:ext uri="{BB962C8B-B14F-4D97-AF65-F5344CB8AC3E}">
-        <p14:creationId xmlns:p14="http://schemas.microsoft.com/office/powerpoint/2010/main" val="4281806711"/>
-      </p:ext>
-    </p:extLst>
-  </p:cSld>
-  <p:clrMapOvr>
-    <a:masterClrMapping/>
-  </p:clrMapOvr>
-  <p:timing>
-    <p:tnLst>
-      <p:par>
-        <p:cTn id="1" dur="indefinite" restart="never" nodeType="tmRoot"/>
-      </p:par>
-    </p:tnLst>
-  </p:timing>
-</p:sld>
-</file>
-
-<file path=ppt/slides/slide20.xml><?xml version="1.0" encoding="utf-8"?>
+<file path=ppt/slides/slide21.xml><?xml version="1.0" encoding="utf-8"?>
 <p:sld xmlns:a="http://schemas.openxmlformats.org/drawingml/2006/main" xmlns:r="http://schemas.openxmlformats.org/officeDocument/2006/relationships" xmlns:p="http://schemas.openxmlformats.org/presentationml/2006/main">
   <p:cSld>
     <p:spTree>
@@ -6714,7 +6914,7 @@
 </p:sld>
 </file>
 
-<file path=ppt/slides/slide21.xml><?xml version="1.0" encoding="utf-8"?>
+<file path=ppt/slides/slide22.xml><?xml version="1.0" encoding="utf-8"?>
 <p:sld xmlns:a="http://schemas.openxmlformats.org/drawingml/2006/main" xmlns:r="http://schemas.openxmlformats.org/officeDocument/2006/relationships" xmlns:p="http://schemas.openxmlformats.org/presentationml/2006/main">
   <p:cSld>
     <p:spTree>
@@ -6838,7 +7038,7 @@
 </p:sld>
 </file>
 
-<file path=ppt/slides/slide22.xml><?xml version="1.0" encoding="utf-8"?>
+<file path=ppt/slides/slide23.xml><?xml version="1.0" encoding="utf-8"?>
 <p:sld xmlns:a="http://schemas.openxmlformats.org/drawingml/2006/main" xmlns:r="http://schemas.openxmlformats.org/officeDocument/2006/relationships" xmlns:p="http://schemas.openxmlformats.org/presentationml/2006/main">
   <p:cSld>
     <p:spTree>
@@ -6957,7 +7157,7 @@
 </p:sld>
 </file>
 
-<file path=ppt/slides/slide23.xml><?xml version="1.0" encoding="utf-8"?>
+<file path=ppt/slides/slide24.xml><?xml version="1.0" encoding="utf-8"?>
 <p:sld xmlns:a="http://schemas.openxmlformats.org/drawingml/2006/main" xmlns:r="http://schemas.openxmlformats.org/officeDocument/2006/relationships" xmlns:p="http://schemas.openxmlformats.org/presentationml/2006/main">
   <p:cSld>
     <p:spTree>
@@ -6994,7 +7194,7 @@
 </p:sld>
 </file>
 
-<file path=ppt/slides/slide24.xml><?xml version="1.0" encoding="utf-8"?>
+<file path=ppt/slides/slide25.xml><?xml version="1.0" encoding="utf-8"?>
 <p:sld xmlns:a="http://schemas.openxmlformats.org/drawingml/2006/main" xmlns:r="http://schemas.openxmlformats.org/officeDocument/2006/relationships" xmlns:p="http://schemas.openxmlformats.org/presentationml/2006/main">
   <p:cSld>
     <p:spTree>
@@ -7421,17 +7621,6 @@
               </a:rPr>
               <a:t>制作普通用户也能使用的工具</a:t>
             </a:r>
-            <a:endParaRPr kumimoji="0" lang="zh-CN" altLang="en-US" sz="1800" b="0" i="0" u="none" strike="noStrike" cap="none" normalizeH="0" baseline="0" dirty="0" smtClean="0">
-              <a:ln>
-                <a:noFill/>
-              </a:ln>
-              <a:solidFill>
-                <a:schemeClr val="tx1"/>
-              </a:solidFill>
-              <a:effectLst/>
-              <a:latin typeface="Arial" charset="0"/>
-              <a:ea typeface="宋体" charset="-122"/>
-            </a:endParaRPr>
           </a:p>
         </p:txBody>
       </p:sp>
@@ -8519,6 +8708,135 @@
           <a:chExt cx="0" cy="0"/>
         </a:xfrm>
       </p:grpSpPr>
+      <p:sp>
+        <p:nvSpPr>
+          <p:cNvPr id="2" name="标题 1"/>
+          <p:cNvSpPr>
+            <a:spLocks noGrp="1"/>
+          </p:cNvSpPr>
+          <p:nvPr>
+            <p:ph type="title"/>
+          </p:nvPr>
+        </p:nvSpPr>
+        <p:spPr/>
+        <p:txBody>
+          <a:bodyPr/>
+          <a:lstStyle/>
+          <a:p>
+            <a:r>
+              <a:rPr lang="zh-CN" altLang="en-US" dirty="0" smtClean="0"/>
+              <a:t>背景标注模块</a:t>
+            </a:r>
+            <a:endParaRPr lang="zh-CN" altLang="en-US" dirty="0"/>
+          </a:p>
+        </p:txBody>
+      </p:sp>
+      <p:sp>
+        <p:nvSpPr>
+          <p:cNvPr id="3" name="内容占位符 2"/>
+          <p:cNvSpPr>
+            <a:spLocks noGrp="1"/>
+          </p:cNvSpPr>
+          <p:nvPr>
+            <p:ph idx="1"/>
+          </p:nvPr>
+        </p:nvSpPr>
+        <p:spPr/>
+        <p:txBody>
+          <a:bodyPr/>
+          <a:lstStyle/>
+          <a:p>
+            <a:r>
+              <a:rPr lang="zh-CN" altLang="en-US" dirty="0" smtClean="0"/>
+              <a:t>自动背景深度估计</a:t>
+            </a:r>
+            <a:endParaRPr lang="en-US" altLang="zh-CN" dirty="0" smtClean="0"/>
+          </a:p>
+          <a:p>
+            <a:pPr marL="0" indent="0">
+              <a:buNone/>
+            </a:pPr>
+            <a:r>
+              <a:rPr lang="zh-CN" altLang="en-US" sz="2800" dirty="0"/>
+              <a:t>融合影视节目常见的三种线索，更广的深度范围</a:t>
+            </a:r>
+            <a:endParaRPr lang="en-US" altLang="zh-CN" sz="2800" dirty="0" smtClean="0"/>
+          </a:p>
+          <a:p>
+            <a:pPr lvl="1"/>
+            <a:r>
+              <a:rPr lang="zh-CN" altLang="en-US" dirty="0"/>
+              <a:t>运动（立体匹配）线索：</a:t>
+            </a:r>
+            <a:r>
+              <a:rPr lang="zh-CN" altLang="en-US" dirty="0" smtClean="0"/>
+              <a:t>近距离</a:t>
+            </a:r>
+            <a:endParaRPr lang="en-US" altLang="zh-CN" dirty="0" smtClean="0"/>
+          </a:p>
+          <a:p>
+            <a:pPr lvl="1"/>
+            <a:r>
+              <a:rPr lang="zh-CN" altLang="en-US" dirty="0"/>
+              <a:t>聚焦模糊线索：近、</a:t>
+            </a:r>
+            <a:r>
+              <a:rPr lang="zh-CN" altLang="en-US" dirty="0" smtClean="0"/>
+              <a:t>中距离</a:t>
+            </a:r>
+            <a:endParaRPr lang="en-US" altLang="zh-CN" dirty="0" smtClean="0"/>
+          </a:p>
+          <a:p>
+            <a:pPr lvl="1"/>
+            <a:r>
+              <a:rPr lang="zh-CN" altLang="en-US" dirty="0"/>
+              <a:t>大气光透视线索：远</a:t>
+            </a:r>
+            <a:r>
+              <a:rPr lang="zh-CN" altLang="en-US" dirty="0" smtClean="0"/>
+              <a:t>距离</a:t>
+            </a:r>
+            <a:endParaRPr lang="zh-CN" altLang="en-US" dirty="0"/>
+          </a:p>
+        </p:txBody>
+      </p:sp>
+    </p:spTree>
+    <p:extLst>
+      <p:ext uri="{BB962C8B-B14F-4D97-AF65-F5344CB8AC3E}">
+        <p14:creationId xmlns:p14="http://schemas.microsoft.com/office/powerpoint/2010/main" val="2591628440"/>
+      </p:ext>
+    </p:extLst>
+  </p:cSld>
+  <p:clrMapOvr>
+    <a:masterClrMapping/>
+  </p:clrMapOvr>
+  <p:timing>
+    <p:tnLst>
+      <p:par>
+        <p:cTn id="1" dur="indefinite" restart="never" nodeType="tmRoot"/>
+      </p:par>
+    </p:tnLst>
+  </p:timing>
+</p:sld>
+</file>
+
+<file path=ppt/slides/slide9.xml><?xml version="1.0" encoding="utf-8"?>
+<p:sld xmlns:a="http://schemas.openxmlformats.org/drawingml/2006/main" xmlns:r="http://schemas.openxmlformats.org/officeDocument/2006/relationships" xmlns:p="http://schemas.openxmlformats.org/presentationml/2006/main">
+  <p:cSld>
+    <p:spTree>
+      <p:nvGrpSpPr>
+        <p:cNvPr id="1" name=""/>
+        <p:cNvGrpSpPr/>
+        <p:nvPr/>
+      </p:nvGrpSpPr>
+      <p:grpSpPr>
+        <a:xfrm>
+          <a:off x="0" y="0"/>
+          <a:ext cx="0" cy="0"/>
+          <a:chOff x="0" y="0"/>
+          <a:chExt cx="0" cy="0"/>
+        </a:xfrm>
+      </p:grpSpPr>
       <p:pic>
         <p:nvPicPr>
           <p:cNvPr id="2050" name="Picture 2"/>
@@ -8660,208 +8978,6 @@
     <p:extLst>
       <p:ext uri="{BB962C8B-B14F-4D97-AF65-F5344CB8AC3E}">
         <p14:creationId xmlns:p14="http://schemas.microsoft.com/office/powerpoint/2010/main" val="3132838216"/>
-      </p:ext>
-    </p:extLst>
-  </p:cSld>
-  <p:clrMapOvr>
-    <a:masterClrMapping/>
-  </p:clrMapOvr>
-  <p:timing>
-    <p:tnLst>
-      <p:par>
-        <p:cTn id="1" dur="indefinite" restart="never" nodeType="tmRoot"/>
-      </p:par>
-    </p:tnLst>
-  </p:timing>
-</p:sld>
-</file>
-
-<file path=ppt/slides/slide9.xml><?xml version="1.0" encoding="utf-8"?>
-<p:sld xmlns:a="http://schemas.openxmlformats.org/drawingml/2006/main" xmlns:r="http://schemas.openxmlformats.org/officeDocument/2006/relationships" xmlns:p="http://schemas.openxmlformats.org/presentationml/2006/main">
-  <p:cSld>
-    <p:spTree>
-      <p:nvGrpSpPr>
-        <p:cNvPr id="1" name=""/>
-        <p:cNvGrpSpPr/>
-        <p:nvPr/>
-      </p:nvGrpSpPr>
-      <p:grpSpPr>
-        <a:xfrm>
-          <a:off x="0" y="0"/>
-          <a:ext cx="0" cy="0"/>
-          <a:chOff x="0" y="0"/>
-          <a:chExt cx="0" cy="0"/>
-        </a:xfrm>
-      </p:grpSpPr>
-      <p:pic>
-        <p:nvPicPr>
-          <p:cNvPr id="5" name="图片 4"/>
-          <p:cNvPicPr>
-            <a:picLocks noChangeAspect="1"/>
-          </p:cNvPicPr>
-          <p:nvPr/>
-        </p:nvPicPr>
-        <p:blipFill>
-          <a:blip r:embed="rId2">
-            <a:extLst>
-              <a:ext uri="{28A0092B-C50C-407E-A947-70E740481C1C}">
-                <a14:useLocalDpi xmlns:a14="http://schemas.microsoft.com/office/drawing/2010/main" val="0"/>
-              </a:ext>
-            </a:extLst>
-          </a:blip>
-          <a:stretch>
-            <a:fillRect/>
-          </a:stretch>
-        </p:blipFill>
-        <p:spPr>
-          <a:xfrm>
-            <a:off x="1057947" y="2365336"/>
-            <a:ext cx="6682406" cy="2022688"/>
-          </a:xfrm>
-          <a:prstGeom prst="rect">
-            <a:avLst/>
-          </a:prstGeom>
-        </p:spPr>
-      </p:pic>
-      <p:pic>
-        <p:nvPicPr>
-          <p:cNvPr id="4098" name="Picture 2"/>
-          <p:cNvPicPr>
-            <a:picLocks noChangeAspect="1" noChangeArrowheads="1"/>
-          </p:cNvPicPr>
-          <p:nvPr/>
-        </p:nvPicPr>
-        <p:blipFill>
-          <a:blip r:embed="rId3">
-            <a:extLst>
-              <a:ext uri="{28A0092B-C50C-407E-A947-70E740481C1C}">
-                <a14:useLocalDpi xmlns:a14="http://schemas.microsoft.com/office/drawing/2010/main" val="0"/>
-              </a:ext>
-            </a:extLst>
-          </a:blip>
-          <a:srcRect/>
-          <a:stretch>
-            <a:fillRect/>
-          </a:stretch>
-        </p:blipFill>
-        <p:spPr bwMode="auto">
-          <a:xfrm>
-            <a:off x="1057946" y="4708379"/>
-            <a:ext cx="6682407" cy="1964367"/>
-          </a:xfrm>
-          <a:prstGeom prst="rect">
-            <a:avLst/>
-          </a:prstGeom>
-          <a:noFill/>
-          <a:ln>
-            <a:noFill/>
-          </a:ln>
-          <a:effectLst/>
-          <a:extLst>
-            <a:ext uri="{909E8E84-426E-40DD-AFC4-6F175D3DCCD1}">
-              <a14:hiddenFill xmlns:a14="http://schemas.microsoft.com/office/drawing/2010/main">
-                <a:solidFill>
-                  <a:schemeClr val="accent1"/>
-                </a:solidFill>
-              </a14:hiddenFill>
-            </a:ext>
-            <a:ext uri="{91240B29-F687-4F45-9708-019B960494DF}">
-              <a14:hiddenLine xmlns:a14="http://schemas.microsoft.com/office/drawing/2010/main" w="9525">
-                <a:solidFill>
-                  <a:schemeClr val="tx1"/>
-                </a:solidFill>
-                <a:miter lim="800000"/>
-                <a:headEnd/>
-                <a:tailEnd/>
-              </a14:hiddenLine>
-            </a:ext>
-            <a:ext uri="{AF507438-7753-43E0-B8FC-AC1667EBCBE1}">
-              <a14:hiddenEffects xmlns:a14="http://schemas.microsoft.com/office/drawing/2010/main">
-                <a:effectLst>
-                  <a:outerShdw dist="35921" dir="2700000" algn="ctr" rotWithShape="0">
-                    <a:schemeClr val="bg2"/>
-                  </a:outerShdw>
-                </a:effectLst>
-              </a14:hiddenEffects>
-            </a:ext>
-          </a:extLst>
-        </p:spPr>
-      </p:pic>
-      <p:sp>
-        <p:nvSpPr>
-          <p:cNvPr id="2" name="标题 1"/>
-          <p:cNvSpPr>
-            <a:spLocks noGrp="1"/>
-          </p:cNvSpPr>
-          <p:nvPr>
-            <p:ph type="title"/>
-          </p:nvPr>
-        </p:nvSpPr>
-        <p:spPr/>
-        <p:txBody>
-          <a:bodyPr/>
-          <a:lstStyle/>
-          <a:p>
-            <a:r>
-              <a:rPr lang="zh-CN" altLang="en-US" dirty="0" smtClean="0"/>
-              <a:t>前景标注方法</a:t>
-            </a:r>
-            <a:endParaRPr lang="zh-CN" altLang="en-US" dirty="0"/>
-          </a:p>
-        </p:txBody>
-      </p:sp>
-      <p:sp>
-        <p:nvSpPr>
-          <p:cNvPr id="3" name="内容占位符 2"/>
-          <p:cNvSpPr>
-            <a:spLocks noGrp="1"/>
-          </p:cNvSpPr>
-          <p:nvPr>
-            <p:ph idx="1"/>
-          </p:nvPr>
-        </p:nvSpPr>
-        <p:spPr/>
-        <p:txBody>
-          <a:bodyPr/>
-          <a:lstStyle/>
-          <a:p>
-            <a:r>
-              <a:rPr lang="en-US" altLang="zh-CN" dirty="0" smtClean="0"/>
-              <a:t>Intelligent Scissors</a:t>
-            </a:r>
-          </a:p>
-          <a:p>
-            <a:endParaRPr lang="en-US" altLang="zh-CN" dirty="0" smtClean="0"/>
-          </a:p>
-          <a:p>
-            <a:endParaRPr lang="en-US" altLang="zh-CN" dirty="0" smtClean="0"/>
-          </a:p>
-          <a:p>
-            <a:pPr marL="0" indent="0">
-              <a:buNone/>
-            </a:pPr>
-            <a:endParaRPr lang="en-US" altLang="zh-CN" dirty="0" smtClean="0"/>
-          </a:p>
-          <a:p>
-            <a:r>
-              <a:rPr lang="en-US" altLang="zh-CN" dirty="0" smtClean="0"/>
-              <a:t>Graph </a:t>
-            </a:r>
-            <a:r>
-              <a:rPr lang="en-US" altLang="zh-CN" dirty="0"/>
-              <a:t>Cuts </a:t>
-            </a:r>
-            <a:endParaRPr lang="en-US" altLang="zh-CN" dirty="0" smtClean="0"/>
-          </a:p>
-          <a:p>
-            <a:endParaRPr lang="zh-CN" altLang="en-US" dirty="0"/>
-          </a:p>
-        </p:txBody>
-      </p:sp>
-    </p:spTree>
-    <p:extLst>
-      <p:ext uri="{BB962C8B-B14F-4D97-AF65-F5344CB8AC3E}">
-        <p14:creationId xmlns:p14="http://schemas.microsoft.com/office/powerpoint/2010/main" val="4160365771"/>
       </p:ext>
     </p:extLst>
   </p:cSld>

--- a/trunk/OMG/毕设.pptx
+++ b/trunk/OMG/毕设.pptx
@@ -6979,7 +6979,7 @@
       </p:sp>
       <p:pic>
         <p:nvPicPr>
-          <p:cNvPr id="1026" name="Picture 2" descr="C:\Users\zhangjian\Documents\Visual Studio 2010\Projects\ForST\ForST\1.jpg"/>
+          <p:cNvPr id="2" name="Picture 2" descr="C:\Users\zhangjian\Pictures\lena\lena_DoubleView.jpg"/>
           <p:cNvPicPr>
             <a:picLocks noChangeAspect="1" noChangeArrowheads="1"/>
           </p:cNvPicPr>
@@ -7000,8 +7000,8 @@
         </p:blipFill>
         <p:spPr bwMode="auto">
           <a:xfrm>
-            <a:off x="1547664" y="2765860"/>
-            <a:ext cx="6588224" cy="3294112"/>
+            <a:off x="1187624" y="2596610"/>
+            <a:ext cx="6849356" cy="3424678"/>
           </a:xfrm>
           <a:prstGeom prst="rect">
             <a:avLst/>
